--- a/doc/fpw_javascript.pptx
+++ b/doc/fpw_javascript.pptx
@@ -6,7 +6,7 @@
     <p:sldMasterId id="2147483660" r:id="rId2"/>
   </p:sldMasterIdLst>
   <p:notesMasterIdLst>
-    <p:notesMasterId r:id="rId29"/>
+    <p:notesMasterId r:id="rId36"/>
   </p:notesMasterIdLst>
   <p:sldIdLst>
     <p:sldId id="256" r:id="rId3"/>
@@ -35,6 +35,13 @@
     <p:sldId id="296" r:id="rId26"/>
     <p:sldId id="297" r:id="rId27"/>
     <p:sldId id="298" r:id="rId28"/>
+    <p:sldId id="299" r:id="rId29"/>
+    <p:sldId id="300" r:id="rId30"/>
+    <p:sldId id="301" r:id="rId31"/>
+    <p:sldId id="302" r:id="rId32"/>
+    <p:sldId id="306" r:id="rId33"/>
+    <p:sldId id="303" r:id="rId34"/>
+    <p:sldId id="305" r:id="rId35"/>
   </p:sldIdLst>
   <p:sldSz cx="12192000" cy="6858000"/>
   <p:notesSz cx="6858000" cy="9144000"/>
@@ -223,7 +230,7 @@
           <a:p>
             <a:fld id="{C5C21A2B-25B5-E547-ABEA-0A43F9849406}" type="datetimeFigureOut">
               <a:rPr lang="de-DE" smtClean="0"/>
-              <a:t>25.01.21</a:t>
+              <a:t>26.01.21</a:t>
             </a:fld>
             <a:endParaRPr lang="de-DE"/>
           </a:p>
@@ -1619,6 +1626,868 @@
     <p:extLst>
       <p:ext uri="{BB962C8B-B14F-4D97-AF65-F5344CB8AC3E}">
         <p14:creationId xmlns:p14="http://schemas.microsoft.com/office/powerpoint/2010/main" val="1043507956"/>
+      </p:ext>
+    </p:extLst>
+  </p:cSld>
+  <p:clrMapOvr>
+    <a:masterClrMapping/>
+  </p:clrMapOvr>
+</p:notes>
+</file>
+
+<file path=ppt/notesSlides/notesSlide21.xml><?xml version="1.0" encoding="utf-8"?>
+<p:notes xmlns:a="http://schemas.openxmlformats.org/drawingml/2006/main" xmlns:r="http://schemas.openxmlformats.org/officeDocument/2006/relationships" xmlns:p="http://schemas.openxmlformats.org/presentationml/2006/main">
+  <p:cSld>
+    <p:spTree>
+      <p:nvGrpSpPr>
+        <p:cNvPr id="1" name=""/>
+        <p:cNvGrpSpPr/>
+        <p:nvPr/>
+      </p:nvGrpSpPr>
+      <p:grpSpPr>
+        <a:xfrm>
+          <a:off x="0" y="0"/>
+          <a:ext cx="0" cy="0"/>
+          <a:chOff x="0" y="0"/>
+          <a:chExt cx="0" cy="0"/>
+        </a:xfrm>
+      </p:grpSpPr>
+      <p:sp>
+        <p:nvSpPr>
+          <p:cNvPr id="2" name="Folienbildplatzhalter 1"/>
+          <p:cNvSpPr>
+            <a:spLocks noGrp="1" noRot="1" noChangeAspect="1"/>
+          </p:cNvSpPr>
+          <p:nvPr>
+            <p:ph type="sldImg"/>
+          </p:nvPr>
+        </p:nvSpPr>
+        <p:spPr/>
+      </p:sp>
+      <p:sp>
+        <p:nvSpPr>
+          <p:cNvPr id="3" name="Notizenplatzhalter 2"/>
+          <p:cNvSpPr>
+            <a:spLocks noGrp="1"/>
+          </p:cNvSpPr>
+          <p:nvPr>
+            <p:ph type="body" idx="1"/>
+          </p:nvPr>
+        </p:nvSpPr>
+        <p:spPr/>
+        <p:txBody>
+          <a:bodyPr/>
+          <a:lstStyle/>
+          <a:p>
+            <a:pPr marL="171450" indent="-171450">
+              <a:buFont typeface="Arial" panose="020B0604020202020204" pitchFamily="34" charset="0"/>
+              <a:buChar char="•"/>
+            </a:pPr>
+            <a:r>
+              <a:rPr lang="de-DE" dirty="0"/>
+              <a:t>Aus den Bausteinen / </a:t>
+            </a:r>
+            <a:r>
+              <a:rPr lang="de-DE" dirty="0" err="1"/>
+              <a:t>Kombinatoren</a:t>
+            </a:r>
+            <a:r>
+              <a:rPr lang="de-DE" dirty="0"/>
+              <a:t> die wir kennengelernt haben, können wir unsere eigenen </a:t>
+            </a:r>
+            <a:r>
+              <a:rPr lang="de-DE" dirty="0" err="1"/>
+              <a:t>Boolsche</a:t>
+            </a:r>
+            <a:r>
+              <a:rPr lang="de-DE" dirty="0"/>
+              <a:t> Logik implementieren.</a:t>
+            </a:r>
+          </a:p>
+          <a:p>
+            <a:pPr marL="171450" indent="-171450">
+              <a:buFont typeface="Arial" panose="020B0604020202020204" pitchFamily="34" charset="0"/>
+              <a:buChar char="•"/>
+            </a:pPr>
+            <a:r>
+              <a:rPr lang="de-DE" dirty="0"/>
+              <a:t>Bestehend (fast) nur aus Funktionen</a:t>
+            </a:r>
+          </a:p>
+          <a:p>
+            <a:pPr marL="171450" indent="-171450">
+              <a:buFont typeface="Arial" panose="020B0604020202020204" pitchFamily="34" charset="0"/>
+              <a:buChar char="•"/>
+            </a:pPr>
+            <a:r>
+              <a:rPr lang="de-DE" dirty="0"/>
+              <a:t>Diese Beispiele dienen nur zur Veranschaulichung wie mächtig die Kombination von Funktionen ist</a:t>
+            </a:r>
+          </a:p>
+          <a:p>
+            <a:pPr marL="171450" indent="-171450">
+              <a:buFont typeface="Arial" panose="020B0604020202020204" pitchFamily="34" charset="0"/>
+              <a:buChar char="•"/>
+            </a:pPr>
+            <a:r>
+              <a:rPr lang="de-DE" dirty="0"/>
+              <a:t>Wir werden noch ein konkretes Beispiel eines einfachen Programms kennenlernen, welches funktional aufgebaut ist</a:t>
+            </a:r>
+          </a:p>
+        </p:txBody>
+      </p:sp>
+      <p:sp>
+        <p:nvSpPr>
+          <p:cNvPr id="4" name="Foliennummernplatzhalter 3"/>
+          <p:cNvSpPr>
+            <a:spLocks noGrp="1"/>
+          </p:cNvSpPr>
+          <p:nvPr>
+            <p:ph type="sldNum" sz="quarter" idx="5"/>
+          </p:nvPr>
+        </p:nvSpPr>
+        <p:spPr/>
+        <p:txBody>
+          <a:bodyPr/>
+          <a:lstStyle/>
+          <a:p>
+            <a:fld id="{700B6522-C0E8-F447-B542-147F23E8D225}" type="slidenum">
+              <a:rPr lang="de-DE" smtClean="0"/>
+              <a:t>27</a:t>
+            </a:fld>
+            <a:endParaRPr lang="de-DE"/>
+          </a:p>
+        </p:txBody>
+      </p:sp>
+    </p:spTree>
+    <p:extLst>
+      <p:ext uri="{BB962C8B-B14F-4D97-AF65-F5344CB8AC3E}">
+        <p14:creationId xmlns:p14="http://schemas.microsoft.com/office/powerpoint/2010/main" val="2014441044"/>
+      </p:ext>
+    </p:extLst>
+  </p:cSld>
+  <p:clrMapOvr>
+    <a:masterClrMapping/>
+  </p:clrMapOvr>
+</p:notes>
+</file>
+
+<file path=ppt/notesSlides/notesSlide22.xml><?xml version="1.0" encoding="utf-8"?>
+<p:notes xmlns:a="http://schemas.openxmlformats.org/drawingml/2006/main" xmlns:r="http://schemas.openxmlformats.org/officeDocument/2006/relationships" xmlns:p="http://schemas.openxmlformats.org/presentationml/2006/main">
+  <p:cSld>
+    <p:spTree>
+      <p:nvGrpSpPr>
+        <p:cNvPr id="1" name=""/>
+        <p:cNvGrpSpPr/>
+        <p:nvPr/>
+      </p:nvGrpSpPr>
+      <p:grpSpPr>
+        <a:xfrm>
+          <a:off x="0" y="0"/>
+          <a:ext cx="0" cy="0"/>
+          <a:chOff x="0" y="0"/>
+          <a:chExt cx="0" cy="0"/>
+        </a:xfrm>
+      </p:grpSpPr>
+      <p:sp>
+        <p:nvSpPr>
+          <p:cNvPr id="2" name="Folienbildplatzhalter 1"/>
+          <p:cNvSpPr>
+            <a:spLocks noGrp="1" noRot="1" noChangeAspect="1"/>
+          </p:cNvSpPr>
+          <p:nvPr>
+            <p:ph type="sldImg"/>
+          </p:nvPr>
+        </p:nvSpPr>
+        <p:spPr/>
+      </p:sp>
+      <p:sp>
+        <p:nvSpPr>
+          <p:cNvPr id="3" name="Notizenplatzhalter 2"/>
+          <p:cNvSpPr>
+            <a:spLocks noGrp="1"/>
+          </p:cNvSpPr>
+          <p:nvPr>
+            <p:ph type="body" idx="1"/>
+          </p:nvPr>
+        </p:nvSpPr>
+        <p:spPr/>
+        <p:txBody>
+          <a:bodyPr/>
+          <a:lstStyle/>
+          <a:p>
+            <a:pPr marL="171450" indent="-171450">
+              <a:buFont typeface="Arial" panose="020B0604020202020204" pitchFamily="34" charset="0"/>
+              <a:buChar char="•"/>
+            </a:pPr>
+            <a:r>
+              <a:rPr lang="de-DE" dirty="0"/>
+              <a:t>Mittels </a:t>
+            </a:r>
+            <a:r>
+              <a:rPr lang="de-DE" dirty="0" err="1"/>
+              <a:t>Observern</a:t>
+            </a:r>
+            <a:r>
+              <a:rPr lang="de-DE" dirty="0"/>
+              <a:t> können wir die Views von den Daten trennen</a:t>
+            </a:r>
+          </a:p>
+          <a:p>
+            <a:pPr marL="171450" indent="-171450">
+              <a:buFont typeface="Arial" panose="020B0604020202020204" pitchFamily="34" charset="0"/>
+              <a:buChar char="•"/>
+            </a:pPr>
+            <a:r>
+              <a:rPr lang="de-DE" dirty="0"/>
+              <a:t>Mehrere Views können so unabhängig voneinander auf Änderungen reagieren</a:t>
+            </a:r>
+          </a:p>
+          <a:p>
+            <a:pPr marL="171450" indent="-171450">
+              <a:buFont typeface="Arial" panose="020B0604020202020204" pitchFamily="34" charset="0"/>
+              <a:buChar char="•"/>
+            </a:pPr>
+            <a:r>
+              <a:rPr lang="de-DE" dirty="0"/>
+              <a:t>Nebst des Observable werden wir uns auch die Observable List im Code ansehen</a:t>
+            </a:r>
+          </a:p>
+          <a:p>
+            <a:pPr marL="171450" indent="-171450">
+              <a:buFont typeface="Arial" panose="020B0604020202020204" pitchFamily="34" charset="0"/>
+              <a:buChar char="•"/>
+            </a:pPr>
+            <a:r>
+              <a:rPr lang="de-DE" dirty="0"/>
+              <a:t>Diese lässt sich, wie der Name schon sagt, wunderbar für Listen verwenden</a:t>
+            </a:r>
+          </a:p>
+          <a:p>
+            <a:pPr marL="171450" indent="-171450">
+              <a:buFont typeface="Arial" panose="020B0604020202020204" pitchFamily="34" charset="0"/>
+              <a:buChar char="•"/>
+            </a:pPr>
+            <a:endParaRPr lang="de-DE" dirty="0"/>
+          </a:p>
+        </p:txBody>
+      </p:sp>
+      <p:sp>
+        <p:nvSpPr>
+          <p:cNvPr id="4" name="Foliennummernplatzhalter 3"/>
+          <p:cNvSpPr>
+            <a:spLocks noGrp="1"/>
+          </p:cNvSpPr>
+          <p:nvPr>
+            <p:ph type="sldNum" sz="quarter" idx="5"/>
+          </p:nvPr>
+        </p:nvSpPr>
+        <p:spPr/>
+        <p:txBody>
+          <a:bodyPr/>
+          <a:lstStyle/>
+          <a:p>
+            <a:fld id="{700B6522-C0E8-F447-B542-147F23E8D225}" type="slidenum">
+              <a:rPr lang="de-DE" smtClean="0"/>
+              <a:t>29</a:t>
+            </a:fld>
+            <a:endParaRPr lang="de-DE"/>
+          </a:p>
+        </p:txBody>
+      </p:sp>
+    </p:spTree>
+    <p:extLst>
+      <p:ext uri="{BB962C8B-B14F-4D97-AF65-F5344CB8AC3E}">
+        <p14:creationId xmlns:p14="http://schemas.microsoft.com/office/powerpoint/2010/main" val="3299173637"/>
+      </p:ext>
+    </p:extLst>
+  </p:cSld>
+  <p:clrMapOvr>
+    <a:masterClrMapping/>
+  </p:clrMapOvr>
+</p:notes>
+</file>
+
+<file path=ppt/notesSlides/notesSlide23.xml><?xml version="1.0" encoding="utf-8"?>
+<p:notes xmlns:a="http://schemas.openxmlformats.org/drawingml/2006/main" xmlns:r="http://schemas.openxmlformats.org/officeDocument/2006/relationships" xmlns:p="http://schemas.openxmlformats.org/presentationml/2006/main">
+  <p:cSld>
+    <p:spTree>
+      <p:nvGrpSpPr>
+        <p:cNvPr id="1" name=""/>
+        <p:cNvGrpSpPr/>
+        <p:nvPr/>
+      </p:nvGrpSpPr>
+      <p:grpSpPr>
+        <a:xfrm>
+          <a:off x="0" y="0"/>
+          <a:ext cx="0" cy="0"/>
+          <a:chOff x="0" y="0"/>
+          <a:chExt cx="0" cy="0"/>
+        </a:xfrm>
+      </p:grpSpPr>
+      <p:sp>
+        <p:nvSpPr>
+          <p:cNvPr id="2" name="Folienbildplatzhalter 1"/>
+          <p:cNvSpPr>
+            <a:spLocks noGrp="1" noRot="1" noChangeAspect="1"/>
+          </p:cNvSpPr>
+          <p:nvPr>
+            <p:ph type="sldImg"/>
+          </p:nvPr>
+        </p:nvSpPr>
+        <p:spPr/>
+      </p:sp>
+      <p:sp>
+        <p:nvSpPr>
+          <p:cNvPr id="3" name="Notizenplatzhalter 2"/>
+          <p:cNvSpPr>
+            <a:spLocks noGrp="1"/>
+          </p:cNvSpPr>
+          <p:nvPr>
+            <p:ph type="body" idx="1"/>
+          </p:nvPr>
+        </p:nvSpPr>
+        <p:spPr/>
+        <p:txBody>
+          <a:bodyPr/>
+          <a:lstStyle/>
+          <a:p>
+            <a:pPr marL="0" indent="0">
+              <a:buFont typeface="+mj-lt"/>
+              <a:buNone/>
+            </a:pPr>
+            <a:r>
+              <a:rPr lang="de-DE" dirty="0"/>
+              <a:t>Ausgangslage</a:t>
+            </a:r>
+          </a:p>
+          <a:p>
+            <a:pPr marL="171450" indent="-171450">
+              <a:buFont typeface="Arial" panose="020B0604020202020204" pitchFamily="34" charset="0"/>
+              <a:buChar char="•"/>
+            </a:pPr>
+            <a:r>
+              <a:rPr lang="de-DE" dirty="0"/>
+              <a:t>Es gibt ein </a:t>
+            </a:r>
+            <a:r>
+              <a:rPr lang="de-DE" dirty="0" err="1"/>
+              <a:t>SelectionController</a:t>
+            </a:r>
+            <a:endParaRPr lang="de-DE" dirty="0"/>
+          </a:p>
+          <a:p>
+            <a:pPr marL="171450" indent="-171450">
+              <a:buFont typeface="Arial" panose="020B0604020202020204" pitchFamily="34" charset="0"/>
+              <a:buChar char="•"/>
+            </a:pPr>
+            <a:r>
+              <a:rPr lang="de-DE" dirty="0"/>
+              <a:t>Es gibt ein </a:t>
+            </a:r>
+            <a:r>
+              <a:rPr lang="de-DE" dirty="0" err="1"/>
+              <a:t>ListController</a:t>
+            </a:r>
+            <a:endParaRPr lang="de-DE" dirty="0"/>
+          </a:p>
+          <a:p>
+            <a:pPr marL="171450" indent="-171450">
+              <a:buFont typeface="Arial" panose="020B0604020202020204" pitchFamily="34" charset="0"/>
+              <a:buChar char="•"/>
+            </a:pPr>
+            <a:r>
+              <a:rPr lang="de-DE" dirty="0"/>
+              <a:t>Würde auch mit einem einzigen Controller gehen (z.B. </a:t>
+            </a:r>
+            <a:r>
+              <a:rPr lang="de-DE" dirty="0" err="1"/>
+              <a:t>StudentController</a:t>
+            </a:r>
+            <a:r>
+              <a:rPr lang="de-DE" dirty="0"/>
+              <a:t>)</a:t>
+            </a:r>
+          </a:p>
+          <a:p>
+            <a:pPr marL="0" indent="0">
+              <a:buFont typeface="+mj-lt"/>
+              <a:buNone/>
+            </a:pPr>
+            <a:endParaRPr lang="de-DE" dirty="0"/>
+          </a:p>
+        </p:txBody>
+      </p:sp>
+      <p:sp>
+        <p:nvSpPr>
+          <p:cNvPr id="4" name="Foliennummernplatzhalter 3"/>
+          <p:cNvSpPr>
+            <a:spLocks noGrp="1"/>
+          </p:cNvSpPr>
+          <p:nvPr>
+            <p:ph type="sldNum" sz="quarter" idx="5"/>
+          </p:nvPr>
+        </p:nvSpPr>
+        <p:spPr/>
+        <p:txBody>
+          <a:bodyPr/>
+          <a:lstStyle/>
+          <a:p>
+            <a:fld id="{700B6522-C0E8-F447-B542-147F23E8D225}" type="slidenum">
+              <a:rPr lang="de-DE" smtClean="0"/>
+              <a:t>30</a:t>
+            </a:fld>
+            <a:endParaRPr lang="de-DE"/>
+          </a:p>
+        </p:txBody>
+      </p:sp>
+    </p:spTree>
+    <p:extLst>
+      <p:ext uri="{BB962C8B-B14F-4D97-AF65-F5344CB8AC3E}">
+        <p14:creationId xmlns:p14="http://schemas.microsoft.com/office/powerpoint/2010/main" val="1320564709"/>
+      </p:ext>
+    </p:extLst>
+  </p:cSld>
+  <p:clrMapOvr>
+    <a:masterClrMapping/>
+  </p:clrMapOvr>
+</p:notes>
+</file>
+
+<file path=ppt/notesSlides/notesSlide24.xml><?xml version="1.0" encoding="utf-8"?>
+<p:notes xmlns:a="http://schemas.openxmlformats.org/drawingml/2006/main" xmlns:r="http://schemas.openxmlformats.org/officeDocument/2006/relationships" xmlns:p="http://schemas.openxmlformats.org/presentationml/2006/main">
+  <p:cSld>
+    <p:spTree>
+      <p:nvGrpSpPr>
+        <p:cNvPr id="1" name=""/>
+        <p:cNvGrpSpPr/>
+        <p:nvPr/>
+      </p:nvGrpSpPr>
+      <p:grpSpPr>
+        <a:xfrm>
+          <a:off x="0" y="0"/>
+          <a:ext cx="0" cy="0"/>
+          <a:chOff x="0" y="0"/>
+          <a:chExt cx="0" cy="0"/>
+        </a:xfrm>
+      </p:grpSpPr>
+      <p:sp>
+        <p:nvSpPr>
+          <p:cNvPr id="2" name="Folienbildplatzhalter 1"/>
+          <p:cNvSpPr>
+            <a:spLocks noGrp="1" noRot="1" noChangeAspect="1"/>
+          </p:cNvSpPr>
+          <p:nvPr>
+            <p:ph type="sldImg"/>
+          </p:nvPr>
+        </p:nvSpPr>
+        <p:spPr/>
+      </p:sp>
+      <p:sp>
+        <p:nvSpPr>
+          <p:cNvPr id="3" name="Notizenplatzhalter 2"/>
+          <p:cNvSpPr>
+            <a:spLocks noGrp="1"/>
+          </p:cNvSpPr>
+          <p:nvPr>
+            <p:ph type="body" idx="1"/>
+          </p:nvPr>
+        </p:nvSpPr>
+        <p:spPr/>
+        <p:txBody>
+          <a:bodyPr/>
+          <a:lstStyle/>
+          <a:p>
+            <a:pPr marL="228600" indent="-228600">
+              <a:buFont typeface="+mj-lt"/>
+              <a:buAutoNum type="arabicPeriod"/>
+            </a:pPr>
+            <a:r>
+              <a:rPr lang="de-DE" dirty="0"/>
+              <a:t>Der Benutzer wählt ein Student aus der Liste aus und der Click </a:t>
+            </a:r>
+            <a:r>
+              <a:rPr lang="de-DE" dirty="0" err="1"/>
+              <a:t>Listener</a:t>
+            </a:r>
+            <a:r>
+              <a:rPr lang="de-DE" dirty="0"/>
+              <a:t> informiert den Observer des </a:t>
+            </a:r>
+            <a:r>
+              <a:rPr lang="de-DE" dirty="0" err="1"/>
+              <a:t>SelectionControllers</a:t>
+            </a:r>
+            <a:r>
+              <a:rPr lang="de-DE" dirty="0"/>
+              <a:t> über die Änderung</a:t>
+            </a:r>
+          </a:p>
+          <a:p>
+            <a:pPr marL="228600" indent="-228600">
+              <a:buFont typeface="+mj-lt"/>
+              <a:buAutoNum type="arabicPeriod"/>
+            </a:pPr>
+            <a:r>
+              <a:rPr lang="de-DE" dirty="0"/>
+              <a:t>Die Detail Ansicht bekommt die Änderung mit, und </a:t>
+            </a:r>
+            <a:r>
+              <a:rPr lang="de-DE" dirty="0" err="1"/>
+              <a:t>weiss</a:t>
+            </a:r>
+            <a:r>
+              <a:rPr lang="de-DE" dirty="0"/>
+              <a:t> welchen Student Sie anzeigen soll</a:t>
+            </a:r>
+          </a:p>
+          <a:p>
+            <a:pPr marL="228600" indent="-228600">
+              <a:buFont typeface="+mj-lt"/>
+              <a:buAutoNum type="arabicPeriod"/>
+            </a:pPr>
+            <a:r>
+              <a:rPr lang="de-DE" dirty="0"/>
+              <a:t>Der Benutzer hat auf “Delete“ </a:t>
+            </a:r>
+            <a:r>
+              <a:rPr lang="de-DE" dirty="0" err="1"/>
+              <a:t>gelickt</a:t>
+            </a:r>
+            <a:r>
+              <a:rPr lang="de-DE" dirty="0"/>
+              <a:t>. Der Click </a:t>
+            </a:r>
+            <a:r>
+              <a:rPr lang="de-DE" dirty="0" err="1"/>
+              <a:t>Listener</a:t>
+            </a:r>
+            <a:r>
+              <a:rPr lang="de-DE" dirty="0"/>
+              <a:t> informiert die </a:t>
+            </a:r>
+            <a:r>
+              <a:rPr lang="de-DE" dirty="0" err="1"/>
+              <a:t>ObservableList</a:t>
+            </a:r>
+            <a:r>
+              <a:rPr lang="de-DE" dirty="0"/>
+              <a:t> des </a:t>
+            </a:r>
+            <a:r>
+              <a:rPr lang="de-DE" dirty="0" err="1"/>
+              <a:t>ListControllers</a:t>
+            </a:r>
+            <a:r>
+              <a:rPr lang="de-DE" dirty="0"/>
+              <a:t> über die Änderung</a:t>
+            </a:r>
+          </a:p>
+          <a:p>
+            <a:pPr marL="228600" indent="-228600">
+              <a:buFont typeface="+mj-lt"/>
+              <a:buAutoNum type="arabicPeriod"/>
+            </a:pPr>
+            <a:r>
+              <a:rPr lang="de-DE" dirty="0"/>
+              <a:t>Die Listen Ansicht bekommt die Änderung mit und löscht den Studenten aus der Liste</a:t>
+            </a:r>
+          </a:p>
+        </p:txBody>
+      </p:sp>
+      <p:sp>
+        <p:nvSpPr>
+          <p:cNvPr id="4" name="Foliennummernplatzhalter 3"/>
+          <p:cNvSpPr>
+            <a:spLocks noGrp="1"/>
+          </p:cNvSpPr>
+          <p:nvPr>
+            <p:ph type="sldNum" sz="quarter" idx="5"/>
+          </p:nvPr>
+        </p:nvSpPr>
+        <p:spPr/>
+        <p:txBody>
+          <a:bodyPr/>
+          <a:lstStyle/>
+          <a:p>
+            <a:fld id="{700B6522-C0E8-F447-B542-147F23E8D225}" type="slidenum">
+              <a:rPr lang="de-DE" smtClean="0"/>
+              <a:t>31</a:t>
+            </a:fld>
+            <a:endParaRPr lang="de-DE"/>
+          </a:p>
+        </p:txBody>
+      </p:sp>
+    </p:spTree>
+    <p:extLst>
+      <p:ext uri="{BB962C8B-B14F-4D97-AF65-F5344CB8AC3E}">
+        <p14:creationId xmlns:p14="http://schemas.microsoft.com/office/powerpoint/2010/main" val="2146973830"/>
+      </p:ext>
+    </p:extLst>
+  </p:cSld>
+  <p:clrMapOvr>
+    <a:masterClrMapping/>
+  </p:clrMapOvr>
+</p:notes>
+</file>
+
+<file path=ppt/notesSlides/notesSlide25.xml><?xml version="1.0" encoding="utf-8"?>
+<p:notes xmlns:a="http://schemas.openxmlformats.org/drawingml/2006/main" xmlns:r="http://schemas.openxmlformats.org/officeDocument/2006/relationships" xmlns:p="http://schemas.openxmlformats.org/presentationml/2006/main">
+  <p:cSld>
+    <p:spTree>
+      <p:nvGrpSpPr>
+        <p:cNvPr id="1" name=""/>
+        <p:cNvGrpSpPr/>
+        <p:nvPr/>
+      </p:nvGrpSpPr>
+      <p:grpSpPr>
+        <a:xfrm>
+          <a:off x="0" y="0"/>
+          <a:ext cx="0" cy="0"/>
+          <a:chOff x="0" y="0"/>
+          <a:chExt cx="0" cy="0"/>
+        </a:xfrm>
+      </p:grpSpPr>
+      <p:sp>
+        <p:nvSpPr>
+          <p:cNvPr id="2" name="Folienbildplatzhalter 1"/>
+          <p:cNvSpPr>
+            <a:spLocks noGrp="1" noRot="1" noChangeAspect="1"/>
+          </p:cNvSpPr>
+          <p:nvPr>
+            <p:ph type="sldImg"/>
+          </p:nvPr>
+        </p:nvSpPr>
+        <p:spPr/>
+      </p:sp>
+      <p:sp>
+        <p:nvSpPr>
+          <p:cNvPr id="3" name="Notizenplatzhalter 2"/>
+          <p:cNvSpPr>
+            <a:spLocks noGrp="1"/>
+          </p:cNvSpPr>
+          <p:nvPr>
+            <p:ph type="body" idx="1"/>
+          </p:nvPr>
+        </p:nvSpPr>
+        <p:spPr/>
+        <p:txBody>
+          <a:bodyPr/>
+          <a:lstStyle/>
+          <a:p>
+            <a:pPr marL="228600" indent="-228600">
+              <a:buFont typeface="+mj-lt"/>
+              <a:buAutoNum type="arabicPeriod" startAt="5"/>
+            </a:pPr>
+            <a:r>
+              <a:rPr lang="de-DE" dirty="0"/>
+              <a:t>Die Liste informiert den </a:t>
+            </a:r>
+            <a:r>
+              <a:rPr lang="de-DE" dirty="0" err="1"/>
+              <a:t>SelectionController</a:t>
+            </a:r>
+            <a:r>
+              <a:rPr lang="de-DE" dirty="0"/>
+              <a:t> über die Löschung des Studenten</a:t>
+            </a:r>
+          </a:p>
+          <a:p>
+            <a:pPr marL="228600" indent="-228600">
+              <a:buFont typeface="+mj-lt"/>
+              <a:buAutoNum type="arabicPeriod" startAt="5"/>
+            </a:pPr>
+            <a:r>
+              <a:rPr lang="de-DE" dirty="0"/>
+              <a:t>Der Observer informiert die </a:t>
+            </a:r>
+            <a:r>
+              <a:rPr lang="de-DE" dirty="0" err="1"/>
+              <a:t>DetailView</a:t>
+            </a:r>
+            <a:r>
+              <a:rPr lang="de-DE" dirty="0"/>
+              <a:t>, welche sich wieder aktualisiert</a:t>
+            </a:r>
+          </a:p>
+          <a:p>
+            <a:pPr marL="171450" indent="-171450">
+              <a:buFont typeface="Arial" panose="020B0604020202020204" pitchFamily="34" charset="0"/>
+              <a:buChar char="•"/>
+            </a:pPr>
+            <a:endParaRPr lang="de-DE" dirty="0"/>
+          </a:p>
+        </p:txBody>
+      </p:sp>
+      <p:sp>
+        <p:nvSpPr>
+          <p:cNvPr id="4" name="Foliennummernplatzhalter 3"/>
+          <p:cNvSpPr>
+            <a:spLocks noGrp="1"/>
+          </p:cNvSpPr>
+          <p:nvPr>
+            <p:ph type="sldNum" sz="quarter" idx="5"/>
+          </p:nvPr>
+        </p:nvSpPr>
+        <p:spPr/>
+        <p:txBody>
+          <a:bodyPr/>
+          <a:lstStyle/>
+          <a:p>
+            <a:fld id="{700B6522-C0E8-F447-B542-147F23E8D225}" type="slidenum">
+              <a:rPr lang="de-DE" smtClean="0"/>
+              <a:t>32</a:t>
+            </a:fld>
+            <a:endParaRPr lang="de-DE"/>
+          </a:p>
+        </p:txBody>
+      </p:sp>
+    </p:spTree>
+    <p:extLst>
+      <p:ext uri="{BB962C8B-B14F-4D97-AF65-F5344CB8AC3E}">
+        <p14:creationId xmlns:p14="http://schemas.microsoft.com/office/powerpoint/2010/main" val="1975046294"/>
+      </p:ext>
+    </p:extLst>
+  </p:cSld>
+  <p:clrMapOvr>
+    <a:masterClrMapping/>
+  </p:clrMapOvr>
+</p:notes>
+</file>
+
+<file path=ppt/notesSlides/notesSlide26.xml><?xml version="1.0" encoding="utf-8"?>
+<p:notes xmlns:a="http://schemas.openxmlformats.org/drawingml/2006/main" xmlns:r="http://schemas.openxmlformats.org/officeDocument/2006/relationships" xmlns:p="http://schemas.openxmlformats.org/presentationml/2006/main">
+  <p:cSld>
+    <p:spTree>
+      <p:nvGrpSpPr>
+        <p:cNvPr id="1" name=""/>
+        <p:cNvGrpSpPr/>
+        <p:nvPr/>
+      </p:nvGrpSpPr>
+      <p:grpSpPr>
+        <a:xfrm>
+          <a:off x="0" y="0"/>
+          <a:ext cx="0" cy="0"/>
+          <a:chOff x="0" y="0"/>
+          <a:chExt cx="0" cy="0"/>
+        </a:xfrm>
+      </p:grpSpPr>
+      <p:sp>
+        <p:nvSpPr>
+          <p:cNvPr id="2" name="Folienbildplatzhalter 1"/>
+          <p:cNvSpPr>
+            <a:spLocks noGrp="1" noRot="1" noChangeAspect="1"/>
+          </p:cNvSpPr>
+          <p:nvPr>
+            <p:ph type="sldImg"/>
+          </p:nvPr>
+        </p:nvSpPr>
+        <p:spPr/>
+      </p:sp>
+      <p:sp>
+        <p:nvSpPr>
+          <p:cNvPr id="3" name="Notizenplatzhalter 2"/>
+          <p:cNvSpPr>
+            <a:spLocks noGrp="1"/>
+          </p:cNvSpPr>
+          <p:nvPr>
+            <p:ph type="body" idx="1"/>
+          </p:nvPr>
+        </p:nvSpPr>
+        <p:spPr/>
+        <p:txBody>
+          <a:bodyPr/>
+          <a:lstStyle/>
+          <a:p>
+            <a:r>
+              <a:rPr lang="de-DE" dirty="0"/>
+              <a:t>Fragen?</a:t>
+            </a:r>
+          </a:p>
+          <a:p>
+            <a:endParaRPr lang="de-DE" dirty="0"/>
+          </a:p>
+          <a:p>
+            <a:pPr marL="171450" indent="-171450">
+              <a:buFont typeface="Arial" panose="020B0604020202020204" pitchFamily="34" charset="0"/>
+              <a:buChar char="•"/>
+            </a:pPr>
+            <a:r>
+              <a:rPr lang="de-DE" dirty="0"/>
+              <a:t>Versucht im Beispiel ein </a:t>
+            </a:r>
+            <a:r>
+              <a:rPr lang="de-DE" dirty="0" err="1"/>
+              <a:t>Loader</a:t>
+            </a:r>
+            <a:r>
+              <a:rPr lang="de-DE" dirty="0"/>
+              <a:t> zu implementieren</a:t>
+            </a:r>
+          </a:p>
+          <a:p>
+            <a:pPr marL="171450" indent="-171450">
+              <a:buFont typeface="Arial" panose="020B0604020202020204" pitchFamily="34" charset="0"/>
+              <a:buChar char="•"/>
+            </a:pPr>
+            <a:r>
+              <a:rPr lang="de-DE" dirty="0"/>
+              <a:t>Versucht das Studenten Modell zu erweitert und in der Detail View anzuzeigen</a:t>
+            </a:r>
+          </a:p>
+          <a:p>
+            <a:pPr marL="171450" indent="-171450">
+              <a:buFont typeface="Arial" panose="020B0604020202020204" pitchFamily="34" charset="0"/>
+              <a:buChar char="•"/>
+            </a:pPr>
+            <a:r>
+              <a:rPr lang="de-DE" dirty="0"/>
+              <a:t>(Fortgeschritten) Vorname und Nachname des Studenten Modell sind ebenfalls Observables. </a:t>
+            </a:r>
+            <a:br>
+              <a:rPr lang="de-DE" dirty="0"/>
+            </a:br>
+            <a:r>
+              <a:rPr lang="de-DE" dirty="0"/>
+              <a:t>Versucht Name und Vorname in der Detailview durch Input Fields zu ersetzen, so dass Änderungen sich in der Liste wiederspiegeln.</a:t>
+            </a:r>
+          </a:p>
+          <a:p>
+            <a:pPr marL="171450" indent="-171450">
+              <a:buFont typeface="Arial" panose="020B0604020202020204" pitchFamily="34" charset="0"/>
+              <a:buChar char="•"/>
+            </a:pPr>
+            <a:endParaRPr lang="de-DE" dirty="0"/>
+          </a:p>
+        </p:txBody>
+      </p:sp>
+      <p:sp>
+        <p:nvSpPr>
+          <p:cNvPr id="4" name="Foliennummernplatzhalter 3"/>
+          <p:cNvSpPr>
+            <a:spLocks noGrp="1"/>
+          </p:cNvSpPr>
+          <p:nvPr>
+            <p:ph type="sldNum" sz="quarter" idx="5"/>
+          </p:nvPr>
+        </p:nvSpPr>
+        <p:spPr/>
+        <p:txBody>
+          <a:bodyPr/>
+          <a:lstStyle/>
+          <a:p>
+            <a:fld id="{700B6522-C0E8-F447-B542-147F23E8D225}" type="slidenum">
+              <a:rPr lang="de-DE" smtClean="0"/>
+              <a:t>33</a:t>
+            </a:fld>
+            <a:endParaRPr lang="de-DE"/>
+          </a:p>
+        </p:txBody>
+      </p:sp>
+    </p:spTree>
+    <p:extLst>
+      <p:ext uri="{BB962C8B-B14F-4D97-AF65-F5344CB8AC3E}">
+        <p14:creationId xmlns:p14="http://schemas.microsoft.com/office/powerpoint/2010/main" val="2623753981"/>
       </p:ext>
     </p:extLst>
   </p:cSld>
@@ -36905,51 +37774,21 @@
                 <a:latin typeface="Courier New" panose="02070309020205020404" pitchFamily="49" charset="0"/>
                 <a:cs typeface="Courier New" panose="02070309020205020404" pitchFamily="49" charset="0"/>
               </a:rPr>
-              <a:t>)(</a:t>
-            </a:r>
-            <a:r>
-              <a:rPr lang="de-CH" sz="1800" dirty="0"/>
-              <a:t>'</a:t>
+              <a:t>)('World')('</a:t>
+            </a:r>
+            <a:r>
+              <a:rPr lang="de-CH" sz="1800" dirty="0" err="1">
+                <a:latin typeface="Courier New" panose="02070309020205020404" pitchFamily="49" charset="0"/>
+                <a:cs typeface="Courier New" panose="02070309020205020404" pitchFamily="49" charset="0"/>
+              </a:rPr>
+              <a:t>Hello</a:t>
             </a:r>
             <a:r>
               <a:rPr lang="de-CH" sz="1800" dirty="0">
                 <a:latin typeface="Courier New" panose="02070309020205020404" pitchFamily="49" charset="0"/>
                 <a:cs typeface="Courier New" panose="02070309020205020404" pitchFamily="49" charset="0"/>
               </a:rPr>
-              <a:t> World</a:t>
-            </a:r>
-            <a:r>
-              <a:rPr lang="de-CH" sz="1800" dirty="0"/>
-              <a:t> '</a:t>
-            </a:r>
-            <a:r>
-              <a:rPr lang="de-CH" sz="1800" dirty="0">
-                <a:latin typeface="Courier New" panose="02070309020205020404" pitchFamily="49" charset="0"/>
-                <a:cs typeface="Courier New" panose="02070309020205020404" pitchFamily="49" charset="0"/>
-              </a:rPr>
-              <a:t>, </a:t>
-            </a:r>
-            <a:r>
-              <a:rPr lang="de-CH" sz="1800" dirty="0"/>
-              <a:t>' </a:t>
-            </a:r>
-            <a:r>
-              <a:rPr lang="de-CH" sz="1800" dirty="0" err="1">
-                <a:latin typeface="Courier New" panose="02070309020205020404" pitchFamily="49" charset="0"/>
-                <a:cs typeface="Courier New" panose="02070309020205020404" pitchFamily="49" charset="0"/>
-              </a:rPr>
-              <a:t>Hello</a:t>
-            </a:r>
-            <a:r>
-              <a:rPr lang="de-CH" sz="1800" dirty="0"/>
-              <a:t> '</a:t>
-            </a:r>
-            <a:r>
-              <a:rPr lang="de-CH" sz="1800" dirty="0">
-                <a:latin typeface="Courier New" panose="02070309020205020404" pitchFamily="49" charset="0"/>
-                <a:cs typeface="Courier New" panose="02070309020205020404" pitchFamily="49" charset="0"/>
-              </a:rPr>
-              <a:t>); </a:t>
+              <a:t> ') </a:t>
             </a:r>
             <a:r>
               <a:rPr lang="de-CH" sz="1800" dirty="0">
@@ -37938,6 +38777,2996 @@
 </p:sld>
 </file>
 
+<file path=ppt/slides/slide27.xml><?xml version="1.0" encoding="utf-8"?>
+<p:sld xmlns:a="http://schemas.openxmlformats.org/drawingml/2006/main" xmlns:r="http://schemas.openxmlformats.org/officeDocument/2006/relationships" xmlns:p="http://schemas.openxmlformats.org/presentationml/2006/main">
+  <p:cSld>
+    <p:bg>
+      <p:bgPr>
+        <a:solidFill>
+          <a:schemeClr val="bg1"/>
+        </a:solidFill>
+        <a:effectLst/>
+      </p:bgPr>
+    </p:bg>
+    <p:spTree>
+      <p:nvGrpSpPr>
+        <p:cNvPr id="1" name=""/>
+        <p:cNvGrpSpPr/>
+        <p:nvPr/>
+      </p:nvGrpSpPr>
+      <p:grpSpPr>
+        <a:xfrm>
+          <a:off x="0" y="0"/>
+          <a:ext cx="0" cy="0"/>
+          <a:chOff x="0" y="0"/>
+          <a:chExt cx="0" cy="0"/>
+        </a:xfrm>
+      </p:grpSpPr>
+      <p:sp useBgFill="1">
+        <p:nvSpPr>
+          <p:cNvPr id="8" name="Rectangle 7">
+            <a:extLst>
+              <a:ext uri="{FF2B5EF4-FFF2-40B4-BE49-F238E27FC236}">
+                <a16:creationId xmlns:a16="http://schemas.microsoft.com/office/drawing/2014/main" id="{45C5CC17-FF17-43CF-B073-D9051465D5CC}"/>
+              </a:ext>
+              <a:ext uri="{C183D7F6-B498-43B3-948B-1728B52AA6E4}">
+                <adec:decorative xmlns:adec="http://schemas.microsoft.com/office/drawing/2017/decorative" val="1"/>
+              </a:ext>
+            </a:extLst>
+          </p:cNvPr>
+          <p:cNvSpPr>
+            <a:spLocks noGrp="1" noRot="1" noChangeAspect="1" noMove="1" noResize="1" noEditPoints="1" noAdjustHandles="1" noChangeArrowheads="1" noChangeShapeType="1" noTextEdit="1"/>
+          </p:cNvSpPr>
+          <p:nvPr>
+            <p:extLst>
+              <p:ext uri="{386F3935-93C4-4BCD-93E2-E3B085C9AB24}">
+                <p16:designElem xmlns:p16="http://schemas.microsoft.com/office/powerpoint/2015/main" val="1"/>
+              </p:ext>
+            </p:extLst>
+          </p:nvPr>
+        </p:nvSpPr>
+        <p:spPr>
+          <a:xfrm>
+            <a:off x="0" y="0"/>
+            <a:ext cx="12192000" cy="6858000"/>
+          </a:xfrm>
+          <a:prstGeom prst="rect">
+            <a:avLst/>
+          </a:prstGeom>
+          <a:ln w="12700" cap="flat" cmpd="sng" algn="ctr">
+            <a:noFill/>
+            <a:prstDash val="solid"/>
+            <a:miter lim="800000"/>
+          </a:ln>
+          <a:effectLst/>
+          <a:extLst>
+            <a:ext uri="{91240B29-F687-4F45-9708-019B960494DF}">
+              <a14:hiddenLine xmlns:a14="http://schemas.microsoft.com/office/drawing/2010/main" w="12700" cap="flat" cmpd="sng" algn="ctr">
+                <a:solidFill>
+                  <a:schemeClr val="accent1">
+                    <a:shade val="50000"/>
+                  </a:schemeClr>
+                </a:solidFill>
+                <a:prstDash val="solid"/>
+                <a:miter lim="800000"/>
+              </a14:hiddenLine>
+            </a:ext>
+          </a:extLst>
+        </p:spPr>
+        <p:style>
+          <a:lnRef idx="2">
+            <a:schemeClr val="accent1">
+              <a:shade val="50000"/>
+            </a:schemeClr>
+          </a:lnRef>
+          <a:fillRef idx="1">
+            <a:schemeClr val="accent1"/>
+          </a:fillRef>
+          <a:effectRef idx="0">
+            <a:schemeClr val="accent1"/>
+          </a:effectRef>
+          <a:fontRef idx="minor">
+            <a:schemeClr val="lt1"/>
+          </a:fontRef>
+        </p:style>
+        <p:txBody>
+          <a:bodyPr rtlCol="0" anchor="ctr"/>
+          <a:lstStyle/>
+          <a:p>
+            <a:pPr algn="ctr"/>
+            <a:endParaRPr lang="en-US"/>
+          </a:p>
+        </p:txBody>
+      </p:sp>
+      <p:sp>
+        <p:nvSpPr>
+          <p:cNvPr id="10" name="Rectangle 9">
+            <a:extLst>
+              <a:ext uri="{FF2B5EF4-FFF2-40B4-BE49-F238E27FC236}">
+                <a16:creationId xmlns:a16="http://schemas.microsoft.com/office/drawing/2014/main" id="{1EBE2DDC-0D14-44E6-A1AB-2EEC09507435}"/>
+              </a:ext>
+              <a:ext uri="{C183D7F6-B498-43B3-948B-1728B52AA6E4}">
+                <adec:decorative xmlns:adec="http://schemas.microsoft.com/office/drawing/2017/decorative" val="1"/>
+              </a:ext>
+            </a:extLst>
+          </p:cNvPr>
+          <p:cNvSpPr>
+            <a:spLocks noGrp="1" noRot="1" noChangeAspect="1" noMove="1" noResize="1" noEditPoints="1" noAdjustHandles="1" noChangeArrowheads="1" noChangeShapeType="1" noTextEdit="1"/>
+          </p:cNvSpPr>
+          <p:nvPr>
+            <p:extLst>
+              <p:ext uri="{386F3935-93C4-4BCD-93E2-E3B085C9AB24}">
+                <p16:designElem xmlns:p16="http://schemas.microsoft.com/office/powerpoint/2015/main" val="1"/>
+              </p:ext>
+            </p:extLst>
+          </p:nvPr>
+        </p:nvSpPr>
+        <p:spPr>
+          <a:xfrm rot="5400000" flipH="1">
+            <a:off x="-1409318" y="1410082"/>
+            <a:ext cx="6858000" cy="4037835"/>
+          </a:xfrm>
+          <a:prstGeom prst="rect">
+            <a:avLst/>
+          </a:prstGeom>
+          <a:gradFill>
+            <a:gsLst>
+              <a:gs pos="8000">
+                <a:schemeClr val="accent6"/>
+              </a:gs>
+              <a:gs pos="100000">
+                <a:schemeClr val="accent5">
+                  <a:alpha val="72000"/>
+                </a:schemeClr>
+              </a:gs>
+            </a:gsLst>
+            <a:lin ang="3600000" scaled="0"/>
+          </a:gradFill>
+          <a:ln>
+            <a:noFill/>
+          </a:ln>
+        </p:spPr>
+        <p:style>
+          <a:lnRef idx="2">
+            <a:schemeClr val="accent1">
+              <a:shade val="50000"/>
+            </a:schemeClr>
+          </a:lnRef>
+          <a:fillRef idx="1">
+            <a:schemeClr val="accent1"/>
+          </a:fillRef>
+          <a:effectRef idx="0">
+            <a:schemeClr val="accent1"/>
+          </a:effectRef>
+          <a:fontRef idx="minor">
+            <a:schemeClr val="lt1"/>
+          </a:fontRef>
+        </p:style>
+        <p:txBody>
+          <a:bodyPr rtlCol="0" anchor="ctr"/>
+          <a:lstStyle/>
+          <a:p>
+            <a:pPr algn="ctr"/>
+            <a:endParaRPr lang="en-US"/>
+          </a:p>
+        </p:txBody>
+      </p:sp>
+      <p:sp>
+        <p:nvSpPr>
+          <p:cNvPr id="12" name="Rectangle 11">
+            <a:extLst>
+              <a:ext uri="{FF2B5EF4-FFF2-40B4-BE49-F238E27FC236}">
+                <a16:creationId xmlns:a16="http://schemas.microsoft.com/office/drawing/2014/main" id="{A8543D98-0AA2-43B4-B508-DC1DB7F3DC9A}"/>
+              </a:ext>
+              <a:ext uri="{C183D7F6-B498-43B3-948B-1728B52AA6E4}">
+                <adec:decorative xmlns:adec="http://schemas.microsoft.com/office/drawing/2017/decorative" val="1"/>
+              </a:ext>
+            </a:extLst>
+          </p:cNvPr>
+          <p:cNvSpPr>
+            <a:spLocks noGrp="1" noRot="1" noChangeAspect="1" noMove="1" noResize="1" noEditPoints="1" noAdjustHandles="1" noChangeArrowheads="1" noChangeShapeType="1" noTextEdit="1"/>
+          </p:cNvSpPr>
+          <p:nvPr>
+            <p:extLst>
+              <p:ext uri="{386F3935-93C4-4BCD-93E2-E3B085C9AB24}">
+                <p16:designElem xmlns:p16="http://schemas.microsoft.com/office/powerpoint/2015/main" val="1"/>
+              </p:ext>
+            </p:extLst>
+          </p:nvPr>
+        </p:nvSpPr>
+        <p:spPr>
+          <a:xfrm rot="5400000" flipH="1">
+            <a:off x="-1412414" y="1406060"/>
+            <a:ext cx="6857572" cy="4045450"/>
+          </a:xfrm>
+          <a:prstGeom prst="rect">
+            <a:avLst/>
+          </a:prstGeom>
+          <a:gradFill>
+            <a:gsLst>
+              <a:gs pos="0">
+                <a:schemeClr val="accent4">
+                  <a:alpha val="0"/>
+                </a:schemeClr>
+              </a:gs>
+              <a:gs pos="96000">
+                <a:schemeClr val="accent2"/>
+              </a:gs>
+            </a:gsLst>
+            <a:lin ang="2400000" scaled="0"/>
+          </a:gradFill>
+          <a:ln>
+            <a:noFill/>
+          </a:ln>
+        </p:spPr>
+        <p:style>
+          <a:lnRef idx="2">
+            <a:schemeClr val="accent1">
+              <a:shade val="50000"/>
+            </a:schemeClr>
+          </a:lnRef>
+          <a:fillRef idx="1">
+            <a:schemeClr val="accent1"/>
+          </a:fillRef>
+          <a:effectRef idx="0">
+            <a:schemeClr val="accent1"/>
+          </a:effectRef>
+          <a:fontRef idx="minor">
+            <a:schemeClr val="lt1"/>
+          </a:fontRef>
+        </p:style>
+        <p:txBody>
+          <a:bodyPr rtlCol="0" anchor="ctr"/>
+          <a:lstStyle/>
+          <a:p>
+            <a:pPr algn="ctr"/>
+            <a:endParaRPr lang="en-US"/>
+          </a:p>
+        </p:txBody>
+      </p:sp>
+      <p:sp>
+        <p:nvSpPr>
+          <p:cNvPr id="14" name="Rectangle 13">
+            <a:extLst>
+              <a:ext uri="{FF2B5EF4-FFF2-40B4-BE49-F238E27FC236}">
+                <a16:creationId xmlns:a16="http://schemas.microsoft.com/office/drawing/2014/main" id="{89723C1D-9A1A-465B-8164-483BF5426613}"/>
+              </a:ext>
+              <a:ext uri="{C183D7F6-B498-43B3-948B-1728B52AA6E4}">
+                <adec:decorative xmlns:adec="http://schemas.microsoft.com/office/drawing/2017/decorative" val="1"/>
+              </a:ext>
+            </a:extLst>
+          </p:cNvPr>
+          <p:cNvSpPr>
+            <a:spLocks noGrp="1" noRot="1" noChangeAspect="1" noMove="1" noResize="1" noEditPoints="1" noAdjustHandles="1" noChangeArrowheads="1" noChangeShapeType="1" noTextEdit="1"/>
+          </p:cNvSpPr>
+          <p:nvPr>
+            <p:extLst>
+              <p:ext uri="{386F3935-93C4-4BCD-93E2-E3B085C9AB24}">
+                <p16:designElem xmlns:p16="http://schemas.microsoft.com/office/powerpoint/2015/main" val="1"/>
+              </p:ext>
+            </p:extLst>
+          </p:nvPr>
+        </p:nvSpPr>
+        <p:spPr>
+          <a:xfrm rot="5400000" flipH="1">
+            <a:off x="798889" y="3617790"/>
+            <a:ext cx="2453337" cy="4027079"/>
+          </a:xfrm>
+          <a:prstGeom prst="rect">
+            <a:avLst/>
+          </a:prstGeom>
+          <a:gradFill>
+            <a:gsLst>
+              <a:gs pos="2000">
+                <a:schemeClr val="accent5">
+                  <a:alpha val="35000"/>
+                </a:schemeClr>
+              </a:gs>
+              <a:gs pos="67000">
+                <a:schemeClr val="accent4">
+                  <a:alpha val="0"/>
+                </a:schemeClr>
+              </a:gs>
+            </a:gsLst>
+            <a:lin ang="7800000" scaled="0"/>
+          </a:gradFill>
+          <a:ln>
+            <a:noFill/>
+          </a:ln>
+        </p:spPr>
+        <p:style>
+          <a:lnRef idx="2">
+            <a:schemeClr val="accent1">
+              <a:shade val="50000"/>
+            </a:schemeClr>
+          </a:lnRef>
+          <a:fillRef idx="1">
+            <a:schemeClr val="accent1"/>
+          </a:fillRef>
+          <a:effectRef idx="0">
+            <a:schemeClr val="accent1"/>
+          </a:effectRef>
+          <a:fontRef idx="minor">
+            <a:schemeClr val="lt1"/>
+          </a:fontRef>
+        </p:style>
+        <p:txBody>
+          <a:bodyPr rtlCol="0" anchor="ctr"/>
+          <a:lstStyle/>
+          <a:p>
+            <a:pPr algn="ctr"/>
+            <a:endParaRPr lang="en-US"/>
+          </a:p>
+        </p:txBody>
+      </p:sp>
+      <p:sp>
+        <p:nvSpPr>
+          <p:cNvPr id="16" name="Freeform: Shape 15">
+            <a:extLst>
+              <a:ext uri="{FF2B5EF4-FFF2-40B4-BE49-F238E27FC236}">
+                <a16:creationId xmlns:a16="http://schemas.microsoft.com/office/drawing/2014/main" id="{A6680484-5F73-4078-85C2-415205B1A4C0}"/>
+              </a:ext>
+              <a:ext uri="{C183D7F6-B498-43B3-948B-1728B52AA6E4}">
+                <adec:decorative xmlns:adec="http://schemas.microsoft.com/office/drawing/2017/decorative" val="1"/>
+              </a:ext>
+            </a:extLst>
+          </p:cNvPr>
+          <p:cNvSpPr>
+            <a:spLocks noGrp="1" noRot="1" noChangeAspect="1" noMove="1" noResize="1" noEditPoints="1" noAdjustHandles="1" noChangeArrowheads="1" noChangeShapeType="1" noTextEdit="1"/>
+          </p:cNvSpPr>
+          <p:nvPr>
+            <p:extLst>
+              <p:ext uri="{386F3935-93C4-4BCD-93E2-E3B085C9AB24}">
+                <p16:designElem xmlns:p16="http://schemas.microsoft.com/office/powerpoint/2015/main" val="1"/>
+              </p:ext>
+            </p:extLst>
+          </p:nvPr>
+        </p:nvSpPr>
+        <p:spPr>
+          <a:xfrm rot="6097846">
+            <a:off x="-30441" y="1644149"/>
+            <a:ext cx="4384532" cy="4196758"/>
+          </a:xfrm>
+          <a:custGeom>
+            <a:avLst/>
+            <a:gdLst>
+              <a:gd name="connsiteX0" fmla="*/ 44539 w 4384532"/>
+              <a:gd name="connsiteY0" fmla="*/ 2446310 h 4196758"/>
+              <a:gd name="connsiteX1" fmla="*/ 0 w 4384532"/>
+              <a:gd name="connsiteY1" fmla="*/ 2004492 h 4196758"/>
+              <a:gd name="connsiteX2" fmla="*/ 500607 w 4384532"/>
+              <a:gd name="connsiteY2" fmla="*/ 610007 h 4196758"/>
+              <a:gd name="connsiteX3" fmla="*/ 589546 w 4384532"/>
+              <a:gd name="connsiteY3" fmla="*/ 512149 h 4196758"/>
+              <a:gd name="connsiteX4" fmla="*/ 3077760 w 4384532"/>
+              <a:gd name="connsiteY4" fmla="*/ 0 h 4196758"/>
+              <a:gd name="connsiteX5" fmla="*/ 3237230 w 4384532"/>
+              <a:gd name="connsiteY5" fmla="*/ 76821 h 4196758"/>
+              <a:gd name="connsiteX6" fmla="*/ 4384532 w 4384532"/>
+              <a:gd name="connsiteY6" fmla="*/ 2004492 h 4196758"/>
+              <a:gd name="connsiteX7" fmla="*/ 2192266 w 4384532"/>
+              <a:gd name="connsiteY7" fmla="*/ 4196758 h 4196758"/>
+              <a:gd name="connsiteX8" fmla="*/ 44539 w 4384532"/>
+              <a:gd name="connsiteY8" fmla="*/ 2446310 h 4196758"/>
+            </a:gdLst>
+            <a:ahLst/>
+            <a:cxnLst>
+              <a:cxn ang="0">
+                <a:pos x="connsiteX0" y="connsiteY0"/>
+              </a:cxn>
+              <a:cxn ang="0">
+                <a:pos x="connsiteX1" y="connsiteY1"/>
+              </a:cxn>
+              <a:cxn ang="0">
+                <a:pos x="connsiteX2" y="connsiteY2"/>
+              </a:cxn>
+              <a:cxn ang="0">
+                <a:pos x="connsiteX3" y="connsiteY3"/>
+              </a:cxn>
+              <a:cxn ang="0">
+                <a:pos x="connsiteX4" y="connsiteY4"/>
+              </a:cxn>
+              <a:cxn ang="0">
+                <a:pos x="connsiteX5" y="connsiteY5"/>
+              </a:cxn>
+              <a:cxn ang="0">
+                <a:pos x="connsiteX6" y="connsiteY6"/>
+              </a:cxn>
+              <a:cxn ang="0">
+                <a:pos x="connsiteX7" y="connsiteY7"/>
+              </a:cxn>
+              <a:cxn ang="0">
+                <a:pos x="connsiteX8" y="connsiteY8"/>
+              </a:cxn>
+            </a:cxnLst>
+            <a:rect l="l" t="t" r="r" b="b"/>
+            <a:pathLst>
+              <a:path w="4384532" h="4196758">
+                <a:moveTo>
+                  <a:pt x="44539" y="2446310"/>
+                </a:moveTo>
+                <a:cubicBezTo>
+                  <a:pt x="15336" y="2303599"/>
+                  <a:pt x="0" y="2155836"/>
+                  <a:pt x="0" y="2004492"/>
+                </a:cubicBezTo>
+                <a:cubicBezTo>
+                  <a:pt x="0" y="1474787"/>
+                  <a:pt x="187867" y="988960"/>
+                  <a:pt x="500607" y="610007"/>
+                </a:cubicBezTo>
+                <a:lnTo>
+                  <a:pt x="589546" y="512149"/>
+                </a:lnTo>
+                <a:lnTo>
+                  <a:pt x="3077760" y="0"/>
+                </a:lnTo>
+                <a:lnTo>
+                  <a:pt x="3237230" y="76821"/>
+                </a:lnTo>
+                <a:cubicBezTo>
+                  <a:pt x="3920615" y="448057"/>
+                  <a:pt x="4384532" y="1172098"/>
+                  <a:pt x="4384532" y="2004492"/>
+                </a:cubicBezTo>
+                <a:cubicBezTo>
+                  <a:pt x="4384532" y="3215247"/>
+                  <a:pt x="3403021" y="4196758"/>
+                  <a:pt x="2192266" y="4196758"/>
+                </a:cubicBezTo>
+                <a:cubicBezTo>
+                  <a:pt x="1132855" y="4196758"/>
+                  <a:pt x="248960" y="3445288"/>
+                  <a:pt x="44539" y="2446310"/>
+                </a:cubicBezTo>
+                <a:close/>
+              </a:path>
+            </a:pathLst>
+          </a:custGeom>
+          <a:gradFill>
+            <a:gsLst>
+              <a:gs pos="39000">
+                <a:schemeClr val="accent4">
+                  <a:lumMod val="20000"/>
+                  <a:lumOff val="80000"/>
+                  <a:alpha val="0"/>
+                </a:schemeClr>
+              </a:gs>
+              <a:gs pos="100000">
+                <a:schemeClr val="accent6">
+                  <a:alpha val="29000"/>
+                </a:schemeClr>
+              </a:gs>
+            </a:gsLst>
+            <a:lin ang="16800000" scaled="0"/>
+          </a:gradFill>
+          <a:ln>
+            <a:noFill/>
+          </a:ln>
+        </p:spPr>
+        <p:style>
+          <a:lnRef idx="2">
+            <a:schemeClr val="accent1">
+              <a:shade val="50000"/>
+            </a:schemeClr>
+          </a:lnRef>
+          <a:fillRef idx="1">
+            <a:schemeClr val="accent1"/>
+          </a:fillRef>
+          <a:effectRef idx="0">
+            <a:schemeClr val="accent1"/>
+          </a:effectRef>
+          <a:fontRef idx="minor">
+            <a:schemeClr val="lt1"/>
+          </a:fontRef>
+        </p:style>
+        <p:txBody>
+          <a:bodyPr wrap="square" rtlCol="0" anchor="ctr">
+            <a:noAutofit/>
+          </a:bodyPr>
+          <a:lstStyle/>
+          <a:p>
+            <a:pPr algn="ctr"/>
+            <a:endParaRPr lang="en-US" dirty="0"/>
+          </a:p>
+        </p:txBody>
+      </p:sp>
+      <p:sp>
+        <p:nvSpPr>
+          <p:cNvPr id="2" name="Titel 1">
+            <a:extLst>
+              <a:ext uri="{FF2B5EF4-FFF2-40B4-BE49-F238E27FC236}">
+                <a16:creationId xmlns:a16="http://schemas.microsoft.com/office/drawing/2014/main" id="{CA266739-D6B1-424F-B954-E339242CE9D5}"/>
+              </a:ext>
+            </a:extLst>
+          </p:cNvPr>
+          <p:cNvSpPr>
+            <a:spLocks noGrp="1"/>
+          </p:cNvSpPr>
+          <p:nvPr>
+            <p:ph type="title"/>
+          </p:nvPr>
+        </p:nvSpPr>
+        <p:spPr>
+          <a:xfrm>
+            <a:off x="387927" y="1028701"/>
+            <a:ext cx="3248863" cy="3020785"/>
+          </a:xfrm>
+        </p:spPr>
+        <p:txBody>
+          <a:bodyPr>
+            <a:normAutofit fontScale="90000"/>
+          </a:bodyPr>
+          <a:lstStyle/>
+          <a:p>
+            <a:pPr algn="ctr"/>
+            <a:r>
+              <a:rPr lang="de-DE" sz="3000" dirty="0">
+                <a:solidFill>
+                  <a:schemeClr val="bg1"/>
+                </a:solidFill>
+              </a:rPr>
+              <a:t>3</a:t>
+            </a:r>
+            <a:br>
+              <a:rPr lang="de-DE" sz="3000" dirty="0">
+                <a:solidFill>
+                  <a:schemeClr val="bg1"/>
+                </a:solidFill>
+              </a:rPr>
+            </a:br>
+            <a:br>
+              <a:rPr lang="de-DE" sz="3000" dirty="0">
+                <a:solidFill>
+                  <a:schemeClr val="bg1"/>
+                </a:solidFill>
+              </a:rPr>
+            </a:br>
+            <a:r>
+              <a:rPr lang="de-DE" sz="3000" dirty="0">
+                <a:solidFill>
+                  <a:schemeClr val="bg1"/>
+                </a:solidFill>
+              </a:rPr>
+              <a:t> </a:t>
+            </a:r>
+            <a:r>
+              <a:rPr lang="de-DE" sz="2700" b="0" dirty="0" err="1">
+                <a:solidFill>
+                  <a:schemeClr val="bg1"/>
+                </a:solidFill>
+              </a:rPr>
+              <a:t>functional</a:t>
+            </a:r>
+            <a:r>
+              <a:rPr lang="de-DE" sz="2700" b="0" dirty="0">
+                <a:solidFill>
+                  <a:schemeClr val="bg1"/>
+                </a:solidFill>
+              </a:rPr>
+              <a:t> </a:t>
+            </a:r>
+            <a:r>
+              <a:rPr lang="de-DE" sz="2700" b="0" dirty="0" err="1">
+                <a:solidFill>
+                  <a:schemeClr val="bg1"/>
+                </a:solidFill>
+              </a:rPr>
+              <a:t>programming</a:t>
+            </a:r>
+            <a:br>
+              <a:rPr lang="de-DE" sz="2700" b="0" dirty="0">
+                <a:solidFill>
+                  <a:schemeClr val="bg1"/>
+                </a:solidFill>
+              </a:rPr>
+            </a:br>
+            <a:br>
+              <a:rPr lang="de-DE" sz="3000" dirty="0">
+                <a:solidFill>
+                  <a:schemeClr val="bg1"/>
+                </a:solidFill>
+              </a:rPr>
+            </a:br>
+            <a:r>
+              <a:rPr lang="de-DE" sz="2200" b="0" dirty="0" err="1">
+                <a:solidFill>
+                  <a:schemeClr val="bg1"/>
+                </a:solidFill>
+              </a:rPr>
+              <a:t>combinators</a:t>
+            </a:r>
+            <a:br>
+              <a:rPr lang="de-DE" sz="2200" dirty="0">
+                <a:solidFill>
+                  <a:schemeClr val="bg1"/>
+                </a:solidFill>
+              </a:rPr>
+            </a:br>
+            <a:r>
+              <a:rPr lang="de-DE" sz="2200" dirty="0">
+                <a:solidFill>
+                  <a:schemeClr val="bg1"/>
+                </a:solidFill>
+              </a:rPr>
+              <a:t>BOOLEAN </a:t>
+            </a:r>
+            <a:r>
+              <a:rPr lang="de-DE" sz="2200" dirty="0" err="1">
+                <a:solidFill>
+                  <a:schemeClr val="bg1"/>
+                </a:solidFill>
+              </a:rPr>
+              <a:t>Logic</a:t>
+            </a:r>
+            <a:br>
+              <a:rPr lang="de-DE" sz="3000" dirty="0">
+                <a:solidFill>
+                  <a:schemeClr val="bg1"/>
+                </a:solidFill>
+              </a:rPr>
+            </a:br>
+            <a:endParaRPr lang="de-DE" sz="3000" dirty="0">
+              <a:solidFill>
+                <a:schemeClr val="bg1"/>
+              </a:solidFill>
+            </a:endParaRPr>
+          </a:p>
+        </p:txBody>
+      </p:sp>
+      <p:sp>
+        <p:nvSpPr>
+          <p:cNvPr id="3" name="Inhaltsplatzhalter 2">
+            <a:extLst>
+              <a:ext uri="{FF2B5EF4-FFF2-40B4-BE49-F238E27FC236}">
+                <a16:creationId xmlns:a16="http://schemas.microsoft.com/office/drawing/2014/main" id="{97537E66-EEE6-2A4E-A82A-670CDCC88DE3}"/>
+              </a:ext>
+            </a:extLst>
+          </p:cNvPr>
+          <p:cNvSpPr>
+            <a:spLocks noGrp="1"/>
+          </p:cNvSpPr>
+          <p:nvPr>
+            <p:ph idx="1"/>
+          </p:nvPr>
+        </p:nvSpPr>
+        <p:spPr>
+          <a:xfrm>
+            <a:off x="4777409" y="1028702"/>
+            <a:ext cx="6273972" cy="4843462"/>
+          </a:xfrm>
+        </p:spPr>
+        <p:txBody>
+          <a:bodyPr>
+            <a:normAutofit/>
+          </a:bodyPr>
+          <a:lstStyle/>
+          <a:p>
+            <a:pPr marL="0" indent="0">
+              <a:buNone/>
+            </a:pPr>
+            <a:r>
+              <a:rPr lang="de-CH" sz="1800" b="1" dirty="0" err="1">
+                <a:latin typeface="Courier New" panose="02070309020205020404" pitchFamily="49" charset="0"/>
+                <a:cs typeface="Courier New" panose="02070309020205020404" pitchFamily="49" charset="0"/>
+              </a:rPr>
+              <a:t>const</a:t>
+            </a:r>
+            <a:r>
+              <a:rPr lang="de-CH" sz="1800" dirty="0">
+                <a:latin typeface="Courier New" panose="02070309020205020404" pitchFamily="49" charset="0"/>
+                <a:cs typeface="Courier New" panose="02070309020205020404" pitchFamily="49" charset="0"/>
+              </a:rPr>
+              <a:t> True </a:t>
+            </a:r>
+            <a:r>
+              <a:rPr lang="de-CH" dirty="0">
+                <a:latin typeface="Courier New" panose="02070309020205020404" pitchFamily="49" charset="0"/>
+                <a:cs typeface="Courier New" panose="02070309020205020404" pitchFamily="49" charset="0"/>
+              </a:rPr>
+              <a:t>= </a:t>
+            </a:r>
+            <a:r>
+              <a:rPr lang="de-CH" sz="1800" dirty="0">
+                <a:latin typeface="Courier New" panose="02070309020205020404" pitchFamily="49" charset="0"/>
+                <a:cs typeface="Courier New" panose="02070309020205020404" pitchFamily="49" charset="0"/>
+              </a:rPr>
+              <a:t>K;</a:t>
+            </a:r>
+          </a:p>
+          <a:p>
+            <a:pPr marL="0" indent="0">
+              <a:buNone/>
+            </a:pPr>
+            <a:r>
+              <a:rPr lang="de-CH" sz="1800" b="1" dirty="0" err="1">
+                <a:latin typeface="Courier New" panose="02070309020205020404" pitchFamily="49" charset="0"/>
+                <a:cs typeface="Courier New" panose="02070309020205020404" pitchFamily="49" charset="0"/>
+              </a:rPr>
+              <a:t>const</a:t>
+            </a:r>
+            <a:r>
+              <a:rPr lang="de-CH" sz="1800" dirty="0">
+                <a:latin typeface="Courier New" panose="02070309020205020404" pitchFamily="49" charset="0"/>
+                <a:cs typeface="Courier New" panose="02070309020205020404" pitchFamily="49" charset="0"/>
+              </a:rPr>
+              <a:t> </a:t>
+            </a:r>
+            <a:r>
+              <a:rPr lang="de-CH" sz="1800" dirty="0" err="1">
+                <a:latin typeface="Courier New" panose="02070309020205020404" pitchFamily="49" charset="0"/>
+                <a:cs typeface="Courier New" panose="02070309020205020404" pitchFamily="49" charset="0"/>
+              </a:rPr>
+              <a:t>False</a:t>
+            </a:r>
+            <a:r>
+              <a:rPr lang="de-CH" sz="1800" dirty="0">
+                <a:latin typeface="Courier New" panose="02070309020205020404" pitchFamily="49" charset="0"/>
+                <a:cs typeface="Courier New" panose="02070309020205020404" pitchFamily="49" charset="0"/>
+              </a:rPr>
+              <a:t> </a:t>
+            </a:r>
+            <a:r>
+              <a:rPr lang="de-CH" dirty="0">
+                <a:latin typeface="Courier New" panose="02070309020205020404" pitchFamily="49" charset="0"/>
+                <a:cs typeface="Courier New" panose="02070309020205020404" pitchFamily="49" charset="0"/>
+              </a:rPr>
+              <a:t>= </a:t>
+            </a:r>
+            <a:r>
+              <a:rPr lang="de-CH" sz="1800" dirty="0">
+                <a:latin typeface="Courier New" panose="02070309020205020404" pitchFamily="49" charset="0"/>
+                <a:cs typeface="Courier New" panose="02070309020205020404" pitchFamily="49" charset="0"/>
+              </a:rPr>
+              <a:t>KI;</a:t>
+            </a:r>
+          </a:p>
+          <a:p>
+            <a:pPr marL="0" indent="0">
+              <a:buNone/>
+            </a:pPr>
+            <a:r>
+              <a:rPr lang="de-CH" sz="1800" b="1" dirty="0" err="1">
+                <a:latin typeface="Courier New" panose="02070309020205020404" pitchFamily="49" charset="0"/>
+                <a:cs typeface="Courier New" panose="02070309020205020404" pitchFamily="49" charset="0"/>
+              </a:rPr>
+              <a:t>const</a:t>
+            </a:r>
+            <a:r>
+              <a:rPr lang="de-CH" sz="1800" dirty="0">
+                <a:latin typeface="Courier New" panose="02070309020205020404" pitchFamily="49" charset="0"/>
+                <a:cs typeface="Courier New" panose="02070309020205020404" pitchFamily="49" charset="0"/>
+              </a:rPr>
+              <a:t> Not </a:t>
+            </a:r>
+            <a:r>
+              <a:rPr lang="de-CH" dirty="0">
+                <a:latin typeface="Courier New" panose="02070309020205020404" pitchFamily="49" charset="0"/>
+                <a:cs typeface="Courier New" panose="02070309020205020404" pitchFamily="49" charset="0"/>
+              </a:rPr>
+              <a:t>= </a:t>
+            </a:r>
+            <a:r>
+              <a:rPr lang="de-CH" sz="1800" dirty="0">
+                <a:latin typeface="Courier New" panose="02070309020205020404" pitchFamily="49" charset="0"/>
+                <a:cs typeface="Courier New" panose="02070309020205020404" pitchFamily="49" charset="0"/>
+              </a:rPr>
+              <a:t>C;</a:t>
+            </a:r>
+          </a:p>
+          <a:p>
+            <a:pPr marL="0" indent="0">
+              <a:buNone/>
+            </a:pPr>
+            <a:r>
+              <a:rPr lang="de-CH" sz="1800" b="1" dirty="0" err="1">
+                <a:latin typeface="Courier New" panose="02070309020205020404" pitchFamily="49" charset="0"/>
+                <a:cs typeface="Courier New" panose="02070309020205020404" pitchFamily="49" charset="0"/>
+              </a:rPr>
+              <a:t>const</a:t>
+            </a:r>
+            <a:r>
+              <a:rPr lang="de-CH" sz="1800" dirty="0">
+                <a:latin typeface="Courier New" panose="02070309020205020404" pitchFamily="49" charset="0"/>
+                <a:cs typeface="Courier New" panose="02070309020205020404" pitchFamily="49" charset="0"/>
+              </a:rPr>
+              <a:t> </a:t>
+            </a:r>
+            <a:r>
+              <a:rPr lang="de-CH" sz="1800" dirty="0" err="1">
+                <a:latin typeface="Courier New" panose="02070309020205020404" pitchFamily="49" charset="0"/>
+                <a:cs typeface="Courier New" panose="02070309020205020404" pitchFamily="49" charset="0"/>
+              </a:rPr>
+              <a:t>Or</a:t>
+            </a:r>
+            <a:r>
+              <a:rPr lang="de-CH" sz="1800" dirty="0">
+                <a:latin typeface="Courier New" panose="02070309020205020404" pitchFamily="49" charset="0"/>
+                <a:cs typeface="Courier New" panose="02070309020205020404" pitchFamily="49" charset="0"/>
+              </a:rPr>
+              <a:t> = M;</a:t>
+            </a:r>
+          </a:p>
+          <a:p>
+            <a:pPr marL="0" indent="0">
+              <a:buNone/>
+            </a:pPr>
+            <a:r>
+              <a:rPr lang="de-CH" sz="1800" b="1" dirty="0" err="1">
+                <a:latin typeface="Courier New" panose="02070309020205020404" pitchFamily="49" charset="0"/>
+                <a:cs typeface="Courier New" panose="02070309020205020404" pitchFamily="49" charset="0"/>
+              </a:rPr>
+              <a:t>const</a:t>
+            </a:r>
+            <a:r>
+              <a:rPr lang="de-CH" sz="1800" dirty="0">
+                <a:latin typeface="Courier New" panose="02070309020205020404" pitchFamily="49" charset="0"/>
+                <a:cs typeface="Courier New" panose="02070309020205020404" pitchFamily="49" charset="0"/>
+              </a:rPr>
+              <a:t> </a:t>
+            </a:r>
+            <a:r>
+              <a:rPr lang="de-CH" sz="1800" dirty="0" err="1">
+                <a:latin typeface="Courier New" panose="02070309020205020404" pitchFamily="49" charset="0"/>
+                <a:cs typeface="Courier New" panose="02070309020205020404" pitchFamily="49" charset="0"/>
+              </a:rPr>
+              <a:t>IfThenElse</a:t>
+            </a:r>
+            <a:r>
+              <a:rPr lang="de-CH" sz="1800" dirty="0">
+                <a:latin typeface="Courier New" panose="02070309020205020404" pitchFamily="49" charset="0"/>
+                <a:cs typeface="Courier New" panose="02070309020205020404" pitchFamily="49" charset="0"/>
+              </a:rPr>
+              <a:t> = I;</a:t>
+            </a:r>
+          </a:p>
+          <a:p>
+            <a:pPr marL="0" indent="0">
+              <a:buNone/>
+            </a:pPr>
+            <a:r>
+              <a:rPr lang="de-CH" sz="1800" b="1" dirty="0" err="1">
+                <a:latin typeface="Courier New" panose="02070309020205020404" pitchFamily="49" charset="0"/>
+                <a:cs typeface="Courier New" panose="02070309020205020404" pitchFamily="49" charset="0"/>
+              </a:rPr>
+              <a:t>const</a:t>
+            </a:r>
+            <a:r>
+              <a:rPr lang="de-CH" sz="1800" dirty="0">
+                <a:latin typeface="Courier New" panose="02070309020205020404" pitchFamily="49" charset="0"/>
+                <a:cs typeface="Courier New" panose="02070309020205020404" pitchFamily="49" charset="0"/>
+              </a:rPr>
+              <a:t> </a:t>
+            </a:r>
+            <a:r>
+              <a:rPr lang="de-CH" sz="1800" dirty="0" err="1">
+                <a:latin typeface="Courier New" panose="02070309020205020404" pitchFamily="49" charset="0"/>
+                <a:cs typeface="Courier New" panose="02070309020205020404" pitchFamily="49" charset="0"/>
+              </a:rPr>
+              <a:t>And</a:t>
+            </a:r>
+            <a:r>
+              <a:rPr lang="de-CH" sz="1800" dirty="0">
+                <a:latin typeface="Courier New" panose="02070309020205020404" pitchFamily="49" charset="0"/>
+                <a:cs typeface="Courier New" panose="02070309020205020404" pitchFamily="49" charset="0"/>
+              </a:rPr>
+              <a:t> = (p) =&gt; (</a:t>
+            </a:r>
+            <a:r>
+              <a:rPr lang="de-CH" sz="1800" dirty="0" err="1">
+                <a:latin typeface="Courier New" panose="02070309020205020404" pitchFamily="49" charset="0"/>
+                <a:cs typeface="Courier New" panose="02070309020205020404" pitchFamily="49" charset="0"/>
+              </a:rPr>
+              <a:t>q</a:t>
+            </a:r>
+            <a:r>
+              <a:rPr lang="de-CH" sz="1800" dirty="0">
+                <a:latin typeface="Courier New" panose="02070309020205020404" pitchFamily="49" charset="0"/>
+                <a:cs typeface="Courier New" panose="02070309020205020404" pitchFamily="49" charset="0"/>
+              </a:rPr>
+              <a:t>) =&gt; p(</a:t>
+            </a:r>
+            <a:r>
+              <a:rPr lang="de-CH" sz="1800" dirty="0" err="1">
+                <a:latin typeface="Courier New" panose="02070309020205020404" pitchFamily="49" charset="0"/>
+                <a:cs typeface="Courier New" panose="02070309020205020404" pitchFamily="49" charset="0"/>
+              </a:rPr>
+              <a:t>q</a:t>
+            </a:r>
+            <a:r>
+              <a:rPr lang="de-CH" sz="1800" dirty="0">
+                <a:latin typeface="Courier New" panose="02070309020205020404" pitchFamily="49" charset="0"/>
+                <a:cs typeface="Courier New" panose="02070309020205020404" pitchFamily="49" charset="0"/>
+              </a:rPr>
+              <a:t>)(p); </a:t>
+            </a:r>
+          </a:p>
+          <a:p>
+            <a:pPr marL="0" indent="0">
+              <a:buNone/>
+            </a:pPr>
+            <a:r>
+              <a:rPr lang="de-CH" sz="1800" b="1" dirty="0" err="1">
+                <a:latin typeface="Courier New" panose="02070309020205020404" pitchFamily="49" charset="0"/>
+                <a:cs typeface="Courier New" panose="02070309020205020404" pitchFamily="49" charset="0"/>
+              </a:rPr>
+              <a:t>const</a:t>
+            </a:r>
+            <a:r>
+              <a:rPr lang="de-CH" sz="1800" dirty="0">
+                <a:latin typeface="Courier New" panose="02070309020205020404" pitchFamily="49" charset="0"/>
+                <a:cs typeface="Courier New" panose="02070309020205020404" pitchFamily="49" charset="0"/>
+              </a:rPr>
+              <a:t> </a:t>
+            </a:r>
+            <a:r>
+              <a:rPr lang="de-CH" sz="1800" dirty="0" err="1">
+                <a:latin typeface="Courier New" panose="02070309020205020404" pitchFamily="49" charset="0"/>
+                <a:cs typeface="Courier New" panose="02070309020205020404" pitchFamily="49" charset="0"/>
+              </a:rPr>
+              <a:t>Equals</a:t>
+            </a:r>
+            <a:r>
+              <a:rPr lang="de-CH" sz="1800" dirty="0">
+                <a:latin typeface="Courier New" panose="02070309020205020404" pitchFamily="49" charset="0"/>
+                <a:cs typeface="Courier New" panose="02070309020205020404" pitchFamily="49" charset="0"/>
+              </a:rPr>
+              <a:t> = (p) =&gt; (</a:t>
+            </a:r>
+            <a:r>
+              <a:rPr lang="de-CH" sz="1800" dirty="0" err="1">
+                <a:latin typeface="Courier New" panose="02070309020205020404" pitchFamily="49" charset="0"/>
+                <a:cs typeface="Courier New" panose="02070309020205020404" pitchFamily="49" charset="0"/>
+              </a:rPr>
+              <a:t>q</a:t>
+            </a:r>
+            <a:r>
+              <a:rPr lang="de-CH" sz="1800" dirty="0">
+                <a:latin typeface="Courier New" panose="02070309020205020404" pitchFamily="49" charset="0"/>
+                <a:cs typeface="Courier New" panose="02070309020205020404" pitchFamily="49" charset="0"/>
+              </a:rPr>
+              <a:t>) =&gt; p(</a:t>
+            </a:r>
+            <a:r>
+              <a:rPr lang="de-CH" sz="1800" dirty="0" err="1">
+                <a:latin typeface="Courier New" panose="02070309020205020404" pitchFamily="49" charset="0"/>
+                <a:cs typeface="Courier New" panose="02070309020205020404" pitchFamily="49" charset="0"/>
+              </a:rPr>
+              <a:t>q</a:t>
+            </a:r>
+            <a:r>
+              <a:rPr lang="de-CH" sz="1800" dirty="0">
+                <a:latin typeface="Courier New" panose="02070309020205020404" pitchFamily="49" charset="0"/>
+                <a:cs typeface="Courier New" panose="02070309020205020404" pitchFamily="49" charset="0"/>
+              </a:rPr>
+              <a:t>)(Not(</a:t>
+            </a:r>
+            <a:r>
+              <a:rPr lang="de-CH" sz="1800" dirty="0" err="1">
+                <a:latin typeface="Courier New" panose="02070309020205020404" pitchFamily="49" charset="0"/>
+                <a:cs typeface="Courier New" panose="02070309020205020404" pitchFamily="49" charset="0"/>
+              </a:rPr>
+              <a:t>q</a:t>
+            </a:r>
+            <a:r>
+              <a:rPr lang="de-CH" sz="1800" dirty="0">
+                <a:latin typeface="Courier New" panose="02070309020205020404" pitchFamily="49" charset="0"/>
+                <a:cs typeface="Courier New" panose="02070309020205020404" pitchFamily="49" charset="0"/>
+              </a:rPr>
+              <a:t>)); </a:t>
+            </a:r>
+            <a:endParaRPr lang="de-CH" b="1" dirty="0">
+              <a:latin typeface="Courier New" panose="02070309020205020404" pitchFamily="49" charset="0"/>
+              <a:cs typeface="Courier New" panose="02070309020205020404" pitchFamily="49" charset="0"/>
+            </a:endParaRPr>
+          </a:p>
+        </p:txBody>
+      </p:sp>
+      <p:sp>
+        <p:nvSpPr>
+          <p:cNvPr id="4" name="Datumsplatzhalter 3">
+            <a:extLst>
+              <a:ext uri="{FF2B5EF4-FFF2-40B4-BE49-F238E27FC236}">
+                <a16:creationId xmlns:a16="http://schemas.microsoft.com/office/drawing/2014/main" id="{11C3782B-8061-544C-B2EA-660A87CDDB42}"/>
+              </a:ext>
+            </a:extLst>
+          </p:cNvPr>
+          <p:cNvSpPr>
+            <a:spLocks noGrp="1"/>
+          </p:cNvSpPr>
+          <p:nvPr>
+            <p:ph type="dt" sz="half" idx="10"/>
+          </p:nvPr>
+        </p:nvSpPr>
+        <p:spPr/>
+        <p:txBody>
+          <a:bodyPr/>
+          <a:lstStyle/>
+          <a:p>
+            <a:r>
+              <a:rPr lang="de-CH" dirty="0">
+                <a:solidFill>
+                  <a:schemeClr val="tx1"/>
+                </a:solidFill>
+              </a:rPr>
+              <a:t>Davide Valerio, 27. </a:t>
+            </a:r>
+            <a:r>
+              <a:rPr lang="de-CH" dirty="0" err="1">
+                <a:solidFill>
+                  <a:schemeClr val="tx1"/>
+                </a:solidFill>
+              </a:rPr>
+              <a:t>January</a:t>
+            </a:r>
+            <a:r>
+              <a:rPr lang="de-CH" dirty="0">
+                <a:solidFill>
+                  <a:schemeClr val="tx1"/>
+                </a:solidFill>
+              </a:rPr>
+              <a:t> 2021</a:t>
+            </a:r>
+            <a:endParaRPr lang="en-US" dirty="0">
+              <a:solidFill>
+                <a:schemeClr val="tx1"/>
+              </a:solidFill>
+            </a:endParaRPr>
+          </a:p>
+        </p:txBody>
+      </p:sp>
+    </p:spTree>
+    <p:extLst>
+      <p:ext uri="{BB962C8B-B14F-4D97-AF65-F5344CB8AC3E}">
+        <p14:creationId xmlns:p14="http://schemas.microsoft.com/office/powerpoint/2010/main" val="3954152684"/>
+      </p:ext>
+    </p:extLst>
+  </p:cSld>
+  <p:clrMapOvr>
+    <a:masterClrMapping/>
+  </p:clrMapOvr>
+</p:sld>
+</file>
+
+<file path=ppt/slides/slide28.xml><?xml version="1.0" encoding="utf-8"?>
+<p:sld xmlns:a="http://schemas.openxmlformats.org/drawingml/2006/main" xmlns:r="http://schemas.openxmlformats.org/officeDocument/2006/relationships" xmlns:p="http://schemas.openxmlformats.org/presentationml/2006/main">
+  <p:cSld>
+    <p:bg>
+      <p:bgPr>
+        <a:solidFill>
+          <a:schemeClr val="bg1"/>
+        </a:solidFill>
+        <a:effectLst/>
+      </p:bgPr>
+    </p:bg>
+    <p:spTree>
+      <p:nvGrpSpPr>
+        <p:cNvPr id="1" name=""/>
+        <p:cNvGrpSpPr/>
+        <p:nvPr/>
+      </p:nvGrpSpPr>
+      <p:grpSpPr>
+        <a:xfrm>
+          <a:off x="0" y="0"/>
+          <a:ext cx="0" cy="0"/>
+          <a:chOff x="0" y="0"/>
+          <a:chExt cx="0" cy="0"/>
+        </a:xfrm>
+      </p:grpSpPr>
+      <p:sp>
+        <p:nvSpPr>
+          <p:cNvPr id="8" name="Rectangle 7">
+            <a:extLst>
+              <a:ext uri="{FF2B5EF4-FFF2-40B4-BE49-F238E27FC236}">
+                <a16:creationId xmlns:a16="http://schemas.microsoft.com/office/drawing/2014/main" id="{BD4C0BBB-0042-4603-A226-6117F3FD5B3C}"/>
+              </a:ext>
+              <a:ext uri="{C183D7F6-B498-43B3-948B-1728B52AA6E4}">
+                <adec:decorative xmlns:adec="http://schemas.microsoft.com/office/drawing/2017/decorative" val="1"/>
+              </a:ext>
+            </a:extLst>
+          </p:cNvPr>
+          <p:cNvSpPr>
+            <a:spLocks noGrp="1" noRot="1" noChangeAspect="1" noMove="1" noResize="1" noEditPoints="1" noAdjustHandles="1" noChangeArrowheads="1" noChangeShapeType="1" noTextEdit="1"/>
+          </p:cNvSpPr>
+          <p:nvPr>
+            <p:extLst>
+              <p:ext uri="{386F3935-93C4-4BCD-93E2-E3B085C9AB24}">
+                <p16:designElem xmlns:p16="http://schemas.microsoft.com/office/powerpoint/2015/main" val="1"/>
+              </p:ext>
+            </p:extLst>
+          </p:nvPr>
+        </p:nvSpPr>
+        <p:spPr>
+          <a:xfrm rot="10800000" flipH="1">
+            <a:off x="0" y="6400799"/>
+            <a:ext cx="12192000" cy="456773"/>
+          </a:xfrm>
+          <a:prstGeom prst="rect">
+            <a:avLst/>
+          </a:prstGeom>
+          <a:gradFill>
+            <a:gsLst>
+              <a:gs pos="14000">
+                <a:schemeClr val="accent4">
+                  <a:alpha val="28000"/>
+                </a:schemeClr>
+              </a:gs>
+              <a:gs pos="100000">
+                <a:schemeClr val="accent5">
+                  <a:alpha val="85000"/>
+                </a:schemeClr>
+              </a:gs>
+            </a:gsLst>
+            <a:lin ang="6000000" scaled="0"/>
+          </a:gradFill>
+          <a:ln>
+            <a:noFill/>
+          </a:ln>
+        </p:spPr>
+        <p:style>
+          <a:lnRef idx="2">
+            <a:schemeClr val="accent1">
+              <a:shade val="50000"/>
+            </a:schemeClr>
+          </a:lnRef>
+          <a:fillRef idx="1">
+            <a:schemeClr val="accent1"/>
+          </a:fillRef>
+          <a:effectRef idx="0">
+            <a:schemeClr val="accent1"/>
+          </a:effectRef>
+          <a:fontRef idx="minor">
+            <a:schemeClr val="lt1"/>
+          </a:fontRef>
+        </p:style>
+        <p:txBody>
+          <a:bodyPr rtlCol="0" anchor="ctr"/>
+          <a:lstStyle/>
+          <a:p>
+            <a:pPr algn="ctr"/>
+            <a:endParaRPr lang="en-US"/>
+          </a:p>
+        </p:txBody>
+      </p:sp>
+      <p:sp>
+        <p:nvSpPr>
+          <p:cNvPr id="10" name="Rectangle 9">
+            <a:extLst>
+              <a:ext uri="{FF2B5EF4-FFF2-40B4-BE49-F238E27FC236}">
+                <a16:creationId xmlns:a16="http://schemas.microsoft.com/office/drawing/2014/main" id="{EC44F520-2598-460E-9F91-B02F60830CA2}"/>
+              </a:ext>
+              <a:ext uri="{C183D7F6-B498-43B3-948B-1728B52AA6E4}">
+                <adec:decorative xmlns:adec="http://schemas.microsoft.com/office/drawing/2017/decorative" val="1"/>
+              </a:ext>
+            </a:extLst>
+          </p:cNvPr>
+          <p:cNvSpPr>
+            <a:spLocks noGrp="1" noRot="1" noChangeAspect="1" noMove="1" noResize="1" noEditPoints="1" noAdjustHandles="1" noChangeArrowheads="1" noChangeShapeType="1" noTextEdit="1"/>
+          </p:cNvSpPr>
+          <p:nvPr>
+            <p:extLst>
+              <p:ext uri="{386F3935-93C4-4BCD-93E2-E3B085C9AB24}">
+                <p16:designElem xmlns:p16="http://schemas.microsoft.com/office/powerpoint/2015/main" val="1"/>
+              </p:ext>
+            </p:extLst>
+          </p:nvPr>
+        </p:nvSpPr>
+        <p:spPr>
+          <a:xfrm flipH="1">
+            <a:off x="4038600" y="6400799"/>
+            <a:ext cx="8153398" cy="456772"/>
+          </a:xfrm>
+          <a:prstGeom prst="rect">
+            <a:avLst/>
+          </a:prstGeom>
+          <a:gradFill>
+            <a:gsLst>
+              <a:gs pos="9000">
+                <a:schemeClr val="accent2">
+                  <a:lumMod val="60000"/>
+                  <a:lumOff val="40000"/>
+                  <a:alpha val="55000"/>
+                </a:schemeClr>
+              </a:gs>
+              <a:gs pos="99000">
+                <a:schemeClr val="accent2"/>
+              </a:gs>
+            </a:gsLst>
+            <a:lin ang="14400000" scaled="0"/>
+          </a:gradFill>
+          <a:ln>
+            <a:noFill/>
+          </a:ln>
+        </p:spPr>
+        <p:style>
+          <a:lnRef idx="2">
+            <a:schemeClr val="accent1">
+              <a:shade val="50000"/>
+            </a:schemeClr>
+          </a:lnRef>
+          <a:fillRef idx="1">
+            <a:schemeClr val="accent1"/>
+          </a:fillRef>
+          <a:effectRef idx="0">
+            <a:schemeClr val="accent1"/>
+          </a:effectRef>
+          <a:fontRef idx="minor">
+            <a:schemeClr val="lt1"/>
+          </a:fontRef>
+        </p:style>
+        <p:txBody>
+          <a:bodyPr rtlCol="0" anchor="ctr"/>
+          <a:lstStyle/>
+          <a:p>
+            <a:pPr algn="ctr"/>
+            <a:endParaRPr lang="en-US"/>
+          </a:p>
+        </p:txBody>
+      </p:sp>
+      <p:sp useBgFill="1">
+        <p:nvSpPr>
+          <p:cNvPr id="12" name="Rectangle 11">
+            <a:extLst>
+              <a:ext uri="{FF2B5EF4-FFF2-40B4-BE49-F238E27FC236}">
+                <a16:creationId xmlns:a16="http://schemas.microsoft.com/office/drawing/2014/main" id="{7404E292-5FAB-47E8-A663-A07530CED8FF}"/>
+              </a:ext>
+              <a:ext uri="{C183D7F6-B498-43B3-948B-1728B52AA6E4}">
+                <adec:decorative xmlns:adec="http://schemas.microsoft.com/office/drawing/2017/decorative" val="1"/>
+              </a:ext>
+            </a:extLst>
+          </p:cNvPr>
+          <p:cNvSpPr>
+            <a:spLocks noGrp="1" noRot="1" noChangeAspect="1" noMove="1" noResize="1" noEditPoints="1" noAdjustHandles="1" noChangeArrowheads="1" noChangeShapeType="1" noTextEdit="1"/>
+          </p:cNvSpPr>
+          <p:nvPr>
+            <p:extLst>
+              <p:ext uri="{386F3935-93C4-4BCD-93E2-E3B085C9AB24}">
+                <p16:designElem xmlns:p16="http://schemas.microsoft.com/office/powerpoint/2015/main" val="1"/>
+              </p:ext>
+            </p:extLst>
+          </p:nvPr>
+        </p:nvSpPr>
+        <p:spPr>
+          <a:xfrm>
+            <a:off x="0" y="0"/>
+            <a:ext cx="12192000" cy="6858000"/>
+          </a:xfrm>
+          <a:prstGeom prst="rect">
+            <a:avLst/>
+          </a:prstGeom>
+          <a:ln w="12700" cap="flat" cmpd="sng" algn="ctr">
+            <a:noFill/>
+            <a:prstDash val="solid"/>
+            <a:miter lim="800000"/>
+          </a:ln>
+          <a:effectLst/>
+          <a:extLst>
+            <a:ext uri="{91240B29-F687-4F45-9708-019B960494DF}">
+              <a14:hiddenLine xmlns:a14="http://schemas.microsoft.com/office/drawing/2010/main" w="12700" cap="flat" cmpd="sng" algn="ctr">
+                <a:solidFill>
+                  <a:schemeClr val="accent1">
+                    <a:shade val="50000"/>
+                  </a:schemeClr>
+                </a:solidFill>
+                <a:prstDash val="solid"/>
+                <a:miter lim="800000"/>
+              </a14:hiddenLine>
+            </a:ext>
+          </a:extLst>
+        </p:spPr>
+        <p:style>
+          <a:lnRef idx="2">
+            <a:schemeClr val="accent1">
+              <a:shade val="50000"/>
+            </a:schemeClr>
+          </a:lnRef>
+          <a:fillRef idx="1">
+            <a:schemeClr val="accent1"/>
+          </a:fillRef>
+          <a:effectRef idx="0">
+            <a:schemeClr val="accent1"/>
+          </a:effectRef>
+          <a:fontRef idx="minor">
+            <a:schemeClr val="lt1"/>
+          </a:fontRef>
+        </p:style>
+        <p:txBody>
+          <a:bodyPr rtlCol="0" anchor="ctr"/>
+          <a:lstStyle/>
+          <a:p>
+            <a:pPr algn="ctr"/>
+            <a:endParaRPr lang="en-US"/>
+          </a:p>
+        </p:txBody>
+      </p:sp>
+      <p:sp>
+        <p:nvSpPr>
+          <p:cNvPr id="14" name="Rectangle 13">
+            <a:extLst>
+              <a:ext uri="{FF2B5EF4-FFF2-40B4-BE49-F238E27FC236}">
+                <a16:creationId xmlns:a16="http://schemas.microsoft.com/office/drawing/2014/main" id="{D80FF8ED-64CE-400C-A4D5-9F943FC264DE}"/>
+              </a:ext>
+              <a:ext uri="{C183D7F6-B498-43B3-948B-1728B52AA6E4}">
+                <adec:decorative xmlns:adec="http://schemas.microsoft.com/office/drawing/2017/decorative" val="1"/>
+              </a:ext>
+            </a:extLst>
+          </p:cNvPr>
+          <p:cNvSpPr>
+            <a:spLocks noGrp="1" noRot="1" noChangeAspect="1" noMove="1" noResize="1" noEditPoints="1" noAdjustHandles="1" noChangeArrowheads="1" noChangeShapeType="1" noTextEdit="1"/>
+          </p:cNvSpPr>
+          <p:nvPr>
+            <p:extLst>
+              <p:ext uri="{386F3935-93C4-4BCD-93E2-E3B085C9AB24}">
+                <p16:designElem xmlns:p16="http://schemas.microsoft.com/office/powerpoint/2015/main" val="1"/>
+              </p:ext>
+            </p:extLst>
+          </p:nvPr>
+        </p:nvSpPr>
+        <p:spPr>
+          <a:xfrm rot="10800000" flipH="1">
+            <a:off x="0" y="0"/>
+            <a:ext cx="12191999" cy="6858000"/>
+          </a:xfrm>
+          <a:prstGeom prst="rect">
+            <a:avLst/>
+          </a:prstGeom>
+          <a:gradFill>
+            <a:gsLst>
+              <a:gs pos="0">
+                <a:schemeClr val="accent5">
+                  <a:alpha val="75000"/>
+                </a:schemeClr>
+              </a:gs>
+              <a:gs pos="100000">
+                <a:schemeClr val="accent2">
+                  <a:lumMod val="60000"/>
+                  <a:lumOff val="40000"/>
+                </a:schemeClr>
+              </a:gs>
+            </a:gsLst>
+            <a:lin ang="13800000" scaled="0"/>
+          </a:gradFill>
+          <a:ln>
+            <a:noFill/>
+          </a:ln>
+        </p:spPr>
+        <p:style>
+          <a:lnRef idx="2">
+            <a:schemeClr val="accent1">
+              <a:shade val="50000"/>
+            </a:schemeClr>
+          </a:lnRef>
+          <a:fillRef idx="1">
+            <a:schemeClr val="accent1"/>
+          </a:fillRef>
+          <a:effectRef idx="0">
+            <a:schemeClr val="accent1"/>
+          </a:effectRef>
+          <a:fontRef idx="minor">
+            <a:schemeClr val="lt1"/>
+          </a:fontRef>
+        </p:style>
+        <p:txBody>
+          <a:bodyPr rtlCol="0" anchor="ctr"/>
+          <a:lstStyle/>
+          <a:p>
+            <a:pPr algn="ctr"/>
+            <a:endParaRPr lang="en-US"/>
+          </a:p>
+        </p:txBody>
+      </p:sp>
+      <p:sp>
+        <p:nvSpPr>
+          <p:cNvPr id="16" name="Rectangle 15">
+            <a:extLst>
+              <a:ext uri="{FF2B5EF4-FFF2-40B4-BE49-F238E27FC236}">
+                <a16:creationId xmlns:a16="http://schemas.microsoft.com/office/drawing/2014/main" id="{568868AD-100D-45F3-B11E-8A2936712B9E}"/>
+              </a:ext>
+              <a:ext uri="{C183D7F6-B498-43B3-948B-1728B52AA6E4}">
+                <adec:decorative xmlns:adec="http://schemas.microsoft.com/office/drawing/2017/decorative" val="1"/>
+              </a:ext>
+            </a:extLst>
+          </p:cNvPr>
+          <p:cNvSpPr>
+            <a:spLocks noGrp="1" noRot="1" noChangeAspect="1" noMove="1" noResize="1" noEditPoints="1" noAdjustHandles="1" noChangeArrowheads="1" noChangeShapeType="1" noTextEdit="1"/>
+          </p:cNvSpPr>
+          <p:nvPr>
+            <p:extLst>
+              <p:ext uri="{386F3935-93C4-4BCD-93E2-E3B085C9AB24}">
+                <p16:designElem xmlns:p16="http://schemas.microsoft.com/office/powerpoint/2015/main" val="1"/>
+              </p:ext>
+            </p:extLst>
+          </p:nvPr>
+        </p:nvSpPr>
+        <p:spPr>
+          <a:xfrm rot="10800000">
+            <a:off x="0" y="0"/>
+            <a:ext cx="12191999" cy="6858000"/>
+          </a:xfrm>
+          <a:prstGeom prst="rect">
+            <a:avLst/>
+          </a:prstGeom>
+          <a:gradFill>
+            <a:gsLst>
+              <a:gs pos="49000">
+                <a:schemeClr val="accent5">
+                  <a:alpha val="50000"/>
+                </a:schemeClr>
+              </a:gs>
+              <a:gs pos="100000">
+                <a:schemeClr val="accent2">
+                  <a:alpha val="74000"/>
+                </a:schemeClr>
+              </a:gs>
+            </a:gsLst>
+            <a:lin ang="15000000" scaled="0"/>
+          </a:gradFill>
+          <a:ln>
+            <a:noFill/>
+          </a:ln>
+        </p:spPr>
+        <p:style>
+          <a:lnRef idx="2">
+            <a:schemeClr val="accent1">
+              <a:shade val="50000"/>
+            </a:schemeClr>
+          </a:lnRef>
+          <a:fillRef idx="1">
+            <a:schemeClr val="accent1"/>
+          </a:fillRef>
+          <a:effectRef idx="0">
+            <a:schemeClr val="accent1"/>
+          </a:effectRef>
+          <a:fontRef idx="minor">
+            <a:schemeClr val="lt1"/>
+          </a:fontRef>
+        </p:style>
+        <p:txBody>
+          <a:bodyPr rtlCol="0" anchor="ctr"/>
+          <a:lstStyle/>
+          <a:p>
+            <a:pPr algn="ctr"/>
+            <a:endParaRPr lang="en-US"/>
+          </a:p>
+        </p:txBody>
+      </p:sp>
+      <p:sp>
+        <p:nvSpPr>
+          <p:cNvPr id="18" name="Rectangle 17">
+            <a:extLst>
+              <a:ext uri="{FF2B5EF4-FFF2-40B4-BE49-F238E27FC236}">
+                <a16:creationId xmlns:a16="http://schemas.microsoft.com/office/drawing/2014/main" id="{714742CC-05F9-44AC-AF98-AB6EF810E47D}"/>
+              </a:ext>
+              <a:ext uri="{C183D7F6-B498-43B3-948B-1728B52AA6E4}">
+                <adec:decorative xmlns:adec="http://schemas.microsoft.com/office/drawing/2017/decorative" val="1"/>
+              </a:ext>
+            </a:extLst>
+          </p:cNvPr>
+          <p:cNvSpPr>
+            <a:spLocks noGrp="1" noRot="1" noChangeAspect="1" noMove="1" noResize="1" noEditPoints="1" noAdjustHandles="1" noChangeArrowheads="1" noChangeShapeType="1" noTextEdit="1"/>
+          </p:cNvSpPr>
+          <p:nvPr>
+            <p:extLst>
+              <p:ext uri="{386F3935-93C4-4BCD-93E2-E3B085C9AB24}">
+                <p16:designElem xmlns:p16="http://schemas.microsoft.com/office/powerpoint/2015/main" val="1"/>
+              </p:ext>
+            </p:extLst>
+          </p:nvPr>
+        </p:nvSpPr>
+        <p:spPr>
+          <a:xfrm rot="10800000" flipH="1">
+            <a:off x="-2" y="0"/>
+            <a:ext cx="6096001" cy="6858000"/>
+          </a:xfrm>
+          <a:prstGeom prst="rect">
+            <a:avLst/>
+          </a:prstGeom>
+          <a:gradFill>
+            <a:gsLst>
+              <a:gs pos="0">
+                <a:schemeClr val="accent2">
+                  <a:alpha val="17000"/>
+                </a:schemeClr>
+              </a:gs>
+              <a:gs pos="85000">
+                <a:schemeClr val="accent4">
+                  <a:alpha val="40000"/>
+                </a:schemeClr>
+              </a:gs>
+            </a:gsLst>
+            <a:lin ang="14400000" scaled="0"/>
+          </a:gradFill>
+          <a:ln>
+            <a:noFill/>
+          </a:ln>
+        </p:spPr>
+        <p:style>
+          <a:lnRef idx="2">
+            <a:schemeClr val="accent1">
+              <a:shade val="50000"/>
+            </a:schemeClr>
+          </a:lnRef>
+          <a:fillRef idx="1">
+            <a:schemeClr val="accent1"/>
+          </a:fillRef>
+          <a:effectRef idx="0">
+            <a:schemeClr val="accent1"/>
+          </a:effectRef>
+          <a:fontRef idx="minor">
+            <a:schemeClr val="lt1"/>
+          </a:fontRef>
+        </p:style>
+        <p:txBody>
+          <a:bodyPr rtlCol="0" anchor="ctr"/>
+          <a:lstStyle/>
+          <a:p>
+            <a:pPr algn="ctr"/>
+            <a:endParaRPr lang="en-US"/>
+          </a:p>
+        </p:txBody>
+      </p:sp>
+      <p:sp>
+        <p:nvSpPr>
+          <p:cNvPr id="20" name="Freeform: Shape 13">
+            <a:extLst>
+              <a:ext uri="{FF2B5EF4-FFF2-40B4-BE49-F238E27FC236}">
+                <a16:creationId xmlns:a16="http://schemas.microsoft.com/office/drawing/2014/main" id="{853C77DB-C7E3-4B1F-9AD0-1EB2982A8659}"/>
+              </a:ext>
+              <a:ext uri="{C183D7F6-B498-43B3-948B-1728B52AA6E4}">
+                <adec:decorative xmlns:adec="http://schemas.microsoft.com/office/drawing/2017/decorative" val="1"/>
+              </a:ext>
+            </a:extLst>
+          </p:cNvPr>
+          <p:cNvSpPr>
+            <a:spLocks noGrp="1" noRot="1" noChangeAspect="1" noMove="1" noResize="1" noEditPoints="1" noAdjustHandles="1" noChangeArrowheads="1" noChangeShapeType="1" noTextEdit="1"/>
+          </p:cNvSpPr>
+          <p:nvPr>
+            <p:extLst>
+              <p:ext uri="{386F3935-93C4-4BCD-93E2-E3B085C9AB24}">
+                <p16:designElem xmlns:p16="http://schemas.microsoft.com/office/powerpoint/2015/main" val="1"/>
+              </p:ext>
+            </p:extLst>
+          </p:nvPr>
+        </p:nvSpPr>
+        <p:spPr>
+          <a:xfrm rot="5400000" flipH="1">
+            <a:off x="3460656" y="-2569189"/>
+            <a:ext cx="5115722" cy="10255626"/>
+          </a:xfrm>
+          <a:custGeom>
+            <a:avLst/>
+            <a:gdLst>
+              <a:gd name="connsiteX0" fmla="*/ 2065105 w 2065105"/>
+              <a:gd name="connsiteY0" fmla="*/ 0 h 4139967"/>
+              <a:gd name="connsiteX1" fmla="*/ 2065105 w 2065105"/>
+              <a:gd name="connsiteY1" fmla="*/ 4139967 h 4139967"/>
+              <a:gd name="connsiteX2" fmla="*/ 1858573 w 2065105"/>
+              <a:gd name="connsiteY2" fmla="*/ 4129538 h 4139967"/>
+              <a:gd name="connsiteX3" fmla="*/ 0 w 2065105"/>
+              <a:gd name="connsiteY3" fmla="*/ 2069983 h 4139967"/>
+              <a:gd name="connsiteX4" fmla="*/ 1858573 w 2065105"/>
+              <a:gd name="connsiteY4" fmla="*/ 10428 h 4139967"/>
+            </a:gdLst>
+            <a:ahLst/>
+            <a:cxnLst>
+              <a:cxn ang="0">
+                <a:pos x="connsiteX0" y="connsiteY0"/>
+              </a:cxn>
+              <a:cxn ang="0">
+                <a:pos x="connsiteX1" y="connsiteY1"/>
+              </a:cxn>
+              <a:cxn ang="0">
+                <a:pos x="connsiteX2" y="connsiteY2"/>
+              </a:cxn>
+              <a:cxn ang="0">
+                <a:pos x="connsiteX3" y="connsiteY3"/>
+              </a:cxn>
+              <a:cxn ang="0">
+                <a:pos x="connsiteX4" y="connsiteY4"/>
+              </a:cxn>
+            </a:cxnLst>
+            <a:rect l="l" t="t" r="r" b="b"/>
+            <a:pathLst>
+              <a:path w="2065105" h="4139967">
+                <a:moveTo>
+                  <a:pt x="2065105" y="0"/>
+                </a:moveTo>
+                <a:lnTo>
+                  <a:pt x="2065105" y="4139967"/>
+                </a:lnTo>
+                <a:lnTo>
+                  <a:pt x="1858573" y="4129538"/>
+                </a:lnTo>
+                <a:cubicBezTo>
+                  <a:pt x="814640" y="4023521"/>
+                  <a:pt x="0" y="3141887"/>
+                  <a:pt x="0" y="2069983"/>
+                </a:cubicBezTo>
+                <a:cubicBezTo>
+                  <a:pt x="0" y="998079"/>
+                  <a:pt x="814640" y="116446"/>
+                  <a:pt x="1858573" y="10428"/>
+                </a:cubicBezTo>
+                <a:close/>
+              </a:path>
+            </a:pathLst>
+          </a:custGeom>
+          <a:gradFill flip="none" rotWithShape="1">
+            <a:gsLst>
+              <a:gs pos="7000">
+                <a:schemeClr val="accent4">
+                  <a:lumMod val="60000"/>
+                  <a:lumOff val="40000"/>
+                  <a:alpha val="3000"/>
+                </a:schemeClr>
+              </a:gs>
+              <a:gs pos="100000">
+                <a:schemeClr val="accent4">
+                  <a:lumMod val="60000"/>
+                  <a:lumOff val="40000"/>
+                  <a:alpha val="37000"/>
+                </a:schemeClr>
+              </a:gs>
+            </a:gsLst>
+            <a:lin ang="2700000" scaled="1"/>
+            <a:tileRect/>
+          </a:gradFill>
+          <a:ln>
+            <a:noFill/>
+          </a:ln>
+        </p:spPr>
+        <p:style>
+          <a:lnRef idx="2">
+            <a:schemeClr val="accent1">
+              <a:shade val="50000"/>
+            </a:schemeClr>
+          </a:lnRef>
+          <a:fillRef idx="1">
+            <a:schemeClr val="accent1"/>
+          </a:fillRef>
+          <a:effectRef idx="0">
+            <a:schemeClr val="accent1"/>
+          </a:effectRef>
+          <a:fontRef idx="minor">
+            <a:schemeClr val="lt1"/>
+          </a:fontRef>
+        </p:style>
+        <p:txBody>
+          <a:bodyPr rtlCol="0" anchor="ctr"/>
+          <a:lstStyle/>
+          <a:p>
+            <a:pPr algn="ctr"/>
+            <a:endParaRPr lang="en-US"/>
+          </a:p>
+        </p:txBody>
+      </p:sp>
+      <p:sp>
+        <p:nvSpPr>
+          <p:cNvPr id="3" name="Titel 2">
+            <a:extLst>
+              <a:ext uri="{FF2B5EF4-FFF2-40B4-BE49-F238E27FC236}">
+                <a16:creationId xmlns:a16="http://schemas.microsoft.com/office/drawing/2014/main" id="{FE5F616D-1F0F-1341-9695-0A33AF8CA419}"/>
+              </a:ext>
+            </a:extLst>
+          </p:cNvPr>
+          <p:cNvSpPr>
+            <a:spLocks noGrp="1"/>
+          </p:cNvSpPr>
+          <p:nvPr>
+            <p:ph type="title"/>
+          </p:nvPr>
+        </p:nvSpPr>
+        <p:spPr>
+          <a:xfrm>
+            <a:off x="1524000" y="1104445"/>
+            <a:ext cx="9144000" cy="2826182"/>
+          </a:xfrm>
+        </p:spPr>
+        <p:txBody>
+          <a:bodyPr vert="horz" lIns="0" tIns="0" rIns="0" bIns="0" rtlCol="0" anchor="ctr">
+            <a:normAutofit/>
+          </a:bodyPr>
+          <a:lstStyle/>
+          <a:p>
+            <a:pPr algn="ctr"/>
+            <a:r>
+              <a:rPr lang="en-US" sz="4400" b="0" spc="750" dirty="0">
+                <a:solidFill>
+                  <a:schemeClr val="bg1"/>
+                </a:solidFill>
+              </a:rPr>
+              <a:t>Functional Programming</a:t>
+            </a:r>
+            <a:br>
+              <a:rPr lang="en-US" sz="4400" spc="750" dirty="0">
+                <a:solidFill>
+                  <a:schemeClr val="bg1"/>
+                </a:solidFill>
+              </a:rPr>
+            </a:br>
+            <a:br>
+              <a:rPr lang="en-US" sz="4400" spc="750" dirty="0">
+                <a:solidFill>
+                  <a:schemeClr val="bg1"/>
+                </a:solidFill>
+              </a:rPr>
+            </a:br>
+            <a:r>
+              <a:rPr lang="en-US" sz="4400" spc="750" dirty="0">
+                <a:solidFill>
+                  <a:schemeClr val="bg1"/>
+                </a:solidFill>
+              </a:rPr>
+              <a:t>example</a:t>
+            </a:r>
+          </a:p>
+        </p:txBody>
+      </p:sp>
+      <p:sp>
+        <p:nvSpPr>
+          <p:cNvPr id="2" name="Datumsplatzhalter 1">
+            <a:extLst>
+              <a:ext uri="{FF2B5EF4-FFF2-40B4-BE49-F238E27FC236}">
+                <a16:creationId xmlns:a16="http://schemas.microsoft.com/office/drawing/2014/main" id="{1940CFF2-4990-E448-891B-F7730AA9D5DC}"/>
+              </a:ext>
+            </a:extLst>
+          </p:cNvPr>
+          <p:cNvSpPr>
+            <a:spLocks noGrp="1"/>
+          </p:cNvSpPr>
+          <p:nvPr>
+            <p:ph type="dt" sz="half" idx="10"/>
+          </p:nvPr>
+        </p:nvSpPr>
+        <p:spPr/>
+        <p:txBody>
+          <a:bodyPr/>
+          <a:lstStyle/>
+          <a:p>
+            <a:r>
+              <a:rPr lang="de-CH"/>
+              <a:t>Davide Valerio, 27. January 2021</a:t>
+            </a:r>
+            <a:endParaRPr lang="en-US"/>
+          </a:p>
+        </p:txBody>
+      </p:sp>
+    </p:spTree>
+    <p:extLst>
+      <p:ext uri="{BB962C8B-B14F-4D97-AF65-F5344CB8AC3E}">
+        <p14:creationId xmlns:p14="http://schemas.microsoft.com/office/powerpoint/2010/main" val="2032244110"/>
+      </p:ext>
+    </p:extLst>
+  </p:cSld>
+  <p:clrMapOvr>
+    <a:masterClrMapping/>
+  </p:clrMapOvr>
+</p:sld>
+</file>
+
+<file path=ppt/slides/slide29.xml><?xml version="1.0" encoding="utf-8"?>
+<p:sld xmlns:a="http://schemas.openxmlformats.org/drawingml/2006/main" xmlns:r="http://schemas.openxmlformats.org/officeDocument/2006/relationships" xmlns:p="http://schemas.openxmlformats.org/presentationml/2006/main">
+  <p:cSld>
+    <p:bg>
+      <p:bgPr>
+        <a:solidFill>
+          <a:schemeClr val="bg1"/>
+        </a:solidFill>
+        <a:effectLst/>
+      </p:bgPr>
+    </p:bg>
+    <p:spTree>
+      <p:nvGrpSpPr>
+        <p:cNvPr id="1" name=""/>
+        <p:cNvGrpSpPr/>
+        <p:nvPr/>
+      </p:nvGrpSpPr>
+      <p:grpSpPr>
+        <a:xfrm>
+          <a:off x="0" y="0"/>
+          <a:ext cx="0" cy="0"/>
+          <a:chOff x="0" y="0"/>
+          <a:chExt cx="0" cy="0"/>
+        </a:xfrm>
+      </p:grpSpPr>
+      <p:sp useBgFill="1">
+        <p:nvSpPr>
+          <p:cNvPr id="8" name="Rectangle 7">
+            <a:extLst>
+              <a:ext uri="{FF2B5EF4-FFF2-40B4-BE49-F238E27FC236}">
+                <a16:creationId xmlns:a16="http://schemas.microsoft.com/office/drawing/2014/main" id="{45C5CC17-FF17-43CF-B073-D9051465D5CC}"/>
+              </a:ext>
+              <a:ext uri="{C183D7F6-B498-43B3-948B-1728B52AA6E4}">
+                <adec:decorative xmlns:adec="http://schemas.microsoft.com/office/drawing/2017/decorative" val="1"/>
+              </a:ext>
+            </a:extLst>
+          </p:cNvPr>
+          <p:cNvSpPr>
+            <a:spLocks noGrp="1" noRot="1" noChangeAspect="1" noMove="1" noResize="1" noEditPoints="1" noAdjustHandles="1" noChangeArrowheads="1" noChangeShapeType="1" noTextEdit="1"/>
+          </p:cNvSpPr>
+          <p:nvPr>
+            <p:extLst>
+              <p:ext uri="{386F3935-93C4-4BCD-93E2-E3B085C9AB24}">
+                <p16:designElem xmlns:p16="http://schemas.microsoft.com/office/powerpoint/2015/main" val="1"/>
+              </p:ext>
+            </p:extLst>
+          </p:nvPr>
+        </p:nvSpPr>
+        <p:spPr>
+          <a:xfrm>
+            <a:off x="0" y="0"/>
+            <a:ext cx="12192000" cy="6858000"/>
+          </a:xfrm>
+          <a:prstGeom prst="rect">
+            <a:avLst/>
+          </a:prstGeom>
+          <a:ln w="12700" cap="flat" cmpd="sng" algn="ctr">
+            <a:noFill/>
+            <a:prstDash val="solid"/>
+            <a:miter lim="800000"/>
+          </a:ln>
+          <a:effectLst/>
+          <a:extLst>
+            <a:ext uri="{91240B29-F687-4F45-9708-019B960494DF}">
+              <a14:hiddenLine xmlns:a14="http://schemas.microsoft.com/office/drawing/2010/main" w="12700" cap="flat" cmpd="sng" algn="ctr">
+                <a:solidFill>
+                  <a:schemeClr val="accent1">
+                    <a:shade val="50000"/>
+                  </a:schemeClr>
+                </a:solidFill>
+                <a:prstDash val="solid"/>
+                <a:miter lim="800000"/>
+              </a14:hiddenLine>
+            </a:ext>
+          </a:extLst>
+        </p:spPr>
+        <p:style>
+          <a:lnRef idx="2">
+            <a:schemeClr val="accent1">
+              <a:shade val="50000"/>
+            </a:schemeClr>
+          </a:lnRef>
+          <a:fillRef idx="1">
+            <a:schemeClr val="accent1"/>
+          </a:fillRef>
+          <a:effectRef idx="0">
+            <a:schemeClr val="accent1"/>
+          </a:effectRef>
+          <a:fontRef idx="minor">
+            <a:schemeClr val="lt1"/>
+          </a:fontRef>
+        </p:style>
+        <p:txBody>
+          <a:bodyPr rtlCol="0" anchor="ctr"/>
+          <a:lstStyle/>
+          <a:p>
+            <a:pPr algn="ctr"/>
+            <a:endParaRPr lang="en-US"/>
+          </a:p>
+        </p:txBody>
+      </p:sp>
+      <p:sp>
+        <p:nvSpPr>
+          <p:cNvPr id="10" name="Rectangle 9">
+            <a:extLst>
+              <a:ext uri="{FF2B5EF4-FFF2-40B4-BE49-F238E27FC236}">
+                <a16:creationId xmlns:a16="http://schemas.microsoft.com/office/drawing/2014/main" id="{1EBE2DDC-0D14-44E6-A1AB-2EEC09507435}"/>
+              </a:ext>
+              <a:ext uri="{C183D7F6-B498-43B3-948B-1728B52AA6E4}">
+                <adec:decorative xmlns:adec="http://schemas.microsoft.com/office/drawing/2017/decorative" val="1"/>
+              </a:ext>
+            </a:extLst>
+          </p:cNvPr>
+          <p:cNvSpPr>
+            <a:spLocks noGrp="1" noRot="1" noChangeAspect="1" noMove="1" noResize="1" noEditPoints="1" noAdjustHandles="1" noChangeArrowheads="1" noChangeShapeType="1" noTextEdit="1"/>
+          </p:cNvSpPr>
+          <p:nvPr>
+            <p:extLst>
+              <p:ext uri="{386F3935-93C4-4BCD-93E2-E3B085C9AB24}">
+                <p16:designElem xmlns:p16="http://schemas.microsoft.com/office/powerpoint/2015/main" val="1"/>
+              </p:ext>
+            </p:extLst>
+          </p:nvPr>
+        </p:nvSpPr>
+        <p:spPr>
+          <a:xfrm rot="5400000" flipH="1">
+            <a:off x="-1409318" y="1410082"/>
+            <a:ext cx="6858000" cy="4037835"/>
+          </a:xfrm>
+          <a:prstGeom prst="rect">
+            <a:avLst/>
+          </a:prstGeom>
+          <a:gradFill>
+            <a:gsLst>
+              <a:gs pos="8000">
+                <a:schemeClr val="accent6"/>
+              </a:gs>
+              <a:gs pos="100000">
+                <a:schemeClr val="accent5">
+                  <a:alpha val="72000"/>
+                </a:schemeClr>
+              </a:gs>
+            </a:gsLst>
+            <a:lin ang="3600000" scaled="0"/>
+          </a:gradFill>
+          <a:ln>
+            <a:noFill/>
+          </a:ln>
+        </p:spPr>
+        <p:style>
+          <a:lnRef idx="2">
+            <a:schemeClr val="accent1">
+              <a:shade val="50000"/>
+            </a:schemeClr>
+          </a:lnRef>
+          <a:fillRef idx="1">
+            <a:schemeClr val="accent1"/>
+          </a:fillRef>
+          <a:effectRef idx="0">
+            <a:schemeClr val="accent1"/>
+          </a:effectRef>
+          <a:fontRef idx="minor">
+            <a:schemeClr val="lt1"/>
+          </a:fontRef>
+        </p:style>
+        <p:txBody>
+          <a:bodyPr rtlCol="0" anchor="ctr"/>
+          <a:lstStyle/>
+          <a:p>
+            <a:pPr algn="ctr"/>
+            <a:endParaRPr lang="en-US"/>
+          </a:p>
+        </p:txBody>
+      </p:sp>
+      <p:sp>
+        <p:nvSpPr>
+          <p:cNvPr id="12" name="Rectangle 11">
+            <a:extLst>
+              <a:ext uri="{FF2B5EF4-FFF2-40B4-BE49-F238E27FC236}">
+                <a16:creationId xmlns:a16="http://schemas.microsoft.com/office/drawing/2014/main" id="{A8543D98-0AA2-43B4-B508-DC1DB7F3DC9A}"/>
+              </a:ext>
+              <a:ext uri="{C183D7F6-B498-43B3-948B-1728B52AA6E4}">
+                <adec:decorative xmlns:adec="http://schemas.microsoft.com/office/drawing/2017/decorative" val="1"/>
+              </a:ext>
+            </a:extLst>
+          </p:cNvPr>
+          <p:cNvSpPr>
+            <a:spLocks noGrp="1" noRot="1" noChangeAspect="1" noMove="1" noResize="1" noEditPoints="1" noAdjustHandles="1" noChangeArrowheads="1" noChangeShapeType="1" noTextEdit="1"/>
+          </p:cNvSpPr>
+          <p:nvPr>
+            <p:extLst>
+              <p:ext uri="{386F3935-93C4-4BCD-93E2-E3B085C9AB24}">
+                <p16:designElem xmlns:p16="http://schemas.microsoft.com/office/powerpoint/2015/main" val="1"/>
+              </p:ext>
+            </p:extLst>
+          </p:nvPr>
+        </p:nvSpPr>
+        <p:spPr>
+          <a:xfrm rot="5400000" flipH="1">
+            <a:off x="-1412414" y="1406060"/>
+            <a:ext cx="6857572" cy="4045450"/>
+          </a:xfrm>
+          <a:prstGeom prst="rect">
+            <a:avLst/>
+          </a:prstGeom>
+          <a:gradFill>
+            <a:gsLst>
+              <a:gs pos="0">
+                <a:schemeClr val="accent4">
+                  <a:alpha val="0"/>
+                </a:schemeClr>
+              </a:gs>
+              <a:gs pos="96000">
+                <a:schemeClr val="accent2"/>
+              </a:gs>
+            </a:gsLst>
+            <a:lin ang="2400000" scaled="0"/>
+          </a:gradFill>
+          <a:ln>
+            <a:noFill/>
+          </a:ln>
+        </p:spPr>
+        <p:style>
+          <a:lnRef idx="2">
+            <a:schemeClr val="accent1">
+              <a:shade val="50000"/>
+            </a:schemeClr>
+          </a:lnRef>
+          <a:fillRef idx="1">
+            <a:schemeClr val="accent1"/>
+          </a:fillRef>
+          <a:effectRef idx="0">
+            <a:schemeClr val="accent1"/>
+          </a:effectRef>
+          <a:fontRef idx="minor">
+            <a:schemeClr val="lt1"/>
+          </a:fontRef>
+        </p:style>
+        <p:txBody>
+          <a:bodyPr rtlCol="0" anchor="ctr"/>
+          <a:lstStyle/>
+          <a:p>
+            <a:pPr algn="ctr"/>
+            <a:endParaRPr lang="en-US"/>
+          </a:p>
+        </p:txBody>
+      </p:sp>
+      <p:sp>
+        <p:nvSpPr>
+          <p:cNvPr id="14" name="Rectangle 13">
+            <a:extLst>
+              <a:ext uri="{FF2B5EF4-FFF2-40B4-BE49-F238E27FC236}">
+                <a16:creationId xmlns:a16="http://schemas.microsoft.com/office/drawing/2014/main" id="{89723C1D-9A1A-465B-8164-483BF5426613}"/>
+              </a:ext>
+              <a:ext uri="{C183D7F6-B498-43B3-948B-1728B52AA6E4}">
+                <adec:decorative xmlns:adec="http://schemas.microsoft.com/office/drawing/2017/decorative" val="1"/>
+              </a:ext>
+            </a:extLst>
+          </p:cNvPr>
+          <p:cNvSpPr>
+            <a:spLocks noGrp="1" noRot="1" noChangeAspect="1" noMove="1" noResize="1" noEditPoints="1" noAdjustHandles="1" noChangeArrowheads="1" noChangeShapeType="1" noTextEdit="1"/>
+          </p:cNvSpPr>
+          <p:nvPr>
+            <p:extLst>
+              <p:ext uri="{386F3935-93C4-4BCD-93E2-E3B085C9AB24}">
+                <p16:designElem xmlns:p16="http://schemas.microsoft.com/office/powerpoint/2015/main" val="1"/>
+              </p:ext>
+            </p:extLst>
+          </p:nvPr>
+        </p:nvSpPr>
+        <p:spPr>
+          <a:xfrm rot="5400000" flipH="1">
+            <a:off x="798889" y="3617790"/>
+            <a:ext cx="2453337" cy="4027079"/>
+          </a:xfrm>
+          <a:prstGeom prst="rect">
+            <a:avLst/>
+          </a:prstGeom>
+          <a:gradFill>
+            <a:gsLst>
+              <a:gs pos="2000">
+                <a:schemeClr val="accent5">
+                  <a:alpha val="35000"/>
+                </a:schemeClr>
+              </a:gs>
+              <a:gs pos="67000">
+                <a:schemeClr val="accent4">
+                  <a:alpha val="0"/>
+                </a:schemeClr>
+              </a:gs>
+            </a:gsLst>
+            <a:lin ang="7800000" scaled="0"/>
+          </a:gradFill>
+          <a:ln>
+            <a:noFill/>
+          </a:ln>
+        </p:spPr>
+        <p:style>
+          <a:lnRef idx="2">
+            <a:schemeClr val="accent1">
+              <a:shade val="50000"/>
+            </a:schemeClr>
+          </a:lnRef>
+          <a:fillRef idx="1">
+            <a:schemeClr val="accent1"/>
+          </a:fillRef>
+          <a:effectRef idx="0">
+            <a:schemeClr val="accent1"/>
+          </a:effectRef>
+          <a:fontRef idx="minor">
+            <a:schemeClr val="lt1"/>
+          </a:fontRef>
+        </p:style>
+        <p:txBody>
+          <a:bodyPr rtlCol="0" anchor="ctr"/>
+          <a:lstStyle/>
+          <a:p>
+            <a:pPr algn="ctr"/>
+            <a:endParaRPr lang="en-US"/>
+          </a:p>
+        </p:txBody>
+      </p:sp>
+      <p:sp>
+        <p:nvSpPr>
+          <p:cNvPr id="16" name="Freeform: Shape 15">
+            <a:extLst>
+              <a:ext uri="{FF2B5EF4-FFF2-40B4-BE49-F238E27FC236}">
+                <a16:creationId xmlns:a16="http://schemas.microsoft.com/office/drawing/2014/main" id="{A6680484-5F73-4078-85C2-415205B1A4C0}"/>
+              </a:ext>
+              <a:ext uri="{C183D7F6-B498-43B3-948B-1728B52AA6E4}">
+                <adec:decorative xmlns:adec="http://schemas.microsoft.com/office/drawing/2017/decorative" val="1"/>
+              </a:ext>
+            </a:extLst>
+          </p:cNvPr>
+          <p:cNvSpPr>
+            <a:spLocks noGrp="1" noRot="1" noChangeAspect="1" noMove="1" noResize="1" noEditPoints="1" noAdjustHandles="1" noChangeArrowheads="1" noChangeShapeType="1" noTextEdit="1"/>
+          </p:cNvSpPr>
+          <p:nvPr>
+            <p:extLst>
+              <p:ext uri="{386F3935-93C4-4BCD-93E2-E3B085C9AB24}">
+                <p16:designElem xmlns:p16="http://schemas.microsoft.com/office/powerpoint/2015/main" val="1"/>
+              </p:ext>
+            </p:extLst>
+          </p:nvPr>
+        </p:nvSpPr>
+        <p:spPr>
+          <a:xfrm rot="6097846">
+            <a:off x="-30441" y="1644149"/>
+            <a:ext cx="4384532" cy="4196758"/>
+          </a:xfrm>
+          <a:custGeom>
+            <a:avLst/>
+            <a:gdLst>
+              <a:gd name="connsiteX0" fmla="*/ 44539 w 4384532"/>
+              <a:gd name="connsiteY0" fmla="*/ 2446310 h 4196758"/>
+              <a:gd name="connsiteX1" fmla="*/ 0 w 4384532"/>
+              <a:gd name="connsiteY1" fmla="*/ 2004492 h 4196758"/>
+              <a:gd name="connsiteX2" fmla="*/ 500607 w 4384532"/>
+              <a:gd name="connsiteY2" fmla="*/ 610007 h 4196758"/>
+              <a:gd name="connsiteX3" fmla="*/ 589546 w 4384532"/>
+              <a:gd name="connsiteY3" fmla="*/ 512149 h 4196758"/>
+              <a:gd name="connsiteX4" fmla="*/ 3077760 w 4384532"/>
+              <a:gd name="connsiteY4" fmla="*/ 0 h 4196758"/>
+              <a:gd name="connsiteX5" fmla="*/ 3237230 w 4384532"/>
+              <a:gd name="connsiteY5" fmla="*/ 76821 h 4196758"/>
+              <a:gd name="connsiteX6" fmla="*/ 4384532 w 4384532"/>
+              <a:gd name="connsiteY6" fmla="*/ 2004492 h 4196758"/>
+              <a:gd name="connsiteX7" fmla="*/ 2192266 w 4384532"/>
+              <a:gd name="connsiteY7" fmla="*/ 4196758 h 4196758"/>
+              <a:gd name="connsiteX8" fmla="*/ 44539 w 4384532"/>
+              <a:gd name="connsiteY8" fmla="*/ 2446310 h 4196758"/>
+            </a:gdLst>
+            <a:ahLst/>
+            <a:cxnLst>
+              <a:cxn ang="0">
+                <a:pos x="connsiteX0" y="connsiteY0"/>
+              </a:cxn>
+              <a:cxn ang="0">
+                <a:pos x="connsiteX1" y="connsiteY1"/>
+              </a:cxn>
+              <a:cxn ang="0">
+                <a:pos x="connsiteX2" y="connsiteY2"/>
+              </a:cxn>
+              <a:cxn ang="0">
+                <a:pos x="connsiteX3" y="connsiteY3"/>
+              </a:cxn>
+              <a:cxn ang="0">
+                <a:pos x="connsiteX4" y="connsiteY4"/>
+              </a:cxn>
+              <a:cxn ang="0">
+                <a:pos x="connsiteX5" y="connsiteY5"/>
+              </a:cxn>
+              <a:cxn ang="0">
+                <a:pos x="connsiteX6" y="connsiteY6"/>
+              </a:cxn>
+              <a:cxn ang="0">
+                <a:pos x="connsiteX7" y="connsiteY7"/>
+              </a:cxn>
+              <a:cxn ang="0">
+                <a:pos x="connsiteX8" y="connsiteY8"/>
+              </a:cxn>
+            </a:cxnLst>
+            <a:rect l="l" t="t" r="r" b="b"/>
+            <a:pathLst>
+              <a:path w="4384532" h="4196758">
+                <a:moveTo>
+                  <a:pt x="44539" y="2446310"/>
+                </a:moveTo>
+                <a:cubicBezTo>
+                  <a:pt x="15336" y="2303599"/>
+                  <a:pt x="0" y="2155836"/>
+                  <a:pt x="0" y="2004492"/>
+                </a:cubicBezTo>
+                <a:cubicBezTo>
+                  <a:pt x="0" y="1474787"/>
+                  <a:pt x="187867" y="988960"/>
+                  <a:pt x="500607" y="610007"/>
+                </a:cubicBezTo>
+                <a:lnTo>
+                  <a:pt x="589546" y="512149"/>
+                </a:lnTo>
+                <a:lnTo>
+                  <a:pt x="3077760" y="0"/>
+                </a:lnTo>
+                <a:lnTo>
+                  <a:pt x="3237230" y="76821"/>
+                </a:lnTo>
+                <a:cubicBezTo>
+                  <a:pt x="3920615" y="448057"/>
+                  <a:pt x="4384532" y="1172098"/>
+                  <a:pt x="4384532" y="2004492"/>
+                </a:cubicBezTo>
+                <a:cubicBezTo>
+                  <a:pt x="4384532" y="3215247"/>
+                  <a:pt x="3403021" y="4196758"/>
+                  <a:pt x="2192266" y="4196758"/>
+                </a:cubicBezTo>
+                <a:cubicBezTo>
+                  <a:pt x="1132855" y="4196758"/>
+                  <a:pt x="248960" y="3445288"/>
+                  <a:pt x="44539" y="2446310"/>
+                </a:cubicBezTo>
+                <a:close/>
+              </a:path>
+            </a:pathLst>
+          </a:custGeom>
+          <a:gradFill>
+            <a:gsLst>
+              <a:gs pos="39000">
+                <a:schemeClr val="accent4">
+                  <a:lumMod val="20000"/>
+                  <a:lumOff val="80000"/>
+                  <a:alpha val="0"/>
+                </a:schemeClr>
+              </a:gs>
+              <a:gs pos="100000">
+                <a:schemeClr val="accent6">
+                  <a:alpha val="29000"/>
+                </a:schemeClr>
+              </a:gs>
+            </a:gsLst>
+            <a:lin ang="16800000" scaled="0"/>
+          </a:gradFill>
+          <a:ln>
+            <a:noFill/>
+          </a:ln>
+        </p:spPr>
+        <p:style>
+          <a:lnRef idx="2">
+            <a:schemeClr val="accent1">
+              <a:shade val="50000"/>
+            </a:schemeClr>
+          </a:lnRef>
+          <a:fillRef idx="1">
+            <a:schemeClr val="accent1"/>
+          </a:fillRef>
+          <a:effectRef idx="0">
+            <a:schemeClr val="accent1"/>
+          </a:effectRef>
+          <a:fontRef idx="minor">
+            <a:schemeClr val="lt1"/>
+          </a:fontRef>
+        </p:style>
+        <p:txBody>
+          <a:bodyPr wrap="square" rtlCol="0" anchor="ctr">
+            <a:noAutofit/>
+          </a:bodyPr>
+          <a:lstStyle/>
+          <a:p>
+            <a:pPr algn="ctr"/>
+            <a:endParaRPr lang="en-US" dirty="0"/>
+          </a:p>
+        </p:txBody>
+      </p:sp>
+      <p:sp>
+        <p:nvSpPr>
+          <p:cNvPr id="2" name="Titel 1">
+            <a:extLst>
+              <a:ext uri="{FF2B5EF4-FFF2-40B4-BE49-F238E27FC236}">
+                <a16:creationId xmlns:a16="http://schemas.microsoft.com/office/drawing/2014/main" id="{CA266739-D6B1-424F-B954-E339242CE9D5}"/>
+              </a:ext>
+            </a:extLst>
+          </p:cNvPr>
+          <p:cNvSpPr>
+            <a:spLocks noGrp="1"/>
+          </p:cNvSpPr>
+          <p:nvPr>
+            <p:ph type="title"/>
+          </p:nvPr>
+        </p:nvSpPr>
+        <p:spPr>
+          <a:xfrm>
+            <a:off x="387927" y="1028701"/>
+            <a:ext cx="3248863" cy="3020785"/>
+          </a:xfrm>
+        </p:spPr>
+        <p:txBody>
+          <a:bodyPr>
+            <a:normAutofit fontScale="90000"/>
+          </a:bodyPr>
+          <a:lstStyle/>
+          <a:p>
+            <a:pPr algn="ctr"/>
+            <a:r>
+              <a:rPr lang="de-DE" sz="3000" dirty="0">
+                <a:solidFill>
+                  <a:schemeClr val="bg1"/>
+                </a:solidFill>
+              </a:rPr>
+              <a:t>3</a:t>
+            </a:r>
+            <a:br>
+              <a:rPr lang="de-DE" sz="3000" dirty="0">
+                <a:solidFill>
+                  <a:schemeClr val="bg1"/>
+                </a:solidFill>
+              </a:rPr>
+            </a:br>
+            <a:br>
+              <a:rPr lang="de-DE" sz="3000" dirty="0">
+                <a:solidFill>
+                  <a:schemeClr val="bg1"/>
+                </a:solidFill>
+              </a:rPr>
+            </a:br>
+            <a:r>
+              <a:rPr lang="de-DE" sz="3000" dirty="0">
+                <a:solidFill>
+                  <a:schemeClr val="bg1"/>
+                </a:solidFill>
+              </a:rPr>
+              <a:t> </a:t>
+            </a:r>
+            <a:r>
+              <a:rPr lang="de-DE" sz="2700" b="0" dirty="0" err="1">
+                <a:solidFill>
+                  <a:schemeClr val="bg1"/>
+                </a:solidFill>
+              </a:rPr>
+              <a:t>functional</a:t>
+            </a:r>
+            <a:r>
+              <a:rPr lang="de-DE" sz="2700" b="0" dirty="0">
+                <a:solidFill>
+                  <a:schemeClr val="bg1"/>
+                </a:solidFill>
+              </a:rPr>
+              <a:t> </a:t>
+            </a:r>
+            <a:r>
+              <a:rPr lang="de-DE" sz="2700" b="0" dirty="0" err="1">
+                <a:solidFill>
+                  <a:schemeClr val="bg1"/>
+                </a:solidFill>
+              </a:rPr>
+              <a:t>programming</a:t>
+            </a:r>
+            <a:br>
+              <a:rPr lang="de-DE" sz="2700" b="0" dirty="0">
+                <a:solidFill>
+                  <a:schemeClr val="bg1"/>
+                </a:solidFill>
+              </a:rPr>
+            </a:br>
+            <a:br>
+              <a:rPr lang="de-DE" sz="3000" dirty="0">
+                <a:solidFill>
+                  <a:schemeClr val="bg1"/>
+                </a:solidFill>
+              </a:rPr>
+            </a:br>
+            <a:r>
+              <a:rPr lang="de-DE" sz="2200" b="0" dirty="0" err="1">
+                <a:solidFill>
+                  <a:schemeClr val="bg1"/>
+                </a:solidFill>
+              </a:rPr>
+              <a:t>Example</a:t>
+            </a:r>
+            <a:br>
+              <a:rPr lang="de-DE" sz="2200" dirty="0">
+                <a:solidFill>
+                  <a:schemeClr val="bg1"/>
+                </a:solidFill>
+              </a:rPr>
+            </a:br>
+            <a:r>
+              <a:rPr lang="de-DE" sz="2200" dirty="0" err="1">
+                <a:solidFill>
+                  <a:schemeClr val="bg1"/>
+                </a:solidFill>
+              </a:rPr>
+              <a:t>Observers</a:t>
+            </a:r>
+            <a:br>
+              <a:rPr lang="de-DE" sz="3000" dirty="0">
+                <a:solidFill>
+                  <a:schemeClr val="bg1"/>
+                </a:solidFill>
+              </a:rPr>
+            </a:br>
+            <a:endParaRPr lang="de-DE" sz="3000" dirty="0">
+              <a:solidFill>
+                <a:schemeClr val="bg1"/>
+              </a:solidFill>
+            </a:endParaRPr>
+          </a:p>
+        </p:txBody>
+      </p:sp>
+      <p:sp>
+        <p:nvSpPr>
+          <p:cNvPr id="3" name="Inhaltsplatzhalter 2">
+            <a:extLst>
+              <a:ext uri="{FF2B5EF4-FFF2-40B4-BE49-F238E27FC236}">
+                <a16:creationId xmlns:a16="http://schemas.microsoft.com/office/drawing/2014/main" id="{97537E66-EEE6-2A4E-A82A-670CDCC88DE3}"/>
+              </a:ext>
+            </a:extLst>
+          </p:cNvPr>
+          <p:cNvSpPr>
+            <a:spLocks noGrp="1"/>
+          </p:cNvSpPr>
+          <p:nvPr>
+            <p:ph idx="1"/>
+          </p:nvPr>
+        </p:nvSpPr>
+        <p:spPr>
+          <a:xfrm>
+            <a:off x="4777409" y="1028702"/>
+            <a:ext cx="6273972" cy="4843462"/>
+          </a:xfrm>
+        </p:spPr>
+        <p:txBody>
+          <a:bodyPr>
+            <a:noAutofit/>
+          </a:bodyPr>
+          <a:lstStyle/>
+          <a:p>
+            <a:pPr marL="0" indent="0">
+              <a:buNone/>
+            </a:pPr>
+            <a:r>
+              <a:rPr lang="de-CH" sz="1400" b="1" dirty="0" err="1">
+                <a:latin typeface="Courier New" panose="02070309020205020404" pitchFamily="49" charset="0"/>
+                <a:cs typeface="Courier New" panose="02070309020205020404" pitchFamily="49" charset="0"/>
+              </a:rPr>
+              <a:t>const</a:t>
+            </a:r>
+            <a:r>
+              <a:rPr lang="de-CH" sz="1400" dirty="0">
+                <a:latin typeface="Courier New" panose="02070309020205020404" pitchFamily="49" charset="0"/>
+                <a:cs typeface="Courier New" panose="02070309020205020404" pitchFamily="49" charset="0"/>
+              </a:rPr>
+              <a:t> Observable = </a:t>
+            </a:r>
+            <a:r>
+              <a:rPr lang="de-CH" sz="1400" dirty="0" err="1">
+                <a:latin typeface="Courier New" panose="02070309020205020404" pitchFamily="49" charset="0"/>
+                <a:cs typeface="Courier New" panose="02070309020205020404" pitchFamily="49" charset="0"/>
+              </a:rPr>
+              <a:t>value</a:t>
+            </a:r>
+            <a:r>
+              <a:rPr lang="de-CH" sz="1400" dirty="0">
+                <a:latin typeface="Courier New" panose="02070309020205020404" pitchFamily="49" charset="0"/>
+                <a:cs typeface="Courier New" panose="02070309020205020404" pitchFamily="49" charset="0"/>
+              </a:rPr>
+              <a:t> =&gt; {</a:t>
+            </a:r>
+            <a:br>
+              <a:rPr lang="de-CH" sz="1400" dirty="0">
+                <a:latin typeface="Courier New" panose="02070309020205020404" pitchFamily="49" charset="0"/>
+                <a:cs typeface="Courier New" panose="02070309020205020404" pitchFamily="49" charset="0"/>
+              </a:rPr>
+            </a:br>
+            <a:r>
+              <a:rPr lang="de-CH" sz="1400" dirty="0">
+                <a:latin typeface="Courier New" panose="02070309020205020404" pitchFamily="49" charset="0"/>
+                <a:cs typeface="Courier New" panose="02070309020205020404" pitchFamily="49" charset="0"/>
+              </a:rPr>
+              <a:t>    </a:t>
+            </a:r>
+            <a:r>
+              <a:rPr lang="de-CH" sz="1400" b="1" dirty="0" err="1">
+                <a:latin typeface="Courier New" panose="02070309020205020404" pitchFamily="49" charset="0"/>
+                <a:cs typeface="Courier New" panose="02070309020205020404" pitchFamily="49" charset="0"/>
+              </a:rPr>
+              <a:t>const</a:t>
+            </a:r>
+            <a:r>
+              <a:rPr lang="de-CH" sz="1400" dirty="0">
+                <a:latin typeface="Courier New" panose="02070309020205020404" pitchFamily="49" charset="0"/>
+                <a:cs typeface="Courier New" panose="02070309020205020404" pitchFamily="49" charset="0"/>
+              </a:rPr>
+              <a:t> </a:t>
+            </a:r>
+            <a:r>
+              <a:rPr lang="de-CH" sz="1400" dirty="0" err="1">
+                <a:latin typeface="Courier New" panose="02070309020205020404" pitchFamily="49" charset="0"/>
+                <a:cs typeface="Courier New" panose="02070309020205020404" pitchFamily="49" charset="0"/>
+              </a:rPr>
+              <a:t>observers</a:t>
+            </a:r>
+            <a:r>
+              <a:rPr lang="de-CH" sz="1400" dirty="0">
+                <a:latin typeface="Courier New" panose="02070309020205020404" pitchFamily="49" charset="0"/>
+                <a:cs typeface="Courier New" panose="02070309020205020404" pitchFamily="49" charset="0"/>
+              </a:rPr>
+              <a:t> = [];</a:t>
+            </a:r>
+            <a:br>
+              <a:rPr lang="de-CH" sz="1400" dirty="0">
+                <a:latin typeface="Courier New" panose="02070309020205020404" pitchFamily="49" charset="0"/>
+                <a:cs typeface="Courier New" panose="02070309020205020404" pitchFamily="49" charset="0"/>
+              </a:rPr>
+            </a:br>
+            <a:br>
+              <a:rPr lang="de-CH" sz="1400" dirty="0">
+                <a:latin typeface="Courier New" panose="02070309020205020404" pitchFamily="49" charset="0"/>
+                <a:cs typeface="Courier New" panose="02070309020205020404" pitchFamily="49" charset="0"/>
+              </a:rPr>
+            </a:br>
+            <a:r>
+              <a:rPr lang="de-CH" sz="1400" dirty="0">
+                <a:latin typeface="Courier New" panose="02070309020205020404" pitchFamily="49" charset="0"/>
+                <a:cs typeface="Courier New" panose="02070309020205020404" pitchFamily="49" charset="0"/>
+              </a:rPr>
+              <a:t>    </a:t>
+            </a:r>
+            <a:r>
+              <a:rPr lang="de-CH" sz="1400" b="1" dirty="0" err="1">
+                <a:latin typeface="Courier New" panose="02070309020205020404" pitchFamily="49" charset="0"/>
+                <a:cs typeface="Courier New" panose="02070309020205020404" pitchFamily="49" charset="0"/>
+              </a:rPr>
+              <a:t>return</a:t>
+            </a:r>
+            <a:r>
+              <a:rPr lang="de-CH" sz="1400" dirty="0">
+                <a:latin typeface="Courier New" panose="02070309020205020404" pitchFamily="49" charset="0"/>
+                <a:cs typeface="Courier New" panose="02070309020205020404" pitchFamily="49" charset="0"/>
+              </a:rPr>
+              <a:t> {</a:t>
+            </a:r>
+            <a:br>
+              <a:rPr lang="de-CH" sz="1400" dirty="0">
+                <a:latin typeface="Courier New" panose="02070309020205020404" pitchFamily="49" charset="0"/>
+                <a:cs typeface="Courier New" panose="02070309020205020404" pitchFamily="49" charset="0"/>
+              </a:rPr>
+            </a:br>
+            <a:r>
+              <a:rPr lang="de-CH" sz="1400" dirty="0">
+                <a:latin typeface="Courier New" panose="02070309020205020404" pitchFamily="49" charset="0"/>
+                <a:cs typeface="Courier New" panose="02070309020205020404" pitchFamily="49" charset="0"/>
+              </a:rPr>
+              <a:t>        </a:t>
+            </a:r>
+            <a:r>
+              <a:rPr lang="de-CH" sz="1400" dirty="0" err="1">
+                <a:latin typeface="Courier New" panose="02070309020205020404" pitchFamily="49" charset="0"/>
+                <a:cs typeface="Courier New" panose="02070309020205020404" pitchFamily="49" charset="0"/>
+              </a:rPr>
+              <a:t>onChange</a:t>
+            </a:r>
+            <a:r>
+              <a:rPr lang="de-CH" sz="1400" dirty="0">
+                <a:latin typeface="Courier New" panose="02070309020205020404" pitchFamily="49" charset="0"/>
+                <a:cs typeface="Courier New" panose="02070309020205020404" pitchFamily="49" charset="0"/>
+              </a:rPr>
+              <a:t>: </a:t>
+            </a:r>
+            <a:r>
+              <a:rPr lang="de-CH" sz="1400" dirty="0" err="1">
+                <a:latin typeface="Courier New" panose="02070309020205020404" pitchFamily="49" charset="0"/>
+                <a:cs typeface="Courier New" panose="02070309020205020404" pitchFamily="49" charset="0"/>
+              </a:rPr>
+              <a:t>observer</a:t>
+            </a:r>
+            <a:r>
+              <a:rPr lang="de-CH" sz="1400" dirty="0">
+                <a:latin typeface="Courier New" panose="02070309020205020404" pitchFamily="49" charset="0"/>
+                <a:cs typeface="Courier New" panose="02070309020205020404" pitchFamily="49" charset="0"/>
+              </a:rPr>
+              <a:t> =&gt; </a:t>
+            </a:r>
+            <a:r>
+              <a:rPr lang="de-CH" sz="1400" dirty="0" err="1">
+                <a:latin typeface="Courier New" panose="02070309020205020404" pitchFamily="49" charset="0"/>
+                <a:cs typeface="Courier New" panose="02070309020205020404" pitchFamily="49" charset="0"/>
+              </a:rPr>
+              <a:t>observers.push</a:t>
+            </a:r>
+            <a:r>
+              <a:rPr lang="de-CH" sz="1400" dirty="0">
+                <a:latin typeface="Courier New" panose="02070309020205020404" pitchFamily="49" charset="0"/>
+                <a:cs typeface="Courier New" panose="02070309020205020404" pitchFamily="49" charset="0"/>
+              </a:rPr>
+              <a:t>(</a:t>
+            </a:r>
+            <a:r>
+              <a:rPr lang="de-CH" sz="1400" dirty="0" err="1">
+                <a:latin typeface="Courier New" panose="02070309020205020404" pitchFamily="49" charset="0"/>
+                <a:cs typeface="Courier New" panose="02070309020205020404" pitchFamily="49" charset="0"/>
+              </a:rPr>
+              <a:t>observer</a:t>
+            </a:r>
+            <a:r>
+              <a:rPr lang="de-CH" sz="1400" dirty="0">
+                <a:latin typeface="Courier New" panose="02070309020205020404" pitchFamily="49" charset="0"/>
+                <a:cs typeface="Courier New" panose="02070309020205020404" pitchFamily="49" charset="0"/>
+              </a:rPr>
+              <a:t>),</a:t>
+            </a:r>
+            <a:br>
+              <a:rPr lang="de-CH" sz="1400" dirty="0">
+                <a:latin typeface="Courier New" panose="02070309020205020404" pitchFamily="49" charset="0"/>
+                <a:cs typeface="Courier New" panose="02070309020205020404" pitchFamily="49" charset="0"/>
+              </a:rPr>
+            </a:br>
+            <a:r>
+              <a:rPr lang="de-CH" sz="1400" dirty="0">
+                <a:latin typeface="Courier New" panose="02070309020205020404" pitchFamily="49" charset="0"/>
+                <a:cs typeface="Courier New" panose="02070309020205020404" pitchFamily="49" charset="0"/>
+              </a:rPr>
+              <a:t>        </a:t>
+            </a:r>
+            <a:r>
+              <a:rPr lang="de-CH" sz="1400" dirty="0" err="1">
+                <a:latin typeface="Courier New" panose="02070309020205020404" pitchFamily="49" charset="0"/>
+                <a:cs typeface="Courier New" panose="02070309020205020404" pitchFamily="49" charset="0"/>
+              </a:rPr>
+              <a:t>setValue</a:t>
+            </a:r>
+            <a:r>
+              <a:rPr lang="de-CH" sz="1400" dirty="0">
+                <a:latin typeface="Courier New" panose="02070309020205020404" pitchFamily="49" charset="0"/>
+                <a:cs typeface="Courier New" panose="02070309020205020404" pitchFamily="49" charset="0"/>
+              </a:rPr>
+              <a:t>: </a:t>
+            </a:r>
+            <a:r>
+              <a:rPr lang="de-CH" sz="1400" dirty="0" err="1">
+                <a:latin typeface="Courier New" panose="02070309020205020404" pitchFamily="49" charset="0"/>
+                <a:cs typeface="Courier New" panose="02070309020205020404" pitchFamily="49" charset="0"/>
+              </a:rPr>
+              <a:t>newValue</a:t>
+            </a:r>
+            <a:r>
+              <a:rPr lang="de-CH" sz="1400" dirty="0">
+                <a:latin typeface="Courier New" panose="02070309020205020404" pitchFamily="49" charset="0"/>
+                <a:cs typeface="Courier New" panose="02070309020205020404" pitchFamily="49" charset="0"/>
+              </a:rPr>
+              <a:t> =&gt; {</a:t>
+            </a:r>
+            <a:br>
+              <a:rPr lang="de-CH" sz="1400" dirty="0">
+                <a:latin typeface="Courier New" panose="02070309020205020404" pitchFamily="49" charset="0"/>
+                <a:cs typeface="Courier New" panose="02070309020205020404" pitchFamily="49" charset="0"/>
+              </a:rPr>
+            </a:br>
+            <a:r>
+              <a:rPr lang="de-CH" sz="1400" dirty="0">
+                <a:latin typeface="Courier New" panose="02070309020205020404" pitchFamily="49" charset="0"/>
+                <a:cs typeface="Courier New" panose="02070309020205020404" pitchFamily="49" charset="0"/>
+              </a:rPr>
+              <a:t>            </a:t>
+            </a:r>
+            <a:r>
+              <a:rPr lang="de-CH" sz="1400" dirty="0" err="1">
+                <a:latin typeface="Courier New" panose="02070309020205020404" pitchFamily="49" charset="0"/>
+                <a:cs typeface="Courier New" panose="02070309020205020404" pitchFamily="49" charset="0"/>
+              </a:rPr>
+              <a:t>const</a:t>
+            </a:r>
+            <a:r>
+              <a:rPr lang="de-CH" sz="1400" dirty="0">
+                <a:latin typeface="Courier New" panose="02070309020205020404" pitchFamily="49" charset="0"/>
+                <a:cs typeface="Courier New" panose="02070309020205020404" pitchFamily="49" charset="0"/>
+              </a:rPr>
+              <a:t> </a:t>
+            </a:r>
+            <a:r>
+              <a:rPr lang="de-CH" sz="1400" dirty="0" err="1">
+                <a:latin typeface="Courier New" panose="02070309020205020404" pitchFamily="49" charset="0"/>
+                <a:cs typeface="Courier New" panose="02070309020205020404" pitchFamily="49" charset="0"/>
+              </a:rPr>
+              <a:t>oldValue</a:t>
+            </a:r>
+            <a:r>
+              <a:rPr lang="de-CH" sz="1400" dirty="0">
+                <a:latin typeface="Courier New" panose="02070309020205020404" pitchFamily="49" charset="0"/>
+                <a:cs typeface="Courier New" panose="02070309020205020404" pitchFamily="49" charset="0"/>
+              </a:rPr>
+              <a:t> = </a:t>
+            </a:r>
+            <a:r>
+              <a:rPr lang="de-CH" sz="1400" dirty="0" err="1">
+                <a:latin typeface="Courier New" panose="02070309020205020404" pitchFamily="49" charset="0"/>
+                <a:cs typeface="Courier New" panose="02070309020205020404" pitchFamily="49" charset="0"/>
+              </a:rPr>
+              <a:t>value</a:t>
+            </a:r>
+            <a:r>
+              <a:rPr lang="de-CH" sz="1400" dirty="0">
+                <a:latin typeface="Courier New" panose="02070309020205020404" pitchFamily="49" charset="0"/>
+                <a:cs typeface="Courier New" panose="02070309020205020404" pitchFamily="49" charset="0"/>
+              </a:rPr>
+              <a:t>;</a:t>
+            </a:r>
+            <a:br>
+              <a:rPr lang="de-CH" sz="1400" dirty="0">
+                <a:latin typeface="Courier New" panose="02070309020205020404" pitchFamily="49" charset="0"/>
+                <a:cs typeface="Courier New" panose="02070309020205020404" pitchFamily="49" charset="0"/>
+              </a:rPr>
+            </a:br>
+            <a:r>
+              <a:rPr lang="de-CH" sz="1400" dirty="0">
+                <a:latin typeface="Courier New" panose="02070309020205020404" pitchFamily="49" charset="0"/>
+                <a:cs typeface="Courier New" panose="02070309020205020404" pitchFamily="49" charset="0"/>
+              </a:rPr>
+              <a:t>            </a:t>
+            </a:r>
+            <a:r>
+              <a:rPr lang="de-CH" sz="1400" dirty="0" err="1">
+                <a:latin typeface="Courier New" panose="02070309020205020404" pitchFamily="49" charset="0"/>
+                <a:cs typeface="Courier New" panose="02070309020205020404" pitchFamily="49" charset="0"/>
+              </a:rPr>
+              <a:t>value</a:t>
+            </a:r>
+            <a:r>
+              <a:rPr lang="de-CH" sz="1400" dirty="0">
+                <a:latin typeface="Courier New" panose="02070309020205020404" pitchFamily="49" charset="0"/>
+                <a:cs typeface="Courier New" panose="02070309020205020404" pitchFamily="49" charset="0"/>
+              </a:rPr>
+              <a:t> = </a:t>
+            </a:r>
+            <a:r>
+              <a:rPr lang="de-CH" sz="1400" dirty="0" err="1">
+                <a:latin typeface="Courier New" panose="02070309020205020404" pitchFamily="49" charset="0"/>
+                <a:cs typeface="Courier New" panose="02070309020205020404" pitchFamily="49" charset="0"/>
+              </a:rPr>
+              <a:t>newValue</a:t>
+            </a:r>
+            <a:r>
+              <a:rPr lang="de-CH" sz="1400" dirty="0">
+                <a:latin typeface="Courier New" panose="02070309020205020404" pitchFamily="49" charset="0"/>
+                <a:cs typeface="Courier New" panose="02070309020205020404" pitchFamily="49" charset="0"/>
+              </a:rPr>
+              <a:t>;</a:t>
+            </a:r>
+            <a:br>
+              <a:rPr lang="de-CH" sz="1400" dirty="0">
+                <a:latin typeface="Courier New" panose="02070309020205020404" pitchFamily="49" charset="0"/>
+                <a:cs typeface="Courier New" panose="02070309020205020404" pitchFamily="49" charset="0"/>
+              </a:rPr>
+            </a:br>
+            <a:r>
+              <a:rPr lang="de-CH" sz="1400" dirty="0">
+                <a:latin typeface="Courier New" panose="02070309020205020404" pitchFamily="49" charset="0"/>
+                <a:cs typeface="Courier New" panose="02070309020205020404" pitchFamily="49" charset="0"/>
+              </a:rPr>
+              <a:t>            </a:t>
+            </a:r>
+            <a:r>
+              <a:rPr lang="de-CH" sz="1400" dirty="0" err="1">
+                <a:latin typeface="Courier New" panose="02070309020205020404" pitchFamily="49" charset="0"/>
+                <a:cs typeface="Courier New" panose="02070309020205020404" pitchFamily="49" charset="0"/>
+              </a:rPr>
+              <a:t>observers.forEach</a:t>
+            </a:r>
+            <a:r>
+              <a:rPr lang="de-CH" sz="1400" dirty="0">
+                <a:latin typeface="Courier New" panose="02070309020205020404" pitchFamily="49" charset="0"/>
+                <a:cs typeface="Courier New" panose="02070309020205020404" pitchFamily="49" charset="0"/>
+              </a:rPr>
+              <a:t>(</a:t>
+            </a:r>
+            <a:br>
+              <a:rPr lang="de-CH" sz="1400" dirty="0">
+                <a:latin typeface="Courier New" panose="02070309020205020404" pitchFamily="49" charset="0"/>
+                <a:cs typeface="Courier New" panose="02070309020205020404" pitchFamily="49" charset="0"/>
+              </a:rPr>
+            </a:br>
+            <a:r>
+              <a:rPr lang="de-CH" sz="1400" dirty="0">
+                <a:latin typeface="Courier New" panose="02070309020205020404" pitchFamily="49" charset="0"/>
+                <a:cs typeface="Courier New" panose="02070309020205020404" pitchFamily="49" charset="0"/>
+              </a:rPr>
+              <a:t>                </a:t>
+            </a:r>
+            <a:r>
+              <a:rPr lang="de-CH" sz="1400" dirty="0" err="1">
+                <a:latin typeface="Courier New" panose="02070309020205020404" pitchFamily="49" charset="0"/>
+                <a:cs typeface="Courier New" panose="02070309020205020404" pitchFamily="49" charset="0"/>
+              </a:rPr>
+              <a:t>observer</a:t>
+            </a:r>
+            <a:r>
+              <a:rPr lang="de-CH" sz="1400" dirty="0">
+                <a:latin typeface="Courier New" panose="02070309020205020404" pitchFamily="49" charset="0"/>
+                <a:cs typeface="Courier New" panose="02070309020205020404" pitchFamily="49" charset="0"/>
+              </a:rPr>
+              <a:t> =&gt; </a:t>
+            </a:r>
+            <a:r>
+              <a:rPr lang="de-CH" sz="1400" dirty="0" err="1">
+                <a:latin typeface="Courier New" panose="02070309020205020404" pitchFamily="49" charset="0"/>
+                <a:cs typeface="Courier New" panose="02070309020205020404" pitchFamily="49" charset="0"/>
+              </a:rPr>
+              <a:t>observer</a:t>
+            </a:r>
+            <a:r>
+              <a:rPr lang="de-CH" sz="1400" dirty="0">
+                <a:latin typeface="Courier New" panose="02070309020205020404" pitchFamily="49" charset="0"/>
+                <a:cs typeface="Courier New" panose="02070309020205020404" pitchFamily="49" charset="0"/>
+              </a:rPr>
+              <a:t>(</a:t>
+            </a:r>
+            <a:r>
+              <a:rPr lang="de-CH" sz="1400" dirty="0" err="1">
+                <a:latin typeface="Courier New" panose="02070309020205020404" pitchFamily="49" charset="0"/>
+                <a:cs typeface="Courier New" panose="02070309020205020404" pitchFamily="49" charset="0"/>
+              </a:rPr>
+              <a:t>newValue</a:t>
+            </a:r>
+            <a:r>
+              <a:rPr lang="de-CH" sz="1400" dirty="0">
+                <a:latin typeface="Courier New" panose="02070309020205020404" pitchFamily="49" charset="0"/>
+                <a:cs typeface="Courier New" panose="02070309020205020404" pitchFamily="49" charset="0"/>
+              </a:rPr>
+              <a:t>, </a:t>
+            </a:r>
+            <a:r>
+              <a:rPr lang="de-CH" sz="1400" dirty="0" err="1">
+                <a:latin typeface="Courier New" panose="02070309020205020404" pitchFamily="49" charset="0"/>
+                <a:cs typeface="Courier New" panose="02070309020205020404" pitchFamily="49" charset="0"/>
+              </a:rPr>
+              <a:t>oldValue</a:t>
+            </a:r>
+            <a:r>
+              <a:rPr lang="de-CH" sz="1400" dirty="0">
+                <a:latin typeface="Courier New" panose="02070309020205020404" pitchFamily="49" charset="0"/>
+                <a:cs typeface="Courier New" panose="02070309020205020404" pitchFamily="49" charset="0"/>
+              </a:rPr>
+              <a:t>)</a:t>
+            </a:r>
+            <a:br>
+              <a:rPr lang="de-CH" sz="1400" dirty="0">
+                <a:latin typeface="Courier New" panose="02070309020205020404" pitchFamily="49" charset="0"/>
+                <a:cs typeface="Courier New" panose="02070309020205020404" pitchFamily="49" charset="0"/>
+              </a:rPr>
+            </a:br>
+            <a:r>
+              <a:rPr lang="de-CH" sz="1400" dirty="0">
+                <a:latin typeface="Courier New" panose="02070309020205020404" pitchFamily="49" charset="0"/>
+                <a:cs typeface="Courier New" panose="02070309020205020404" pitchFamily="49" charset="0"/>
+              </a:rPr>
+              <a:t>            )</a:t>
+            </a:r>
+            <a:br>
+              <a:rPr lang="de-CH" sz="1400" dirty="0">
+                <a:latin typeface="Courier New" panose="02070309020205020404" pitchFamily="49" charset="0"/>
+                <a:cs typeface="Courier New" panose="02070309020205020404" pitchFamily="49" charset="0"/>
+              </a:rPr>
+            </a:br>
+            <a:r>
+              <a:rPr lang="de-CH" sz="1400" dirty="0">
+                <a:latin typeface="Courier New" panose="02070309020205020404" pitchFamily="49" charset="0"/>
+                <a:cs typeface="Courier New" panose="02070309020205020404" pitchFamily="49" charset="0"/>
+              </a:rPr>
+              <a:t>        },</a:t>
+            </a:r>
+            <a:br>
+              <a:rPr lang="de-CH" sz="1400" dirty="0">
+                <a:latin typeface="Courier New" panose="02070309020205020404" pitchFamily="49" charset="0"/>
+                <a:cs typeface="Courier New" panose="02070309020205020404" pitchFamily="49" charset="0"/>
+              </a:rPr>
+            </a:br>
+            <a:r>
+              <a:rPr lang="de-CH" sz="1400" dirty="0">
+                <a:latin typeface="Courier New" panose="02070309020205020404" pitchFamily="49" charset="0"/>
+                <a:cs typeface="Courier New" panose="02070309020205020404" pitchFamily="49" charset="0"/>
+              </a:rPr>
+              <a:t>        </a:t>
+            </a:r>
+            <a:r>
+              <a:rPr lang="de-CH" sz="1400" dirty="0" err="1">
+                <a:latin typeface="Courier New" panose="02070309020205020404" pitchFamily="49" charset="0"/>
+                <a:cs typeface="Courier New" panose="02070309020205020404" pitchFamily="49" charset="0"/>
+              </a:rPr>
+              <a:t>getValue</a:t>
+            </a:r>
+            <a:r>
+              <a:rPr lang="de-CH" sz="1400" dirty="0">
+                <a:latin typeface="Courier New" panose="02070309020205020404" pitchFamily="49" charset="0"/>
+                <a:cs typeface="Courier New" panose="02070309020205020404" pitchFamily="49" charset="0"/>
+              </a:rPr>
+              <a:t>: () =&gt; </a:t>
+            </a:r>
+            <a:r>
+              <a:rPr lang="de-CH" sz="1400" dirty="0" err="1">
+                <a:latin typeface="Courier New" panose="02070309020205020404" pitchFamily="49" charset="0"/>
+                <a:cs typeface="Courier New" panose="02070309020205020404" pitchFamily="49" charset="0"/>
+              </a:rPr>
+              <a:t>value</a:t>
+            </a:r>
+            <a:br>
+              <a:rPr lang="de-CH" sz="1400" dirty="0">
+                <a:latin typeface="Courier New" panose="02070309020205020404" pitchFamily="49" charset="0"/>
+                <a:cs typeface="Courier New" panose="02070309020205020404" pitchFamily="49" charset="0"/>
+              </a:rPr>
+            </a:br>
+            <a:r>
+              <a:rPr lang="de-CH" sz="1400" dirty="0">
+                <a:latin typeface="Courier New" panose="02070309020205020404" pitchFamily="49" charset="0"/>
+                <a:cs typeface="Courier New" panose="02070309020205020404" pitchFamily="49" charset="0"/>
+              </a:rPr>
+              <a:t>    }</a:t>
+            </a:r>
+            <a:br>
+              <a:rPr lang="de-CH" sz="1400" dirty="0">
+                <a:latin typeface="Courier New" panose="02070309020205020404" pitchFamily="49" charset="0"/>
+                <a:cs typeface="Courier New" panose="02070309020205020404" pitchFamily="49" charset="0"/>
+              </a:rPr>
+            </a:br>
+            <a:r>
+              <a:rPr lang="de-CH" sz="1400" dirty="0">
+                <a:latin typeface="Courier New" panose="02070309020205020404" pitchFamily="49" charset="0"/>
+                <a:cs typeface="Courier New" panose="02070309020205020404" pitchFamily="49" charset="0"/>
+              </a:rPr>
+              <a:t>}</a:t>
+            </a:r>
+            <a:endParaRPr lang="de-CH" sz="1400" b="1" dirty="0">
+              <a:latin typeface="Courier New" panose="02070309020205020404" pitchFamily="49" charset="0"/>
+              <a:cs typeface="Courier New" panose="02070309020205020404" pitchFamily="49" charset="0"/>
+            </a:endParaRPr>
+          </a:p>
+        </p:txBody>
+      </p:sp>
+      <p:sp>
+        <p:nvSpPr>
+          <p:cNvPr id="4" name="Datumsplatzhalter 3">
+            <a:extLst>
+              <a:ext uri="{FF2B5EF4-FFF2-40B4-BE49-F238E27FC236}">
+                <a16:creationId xmlns:a16="http://schemas.microsoft.com/office/drawing/2014/main" id="{11C3782B-8061-544C-B2EA-660A87CDDB42}"/>
+              </a:ext>
+            </a:extLst>
+          </p:cNvPr>
+          <p:cNvSpPr>
+            <a:spLocks noGrp="1"/>
+          </p:cNvSpPr>
+          <p:nvPr>
+            <p:ph type="dt" sz="half" idx="10"/>
+          </p:nvPr>
+        </p:nvSpPr>
+        <p:spPr/>
+        <p:txBody>
+          <a:bodyPr/>
+          <a:lstStyle/>
+          <a:p>
+            <a:r>
+              <a:rPr lang="de-CH" dirty="0">
+                <a:solidFill>
+                  <a:schemeClr val="tx1"/>
+                </a:solidFill>
+              </a:rPr>
+              <a:t>Davide Valerio, 27. </a:t>
+            </a:r>
+            <a:r>
+              <a:rPr lang="de-CH" dirty="0" err="1">
+                <a:solidFill>
+                  <a:schemeClr val="tx1"/>
+                </a:solidFill>
+              </a:rPr>
+              <a:t>January</a:t>
+            </a:r>
+            <a:r>
+              <a:rPr lang="de-CH" dirty="0">
+                <a:solidFill>
+                  <a:schemeClr val="tx1"/>
+                </a:solidFill>
+              </a:rPr>
+              <a:t> 2021</a:t>
+            </a:r>
+            <a:endParaRPr lang="en-US" dirty="0">
+              <a:solidFill>
+                <a:schemeClr val="tx1"/>
+              </a:solidFill>
+            </a:endParaRPr>
+          </a:p>
+        </p:txBody>
+      </p:sp>
+    </p:spTree>
+    <p:extLst>
+      <p:ext uri="{BB962C8B-B14F-4D97-AF65-F5344CB8AC3E}">
+        <p14:creationId xmlns:p14="http://schemas.microsoft.com/office/powerpoint/2010/main" val="2038700457"/>
+      </p:ext>
+    </p:extLst>
+  </p:cSld>
+  <p:clrMapOvr>
+    <a:masterClrMapping/>
+  </p:clrMapOvr>
+</p:sld>
+</file>
+
 <file path=ppt/slides/slide3.xml><?xml version="1.0" encoding="utf-8"?>
 <p:sld xmlns:a="http://schemas.openxmlformats.org/drawingml/2006/main" xmlns:r="http://schemas.openxmlformats.org/officeDocument/2006/relationships" xmlns:p="http://schemas.openxmlformats.org/presentationml/2006/main">
   <p:cSld>
@@ -38178,12 +42007,20 @@
           </a:p>
           <a:p>
             <a:r>
+              <a:rPr lang="de-DE" dirty="0"/>
+              <a:t>Lambda </a:t>
+            </a:r>
+            <a:r>
               <a:rPr lang="de-DE" dirty="0" err="1"/>
-              <a:t>church</a:t>
+              <a:t>Expressions</a:t>
             </a:r>
             <a:endParaRPr lang="de-DE" dirty="0"/>
           </a:p>
           <a:p>
+            <a:r>
+              <a:rPr lang="de-DE" dirty="0" err="1"/>
+              <a:t>Example</a:t>
+            </a:r>
             <a:endParaRPr lang="de-DE" dirty="0"/>
           </a:p>
           <a:p>
@@ -38195,186 +42032,216 @@
           <a:p>
             <a:endParaRPr lang="de-DE" dirty="0"/>
           </a:p>
+          <a:p>
+            <a:pPr marL="0" indent="0">
+              <a:buNone/>
+            </a:pPr>
+            <a:endParaRPr lang="de-DE" dirty="0"/>
+          </a:p>
+          <a:p>
+            <a:endParaRPr lang="de-DE" dirty="0"/>
+          </a:p>
         </p:txBody>
       </p:sp>
-      <p:pic>
-        <p:nvPicPr>
-          <p:cNvPr id="6" name="Picture 2" descr="JavaScript: The Good Parts - ChurchMag">
+      <p:grpSp>
+        <p:nvGrpSpPr>
+          <p:cNvPr id="8" name="Gruppieren 7">
             <a:extLst>
               <a:ext uri="{FF2B5EF4-FFF2-40B4-BE49-F238E27FC236}">
-                <a16:creationId xmlns:a16="http://schemas.microsoft.com/office/drawing/2014/main" id="{C7785B9E-E1BF-7847-8F42-60CFB3574255}"/>
+                <a16:creationId xmlns:a16="http://schemas.microsoft.com/office/drawing/2014/main" id="{529F81BD-D7CF-F34E-9627-0481E9770E77}"/>
               </a:ext>
             </a:extLst>
           </p:cNvPr>
-          <p:cNvPicPr>
-            <a:picLocks noChangeAspect="1" noChangeArrowheads="1"/>
-          </p:cNvPicPr>
+          <p:cNvGrpSpPr/>
           <p:nvPr/>
-        </p:nvPicPr>
-        <p:blipFill>
-          <a:blip r:embed="rId3">
+        </p:nvGrpSpPr>
+        <p:grpSpPr>
+          <a:xfrm>
+            <a:off x="6766560" y="3917096"/>
+            <a:ext cx="4598048" cy="2152454"/>
+            <a:chOff x="6766560" y="3707028"/>
+            <a:chExt cx="4598048" cy="2152454"/>
+          </a:xfrm>
+        </p:grpSpPr>
+        <p:pic>
+          <p:nvPicPr>
+            <p:cNvPr id="6" name="Picture 2" descr="JavaScript: The Good Parts - ChurchMag">
+              <a:extLst>
+                <a:ext uri="{FF2B5EF4-FFF2-40B4-BE49-F238E27FC236}">
+                  <a16:creationId xmlns:a16="http://schemas.microsoft.com/office/drawing/2014/main" id="{C7785B9E-E1BF-7847-8F42-60CFB3574255}"/>
+                </a:ext>
+              </a:extLst>
+            </p:cNvPr>
+            <p:cNvPicPr>
+              <a:picLocks noChangeAspect="1" noChangeArrowheads="1"/>
+            </p:cNvPicPr>
+            <p:nvPr/>
+          </p:nvPicPr>
+          <p:blipFill>
+            <a:blip r:embed="rId3">
+              <a:extLst>
+                <a:ext uri="{28A0092B-C50C-407E-A947-70E740481C1C}">
+                  <a14:useLocalDpi xmlns:a14="http://schemas.microsoft.com/office/drawing/2010/main" val="0"/>
+                </a:ext>
+              </a:extLst>
+            </a:blip>
+            <a:srcRect/>
+            <a:stretch>
+              <a:fillRect/>
+            </a:stretch>
+          </p:blipFill>
+          <p:spPr bwMode="auto">
+            <a:xfrm>
+              <a:off x="9373325" y="3707821"/>
+              <a:ext cx="1991283" cy="2151661"/>
+            </a:xfrm>
+            <a:prstGeom prst="rect">
+              <a:avLst/>
+            </a:prstGeom>
+            <a:noFill/>
             <a:extLst>
-              <a:ext uri="{28A0092B-C50C-407E-A947-70E740481C1C}">
-                <a14:useLocalDpi xmlns:a14="http://schemas.microsoft.com/office/drawing/2010/main" val="0"/>
+              <a:ext uri="{909E8E84-426E-40DD-AFC4-6F175D3DCCD1}">
+                <a14:hiddenFill xmlns:a14="http://schemas.microsoft.com/office/drawing/2010/main">
+                  <a:solidFill>
+                    <a:srgbClr val="FFFFFF"/>
+                  </a:solidFill>
+                </a14:hiddenFill>
               </a:ext>
             </a:extLst>
-          </a:blip>
-          <a:srcRect/>
-          <a:stretch>
-            <a:fillRect/>
-          </a:stretch>
-        </p:blipFill>
-        <p:spPr bwMode="auto">
-          <a:xfrm>
-            <a:off x="9373325" y="3707821"/>
-            <a:ext cx="1991283" cy="2151661"/>
-          </a:xfrm>
-          <a:prstGeom prst="rect">
-            <a:avLst/>
-          </a:prstGeom>
-          <a:noFill/>
-          <a:extLst>
-            <a:ext uri="{909E8E84-426E-40DD-AFC4-6F175D3DCCD1}">
-              <a14:hiddenFill xmlns:a14="http://schemas.microsoft.com/office/drawing/2010/main">
-                <a:solidFill>
-                  <a:srgbClr val="FFFFFF"/>
-                </a:solidFill>
-              </a14:hiddenFill>
-            </a:ext>
-          </a:extLst>
-        </p:spPr>
-      </p:pic>
-      <p:sp>
-        <p:nvSpPr>
-          <p:cNvPr id="5" name="Textfeld 4">
-            <a:extLst>
-              <a:ext uri="{FF2B5EF4-FFF2-40B4-BE49-F238E27FC236}">
-                <a16:creationId xmlns:a16="http://schemas.microsoft.com/office/drawing/2014/main" id="{FC10C0E8-261F-E64D-935C-3F5E81FA14FF}"/>
-              </a:ext>
-            </a:extLst>
-          </p:cNvPr>
-          <p:cNvSpPr txBox="1"/>
-          <p:nvPr/>
-        </p:nvSpPr>
-        <p:spPr>
-          <a:xfrm>
-            <a:off x="6766560" y="3707028"/>
-            <a:ext cx="2358493" cy="1723549"/>
-          </a:xfrm>
-          <a:prstGeom prst="rect">
-            <a:avLst/>
-          </a:prstGeom>
-          <a:noFill/>
-        </p:spPr>
-        <p:txBody>
-          <a:bodyPr wrap="square" rtlCol="0">
-            <a:spAutoFit/>
-          </a:bodyPr>
-          <a:lstStyle/>
-          <a:p>
-            <a:r>
-              <a:rPr lang="de-DE" sz="1400" dirty="0" err="1"/>
-              <a:t>Some</a:t>
-            </a:r>
-            <a:r>
-              <a:rPr lang="de-DE" sz="1400" dirty="0"/>
-              <a:t> </a:t>
-            </a:r>
-            <a:r>
-              <a:rPr lang="de-DE" sz="1400" dirty="0" err="1"/>
-              <a:t>of</a:t>
-            </a:r>
-            <a:r>
-              <a:rPr lang="de-DE" sz="1400" dirty="0"/>
-              <a:t> </a:t>
-            </a:r>
-            <a:r>
-              <a:rPr lang="de-DE" sz="1400" dirty="0" err="1"/>
-              <a:t>the</a:t>
-            </a:r>
-            <a:r>
-              <a:rPr lang="de-DE" sz="1400" dirty="0"/>
-              <a:t> material </a:t>
-            </a:r>
-            <a:r>
-              <a:rPr lang="de-DE" sz="1400" dirty="0" err="1"/>
-              <a:t>is</a:t>
-            </a:r>
-            <a:r>
-              <a:rPr lang="de-DE" sz="1400" dirty="0"/>
-              <a:t> </a:t>
-            </a:r>
-            <a:r>
-              <a:rPr lang="de-DE" sz="1400" dirty="0" err="1"/>
-              <a:t>based</a:t>
-            </a:r>
-            <a:r>
-              <a:rPr lang="de-DE" sz="1400" dirty="0"/>
-              <a:t> on </a:t>
-            </a:r>
-            <a:r>
-              <a:rPr lang="de-DE" sz="1400" dirty="0" err="1"/>
-              <a:t>the</a:t>
-            </a:r>
-            <a:r>
-              <a:rPr lang="de-DE" sz="1400" dirty="0"/>
-              <a:t> Book “</a:t>
-            </a:r>
-            <a:r>
-              <a:rPr lang="de-DE" sz="1400" b="1" dirty="0"/>
-              <a:t>JavaScript: The </a:t>
-            </a:r>
-            <a:r>
-              <a:rPr lang="de-DE" sz="1400" b="1" dirty="0" err="1"/>
-              <a:t>Good</a:t>
-            </a:r>
-            <a:r>
-              <a:rPr lang="de-DE" sz="1400" b="1" dirty="0"/>
-              <a:t> Parts</a:t>
-            </a:r>
-            <a:r>
-              <a:rPr lang="de-DE" sz="1400" dirty="0"/>
-              <a:t>“ </a:t>
-            </a:r>
-            <a:r>
-              <a:rPr lang="de-DE" sz="1400" dirty="0" err="1"/>
-              <a:t>by</a:t>
-            </a:r>
-            <a:endParaRPr lang="de-DE" sz="1400" dirty="0"/>
-          </a:p>
-          <a:p>
-            <a:r>
-              <a:rPr lang="de-DE" sz="1400" dirty="0"/>
-              <a:t>Douglas </a:t>
-            </a:r>
-            <a:r>
-              <a:rPr lang="de-DE" sz="1400" dirty="0" err="1"/>
-              <a:t>Crockford</a:t>
-            </a:r>
-            <a:r>
-              <a:rPr lang="de-DE" sz="1400" dirty="0"/>
-              <a:t>. </a:t>
-            </a:r>
-          </a:p>
-          <a:p>
-            <a:endParaRPr lang="de-DE" dirty="0"/>
-          </a:p>
-          <a:p>
-            <a:r>
-              <a:rPr lang="de-DE" sz="1400" b="1" dirty="0"/>
-              <a:t>ISBN: </a:t>
-            </a:r>
-            <a:r>
-              <a:rPr lang="de-CH" sz="1400" b="1" dirty="0"/>
-              <a:t>978-0-596-51774-8</a:t>
-            </a:r>
-            <a:endParaRPr lang="de-DE" sz="1400" b="1" dirty="0"/>
-          </a:p>
-          <a:p>
-            <a:endParaRPr lang="de-DE" dirty="0"/>
-          </a:p>
-        </p:txBody>
-      </p:sp>
+          </p:spPr>
+        </p:pic>
+        <p:sp>
+          <p:nvSpPr>
+            <p:cNvPr id="5" name="Textfeld 4">
+              <a:extLst>
+                <a:ext uri="{FF2B5EF4-FFF2-40B4-BE49-F238E27FC236}">
+                  <a16:creationId xmlns:a16="http://schemas.microsoft.com/office/drawing/2014/main" id="{FC10C0E8-261F-E64D-935C-3F5E81FA14FF}"/>
+                </a:ext>
+              </a:extLst>
+            </p:cNvPr>
+            <p:cNvSpPr txBox="1"/>
+            <p:nvPr/>
+          </p:nvSpPr>
+          <p:spPr>
+            <a:xfrm>
+              <a:off x="6766560" y="3707028"/>
+              <a:ext cx="2358493" cy="1723549"/>
+            </a:xfrm>
+            <a:prstGeom prst="rect">
+              <a:avLst/>
+            </a:prstGeom>
+            <a:noFill/>
+          </p:spPr>
+          <p:txBody>
+            <a:bodyPr wrap="square" rtlCol="0">
+              <a:spAutoFit/>
+            </a:bodyPr>
+            <a:lstStyle/>
+            <a:p>
+              <a:r>
+                <a:rPr lang="de-DE" sz="1400" dirty="0" err="1"/>
+                <a:t>Some</a:t>
+              </a:r>
+              <a:r>
+                <a:rPr lang="de-DE" sz="1400" dirty="0"/>
+                <a:t> </a:t>
+              </a:r>
+              <a:r>
+                <a:rPr lang="de-DE" sz="1400" dirty="0" err="1"/>
+                <a:t>of</a:t>
+              </a:r>
+              <a:r>
+                <a:rPr lang="de-DE" sz="1400" dirty="0"/>
+                <a:t> </a:t>
+              </a:r>
+              <a:r>
+                <a:rPr lang="de-DE" sz="1400" dirty="0" err="1"/>
+                <a:t>the</a:t>
+              </a:r>
+              <a:r>
+                <a:rPr lang="de-DE" sz="1400" dirty="0"/>
+                <a:t> material </a:t>
+              </a:r>
+              <a:r>
+                <a:rPr lang="de-DE" sz="1400" dirty="0" err="1"/>
+                <a:t>is</a:t>
+              </a:r>
+              <a:r>
+                <a:rPr lang="de-DE" sz="1400" dirty="0"/>
+                <a:t> </a:t>
+              </a:r>
+              <a:r>
+                <a:rPr lang="de-DE" sz="1400" dirty="0" err="1"/>
+                <a:t>based</a:t>
+              </a:r>
+              <a:r>
+                <a:rPr lang="de-DE" sz="1400" dirty="0"/>
+                <a:t> on </a:t>
+              </a:r>
+              <a:r>
+                <a:rPr lang="de-DE" sz="1400" dirty="0" err="1"/>
+                <a:t>the</a:t>
+              </a:r>
+              <a:r>
+                <a:rPr lang="de-DE" sz="1400" dirty="0"/>
+                <a:t> Book “</a:t>
+              </a:r>
+              <a:r>
+                <a:rPr lang="de-DE" sz="1400" b="1" dirty="0"/>
+                <a:t>JavaScript: The </a:t>
+              </a:r>
+              <a:r>
+                <a:rPr lang="de-DE" sz="1400" b="1" dirty="0" err="1"/>
+                <a:t>Good</a:t>
+              </a:r>
+              <a:r>
+                <a:rPr lang="de-DE" sz="1400" b="1" dirty="0"/>
+                <a:t> Parts</a:t>
+              </a:r>
+              <a:r>
+                <a:rPr lang="de-DE" sz="1400" dirty="0"/>
+                <a:t>“ </a:t>
+              </a:r>
+              <a:r>
+                <a:rPr lang="de-DE" sz="1400" dirty="0" err="1"/>
+                <a:t>by</a:t>
+              </a:r>
+              <a:endParaRPr lang="de-DE" sz="1400" dirty="0"/>
+            </a:p>
+            <a:p>
+              <a:r>
+                <a:rPr lang="de-DE" sz="1400" dirty="0"/>
+                <a:t>Douglas </a:t>
+              </a:r>
+              <a:r>
+                <a:rPr lang="de-DE" sz="1400" dirty="0" err="1"/>
+                <a:t>Crockford</a:t>
+              </a:r>
+              <a:r>
+                <a:rPr lang="de-DE" sz="1400" dirty="0"/>
+                <a:t>. </a:t>
+              </a:r>
+            </a:p>
+            <a:p>
+              <a:endParaRPr lang="de-DE" dirty="0"/>
+            </a:p>
+            <a:p>
+              <a:r>
+                <a:rPr lang="de-DE" sz="1400" b="1" dirty="0"/>
+                <a:t>ISBN: </a:t>
+              </a:r>
+              <a:r>
+                <a:rPr lang="de-CH" sz="1400" b="1" dirty="0"/>
+                <a:t>978-0-596-51774-8</a:t>
+              </a:r>
+              <a:endParaRPr lang="de-DE" sz="1400" b="1" dirty="0"/>
+            </a:p>
+            <a:p>
+              <a:endParaRPr lang="de-DE" dirty="0"/>
+            </a:p>
+          </p:txBody>
+        </p:sp>
+      </p:grpSp>
       <p:sp>
         <p:nvSpPr>
           <p:cNvPr id="7" name="Datumsplatzhalter 6">
@@ -38408,6 +42275,4317 @@
     <p:extLst>
       <p:ext uri="{BB962C8B-B14F-4D97-AF65-F5344CB8AC3E}">
         <p14:creationId xmlns:p14="http://schemas.microsoft.com/office/powerpoint/2010/main" val="2608298384"/>
+      </p:ext>
+    </p:extLst>
+  </p:cSld>
+  <p:clrMapOvr>
+    <a:masterClrMapping/>
+  </p:clrMapOvr>
+</p:sld>
+</file>
+
+<file path=ppt/slides/slide30.xml><?xml version="1.0" encoding="utf-8"?>
+<p:sld xmlns:a="http://schemas.openxmlformats.org/drawingml/2006/main" xmlns:r="http://schemas.openxmlformats.org/officeDocument/2006/relationships" xmlns:p="http://schemas.openxmlformats.org/presentationml/2006/main">
+  <p:cSld>
+    <p:bg>
+      <p:bgPr>
+        <a:solidFill>
+          <a:schemeClr val="bg1"/>
+        </a:solidFill>
+        <a:effectLst/>
+      </p:bgPr>
+    </p:bg>
+    <p:spTree>
+      <p:nvGrpSpPr>
+        <p:cNvPr id="1" name=""/>
+        <p:cNvGrpSpPr/>
+        <p:nvPr/>
+      </p:nvGrpSpPr>
+      <p:grpSpPr>
+        <a:xfrm>
+          <a:off x="0" y="0"/>
+          <a:ext cx="0" cy="0"/>
+          <a:chOff x="0" y="0"/>
+          <a:chExt cx="0" cy="0"/>
+        </a:xfrm>
+      </p:grpSpPr>
+      <p:sp>
+        <p:nvSpPr>
+          <p:cNvPr id="46" name="Rectangle 33">
+            <a:extLst>
+              <a:ext uri="{FF2B5EF4-FFF2-40B4-BE49-F238E27FC236}">
+                <a16:creationId xmlns:a16="http://schemas.microsoft.com/office/drawing/2014/main" id="{BD4C0BBB-0042-4603-A226-6117F3FD5B3C}"/>
+              </a:ext>
+              <a:ext uri="{C183D7F6-B498-43B3-948B-1728B52AA6E4}">
+                <adec:decorative xmlns:adec="http://schemas.microsoft.com/office/drawing/2017/decorative" val="1"/>
+              </a:ext>
+            </a:extLst>
+          </p:cNvPr>
+          <p:cNvSpPr>
+            <a:spLocks noGrp="1" noRot="1" noChangeAspect="1" noMove="1" noResize="1" noEditPoints="1" noAdjustHandles="1" noChangeArrowheads="1" noChangeShapeType="1" noTextEdit="1"/>
+          </p:cNvSpPr>
+          <p:nvPr>
+            <p:extLst>
+              <p:ext uri="{386F3935-93C4-4BCD-93E2-E3B085C9AB24}">
+                <p16:designElem xmlns:p16="http://schemas.microsoft.com/office/powerpoint/2015/main" val="1"/>
+              </p:ext>
+            </p:extLst>
+          </p:nvPr>
+        </p:nvSpPr>
+        <p:spPr>
+          <a:xfrm rot="10800000" flipH="1">
+            <a:off x="0" y="6400799"/>
+            <a:ext cx="12192000" cy="456773"/>
+          </a:xfrm>
+          <a:prstGeom prst="rect">
+            <a:avLst/>
+          </a:prstGeom>
+          <a:gradFill>
+            <a:gsLst>
+              <a:gs pos="14000">
+                <a:schemeClr val="accent4">
+                  <a:alpha val="28000"/>
+                </a:schemeClr>
+              </a:gs>
+              <a:gs pos="100000">
+                <a:schemeClr val="accent5">
+                  <a:alpha val="85000"/>
+                </a:schemeClr>
+              </a:gs>
+            </a:gsLst>
+            <a:lin ang="6000000" scaled="0"/>
+          </a:gradFill>
+          <a:ln>
+            <a:noFill/>
+          </a:ln>
+        </p:spPr>
+        <p:style>
+          <a:lnRef idx="2">
+            <a:schemeClr val="accent1">
+              <a:shade val="50000"/>
+            </a:schemeClr>
+          </a:lnRef>
+          <a:fillRef idx="1">
+            <a:schemeClr val="accent1"/>
+          </a:fillRef>
+          <a:effectRef idx="0">
+            <a:schemeClr val="accent1"/>
+          </a:effectRef>
+          <a:fontRef idx="minor">
+            <a:schemeClr val="lt1"/>
+          </a:fontRef>
+        </p:style>
+        <p:txBody>
+          <a:bodyPr rtlCol="0" anchor="ctr"/>
+          <a:lstStyle/>
+          <a:p>
+            <a:pPr algn="ctr"/>
+            <a:endParaRPr lang="en-US"/>
+          </a:p>
+        </p:txBody>
+      </p:sp>
+      <p:sp>
+        <p:nvSpPr>
+          <p:cNvPr id="47" name="Rectangle 35">
+            <a:extLst>
+              <a:ext uri="{FF2B5EF4-FFF2-40B4-BE49-F238E27FC236}">
+                <a16:creationId xmlns:a16="http://schemas.microsoft.com/office/drawing/2014/main" id="{EC44F520-2598-460E-9F91-B02F60830CA2}"/>
+              </a:ext>
+              <a:ext uri="{C183D7F6-B498-43B3-948B-1728B52AA6E4}">
+                <adec:decorative xmlns:adec="http://schemas.microsoft.com/office/drawing/2017/decorative" val="1"/>
+              </a:ext>
+            </a:extLst>
+          </p:cNvPr>
+          <p:cNvSpPr>
+            <a:spLocks noGrp="1" noRot="1" noChangeAspect="1" noMove="1" noResize="1" noEditPoints="1" noAdjustHandles="1" noChangeArrowheads="1" noChangeShapeType="1" noTextEdit="1"/>
+          </p:cNvSpPr>
+          <p:nvPr>
+            <p:extLst>
+              <p:ext uri="{386F3935-93C4-4BCD-93E2-E3B085C9AB24}">
+                <p16:designElem xmlns:p16="http://schemas.microsoft.com/office/powerpoint/2015/main" val="1"/>
+              </p:ext>
+            </p:extLst>
+          </p:nvPr>
+        </p:nvSpPr>
+        <p:spPr>
+          <a:xfrm flipH="1">
+            <a:off x="4038600" y="6400799"/>
+            <a:ext cx="8153398" cy="456772"/>
+          </a:xfrm>
+          <a:prstGeom prst="rect">
+            <a:avLst/>
+          </a:prstGeom>
+          <a:gradFill>
+            <a:gsLst>
+              <a:gs pos="9000">
+                <a:schemeClr val="accent2">
+                  <a:lumMod val="60000"/>
+                  <a:lumOff val="40000"/>
+                  <a:alpha val="55000"/>
+                </a:schemeClr>
+              </a:gs>
+              <a:gs pos="99000">
+                <a:schemeClr val="accent2"/>
+              </a:gs>
+            </a:gsLst>
+            <a:lin ang="14400000" scaled="0"/>
+          </a:gradFill>
+          <a:ln>
+            <a:noFill/>
+          </a:ln>
+        </p:spPr>
+        <p:style>
+          <a:lnRef idx="2">
+            <a:schemeClr val="accent1">
+              <a:shade val="50000"/>
+            </a:schemeClr>
+          </a:lnRef>
+          <a:fillRef idx="1">
+            <a:schemeClr val="accent1"/>
+          </a:fillRef>
+          <a:effectRef idx="0">
+            <a:schemeClr val="accent1"/>
+          </a:effectRef>
+          <a:fontRef idx="minor">
+            <a:schemeClr val="lt1"/>
+          </a:fontRef>
+        </p:style>
+        <p:txBody>
+          <a:bodyPr rtlCol="0" anchor="ctr"/>
+          <a:lstStyle/>
+          <a:p>
+            <a:pPr algn="ctr"/>
+            <a:endParaRPr lang="en-US"/>
+          </a:p>
+        </p:txBody>
+      </p:sp>
+      <p:sp useBgFill="1">
+        <p:nvSpPr>
+          <p:cNvPr id="48" name="Rectangle 37">
+            <a:extLst>
+              <a:ext uri="{FF2B5EF4-FFF2-40B4-BE49-F238E27FC236}">
+                <a16:creationId xmlns:a16="http://schemas.microsoft.com/office/drawing/2014/main" id="{58277E02-8052-4DAB-9140-864FC3F8140E}"/>
+              </a:ext>
+              <a:ext uri="{C183D7F6-B498-43B3-948B-1728B52AA6E4}">
+                <adec:decorative xmlns:adec="http://schemas.microsoft.com/office/drawing/2017/decorative" val="1"/>
+              </a:ext>
+            </a:extLst>
+          </p:cNvPr>
+          <p:cNvSpPr>
+            <a:spLocks noGrp="1" noRot="1" noChangeAspect="1" noMove="1" noResize="1" noEditPoints="1" noAdjustHandles="1" noChangeArrowheads="1" noChangeShapeType="1" noTextEdit="1"/>
+          </p:cNvSpPr>
+          <p:nvPr>
+            <p:extLst>
+              <p:ext uri="{386F3935-93C4-4BCD-93E2-E3B085C9AB24}">
+                <p16:designElem xmlns:p16="http://schemas.microsoft.com/office/powerpoint/2015/main" val="1"/>
+              </p:ext>
+            </p:extLst>
+          </p:nvPr>
+        </p:nvSpPr>
+        <p:spPr>
+          <a:xfrm>
+            <a:off x="0" y="0"/>
+            <a:ext cx="12192000" cy="6858000"/>
+          </a:xfrm>
+          <a:prstGeom prst="rect">
+            <a:avLst/>
+          </a:prstGeom>
+          <a:ln w="12700" cap="flat" cmpd="sng" algn="ctr">
+            <a:noFill/>
+            <a:prstDash val="solid"/>
+            <a:miter lim="800000"/>
+          </a:ln>
+          <a:effectLst/>
+          <a:extLst>
+            <a:ext uri="{91240B29-F687-4F45-9708-019B960494DF}">
+              <a14:hiddenLine xmlns:a14="http://schemas.microsoft.com/office/drawing/2010/main" w="12700" cap="flat" cmpd="sng" algn="ctr">
+                <a:solidFill>
+                  <a:schemeClr val="accent1">
+                    <a:shade val="50000"/>
+                  </a:schemeClr>
+                </a:solidFill>
+                <a:prstDash val="solid"/>
+                <a:miter lim="800000"/>
+              </a14:hiddenLine>
+            </a:ext>
+          </a:extLst>
+        </p:spPr>
+        <p:style>
+          <a:lnRef idx="2">
+            <a:schemeClr val="accent1">
+              <a:shade val="50000"/>
+            </a:schemeClr>
+          </a:lnRef>
+          <a:fillRef idx="1">
+            <a:schemeClr val="accent1"/>
+          </a:fillRef>
+          <a:effectRef idx="0">
+            <a:schemeClr val="accent1"/>
+          </a:effectRef>
+          <a:fontRef idx="minor">
+            <a:schemeClr val="lt1"/>
+          </a:fontRef>
+        </p:style>
+        <p:txBody>
+          <a:bodyPr rtlCol="0" anchor="ctr"/>
+          <a:lstStyle/>
+          <a:p>
+            <a:pPr algn="ctr"/>
+            <a:endParaRPr lang="en-US"/>
+          </a:p>
+        </p:txBody>
+      </p:sp>
+      <p:pic>
+        <p:nvPicPr>
+          <p:cNvPr id="17" name="Grafik 16">
+            <a:extLst>
+              <a:ext uri="{FF2B5EF4-FFF2-40B4-BE49-F238E27FC236}">
+                <a16:creationId xmlns:a16="http://schemas.microsoft.com/office/drawing/2014/main" id="{DD9C805B-1ECA-E94C-8FAE-38D10156377B}"/>
+              </a:ext>
+            </a:extLst>
+          </p:cNvPr>
+          <p:cNvPicPr>
+            <a:picLocks noChangeAspect="1"/>
+          </p:cNvPicPr>
+          <p:nvPr/>
+        </p:nvPicPr>
+        <p:blipFill rotWithShape="1">
+          <a:blip r:embed="rId3"/>
+          <a:srcRect l="-6653" t="2684" r="-6653" b="2684"/>
+          <a:stretch/>
+        </p:blipFill>
+        <p:spPr>
+          <a:xfrm>
+            <a:off x="231929" y="209293"/>
+            <a:ext cx="11380574" cy="5982214"/>
+          </a:xfrm>
+          <a:prstGeom prst="rect">
+            <a:avLst/>
+          </a:prstGeom>
+        </p:spPr>
+      </p:pic>
+      <p:sp>
+        <p:nvSpPr>
+          <p:cNvPr id="49" name="Rectangle 39">
+            <a:extLst>
+              <a:ext uri="{FF2B5EF4-FFF2-40B4-BE49-F238E27FC236}">
+                <a16:creationId xmlns:a16="http://schemas.microsoft.com/office/drawing/2014/main" id="{F7A8738A-7386-464C-98EF-9EB4F856EF6F}"/>
+              </a:ext>
+              <a:ext uri="{C183D7F6-B498-43B3-948B-1728B52AA6E4}">
+                <adec:decorative xmlns:adec="http://schemas.microsoft.com/office/drawing/2017/decorative" val="1"/>
+              </a:ext>
+            </a:extLst>
+          </p:cNvPr>
+          <p:cNvSpPr>
+            <a:spLocks noGrp="1" noRot="1" noChangeAspect="1" noMove="1" noResize="1" noEditPoints="1" noAdjustHandles="1" noChangeArrowheads="1" noChangeShapeType="1" noTextEdit="1"/>
+          </p:cNvSpPr>
+          <p:nvPr>
+            <p:extLst>
+              <p:ext uri="{386F3935-93C4-4BCD-93E2-E3B085C9AB24}">
+                <p16:designElem xmlns:p16="http://schemas.microsoft.com/office/powerpoint/2015/main" val="1"/>
+              </p:ext>
+            </p:extLst>
+          </p:nvPr>
+        </p:nvSpPr>
+        <p:spPr>
+          <a:xfrm rot="10800000" flipH="1">
+            <a:off x="0" y="6408741"/>
+            <a:ext cx="12192000" cy="449256"/>
+          </a:xfrm>
+          <a:prstGeom prst="rect">
+            <a:avLst/>
+          </a:prstGeom>
+          <a:gradFill>
+            <a:gsLst>
+              <a:gs pos="14000">
+                <a:schemeClr val="accent4">
+                  <a:alpha val="28000"/>
+                </a:schemeClr>
+              </a:gs>
+              <a:gs pos="100000">
+                <a:schemeClr val="accent5">
+                  <a:alpha val="85000"/>
+                </a:schemeClr>
+              </a:gs>
+            </a:gsLst>
+            <a:lin ang="9000000" scaled="0"/>
+          </a:gradFill>
+          <a:ln>
+            <a:noFill/>
+          </a:ln>
+        </p:spPr>
+        <p:style>
+          <a:lnRef idx="2">
+            <a:schemeClr val="accent1">
+              <a:shade val="50000"/>
+            </a:schemeClr>
+          </a:lnRef>
+          <a:fillRef idx="1">
+            <a:schemeClr val="accent1"/>
+          </a:fillRef>
+          <a:effectRef idx="0">
+            <a:schemeClr val="accent1"/>
+          </a:effectRef>
+          <a:fontRef idx="minor">
+            <a:schemeClr val="lt1"/>
+          </a:fontRef>
+        </p:style>
+        <p:txBody>
+          <a:bodyPr rtlCol="0" anchor="ctr"/>
+          <a:lstStyle/>
+          <a:p>
+            <a:pPr algn="ctr"/>
+            <a:endParaRPr lang="en-US"/>
+          </a:p>
+        </p:txBody>
+      </p:sp>
+      <p:sp>
+        <p:nvSpPr>
+          <p:cNvPr id="50" name="Rectangle 41">
+            <a:extLst>
+              <a:ext uri="{FF2B5EF4-FFF2-40B4-BE49-F238E27FC236}">
+                <a16:creationId xmlns:a16="http://schemas.microsoft.com/office/drawing/2014/main" id="{C4A98402-3932-4318-B57D-2E10D76DDF48}"/>
+              </a:ext>
+              <a:ext uri="{C183D7F6-B498-43B3-948B-1728B52AA6E4}">
+                <adec:decorative xmlns:adec="http://schemas.microsoft.com/office/drawing/2017/decorative" val="1"/>
+              </a:ext>
+            </a:extLst>
+          </p:cNvPr>
+          <p:cNvSpPr>
+            <a:spLocks noGrp="1" noRot="1" noChangeAspect="1" noMove="1" noResize="1" noEditPoints="1" noAdjustHandles="1" noChangeArrowheads="1" noChangeShapeType="1" noTextEdit="1"/>
+          </p:cNvSpPr>
+          <p:nvPr>
+            <p:extLst>
+              <p:ext uri="{386F3935-93C4-4BCD-93E2-E3B085C9AB24}">
+                <p16:designElem xmlns:p16="http://schemas.microsoft.com/office/powerpoint/2015/main" val="1"/>
+              </p:ext>
+            </p:extLst>
+          </p:nvPr>
+        </p:nvSpPr>
+        <p:spPr>
+          <a:xfrm flipH="1">
+            <a:off x="4038600" y="6408316"/>
+            <a:ext cx="8153398" cy="449684"/>
+          </a:xfrm>
+          <a:prstGeom prst="rect">
+            <a:avLst/>
+          </a:prstGeom>
+          <a:gradFill>
+            <a:gsLst>
+              <a:gs pos="9000">
+                <a:schemeClr val="accent2">
+                  <a:lumMod val="60000"/>
+                  <a:lumOff val="40000"/>
+                  <a:alpha val="68000"/>
+                </a:schemeClr>
+              </a:gs>
+              <a:gs pos="99000">
+                <a:schemeClr val="accent2"/>
+              </a:gs>
+            </a:gsLst>
+            <a:lin ang="13800000" scaled="0"/>
+          </a:gradFill>
+          <a:ln>
+            <a:noFill/>
+          </a:ln>
+        </p:spPr>
+        <p:style>
+          <a:lnRef idx="2">
+            <a:schemeClr val="accent1">
+              <a:shade val="50000"/>
+            </a:schemeClr>
+          </a:lnRef>
+          <a:fillRef idx="1">
+            <a:schemeClr val="accent1"/>
+          </a:fillRef>
+          <a:effectRef idx="0">
+            <a:schemeClr val="accent1"/>
+          </a:effectRef>
+          <a:fontRef idx="minor">
+            <a:schemeClr val="lt1"/>
+          </a:fontRef>
+        </p:style>
+        <p:txBody>
+          <a:bodyPr rtlCol="0" anchor="ctr"/>
+          <a:lstStyle/>
+          <a:p>
+            <a:pPr algn="ctr"/>
+            <a:endParaRPr lang="en-US"/>
+          </a:p>
+        </p:txBody>
+      </p:sp>
+      <p:sp>
+        <p:nvSpPr>
+          <p:cNvPr id="4" name="Datumsplatzhalter 3">
+            <a:extLst>
+              <a:ext uri="{FF2B5EF4-FFF2-40B4-BE49-F238E27FC236}">
+                <a16:creationId xmlns:a16="http://schemas.microsoft.com/office/drawing/2014/main" id="{11C3782B-8061-544C-B2EA-660A87CDDB42}"/>
+              </a:ext>
+            </a:extLst>
+          </p:cNvPr>
+          <p:cNvSpPr>
+            <a:spLocks noGrp="1"/>
+          </p:cNvSpPr>
+          <p:nvPr>
+            <p:ph type="dt" sz="half" idx="10"/>
+          </p:nvPr>
+        </p:nvSpPr>
+        <p:spPr>
+          <a:xfrm>
+            <a:off x="7910111" y="6409170"/>
+            <a:ext cx="3702392" cy="448830"/>
+          </a:xfrm>
+        </p:spPr>
+        <p:txBody>
+          <a:bodyPr vert="horz" lIns="91440" tIns="45720" rIns="91440" bIns="45720" rtlCol="0" anchor="ctr">
+            <a:normAutofit/>
+          </a:bodyPr>
+          <a:lstStyle/>
+          <a:p>
+            <a:pPr>
+              <a:spcAft>
+                <a:spcPts val="600"/>
+              </a:spcAft>
+            </a:pPr>
+            <a:r>
+              <a:rPr lang="en-US">
+                <a:solidFill>
+                  <a:schemeClr val="bg1"/>
+                </a:solidFill>
+              </a:rPr>
+              <a:t>Davide Valerio, 27. January 2021</a:t>
+            </a:r>
+          </a:p>
+        </p:txBody>
+      </p:sp>
+      <p:sp>
+        <p:nvSpPr>
+          <p:cNvPr id="64" name="Rechteck 63">
+            <a:extLst>
+              <a:ext uri="{FF2B5EF4-FFF2-40B4-BE49-F238E27FC236}">
+                <a16:creationId xmlns:a16="http://schemas.microsoft.com/office/drawing/2014/main" id="{FA84B9E3-165D-904B-A729-88D7CBDCBC0F}"/>
+              </a:ext>
+            </a:extLst>
+          </p:cNvPr>
+          <p:cNvSpPr/>
+          <p:nvPr/>
+        </p:nvSpPr>
+        <p:spPr>
+          <a:xfrm>
+            <a:off x="8612659" y="3175686"/>
+            <a:ext cx="2100649" cy="951471"/>
+          </a:xfrm>
+          <a:prstGeom prst="rect">
+            <a:avLst/>
+          </a:prstGeom>
+        </p:spPr>
+        <p:style>
+          <a:lnRef idx="2">
+            <a:schemeClr val="accent1">
+              <a:shade val="50000"/>
+            </a:schemeClr>
+          </a:lnRef>
+          <a:fillRef idx="1">
+            <a:schemeClr val="accent1"/>
+          </a:fillRef>
+          <a:effectRef idx="0">
+            <a:schemeClr val="accent1"/>
+          </a:effectRef>
+          <a:fontRef idx="minor">
+            <a:schemeClr val="lt1"/>
+          </a:fontRef>
+        </p:style>
+        <p:txBody>
+          <a:bodyPr rtlCol="0" anchor="ctr"/>
+          <a:lstStyle/>
+          <a:p>
+            <a:pPr algn="ctr"/>
+            <a:r>
+              <a:rPr lang="de-DE" dirty="0" err="1"/>
+              <a:t>SelectionController</a:t>
+            </a:r>
+            <a:endParaRPr lang="de-DE" dirty="0"/>
+          </a:p>
+          <a:p>
+            <a:pPr algn="ctr"/>
+            <a:r>
+              <a:rPr lang="de-DE" b="1" dirty="0"/>
+              <a:t>Observer</a:t>
+            </a:r>
+          </a:p>
+        </p:txBody>
+      </p:sp>
+      <p:sp>
+        <p:nvSpPr>
+          <p:cNvPr id="65" name="Rechteck 64">
+            <a:extLst>
+              <a:ext uri="{FF2B5EF4-FFF2-40B4-BE49-F238E27FC236}">
+                <a16:creationId xmlns:a16="http://schemas.microsoft.com/office/drawing/2014/main" id="{30A3C751-A1DA-3A41-8225-D23D775B72FF}"/>
+              </a:ext>
+            </a:extLst>
+          </p:cNvPr>
+          <p:cNvSpPr/>
+          <p:nvPr/>
+        </p:nvSpPr>
+        <p:spPr>
+          <a:xfrm>
+            <a:off x="1136820" y="3200400"/>
+            <a:ext cx="2100649" cy="951471"/>
+          </a:xfrm>
+          <a:prstGeom prst="rect">
+            <a:avLst/>
+          </a:prstGeom>
+        </p:spPr>
+        <p:style>
+          <a:lnRef idx="2">
+            <a:schemeClr val="accent1">
+              <a:shade val="50000"/>
+            </a:schemeClr>
+          </a:lnRef>
+          <a:fillRef idx="1">
+            <a:schemeClr val="accent1"/>
+          </a:fillRef>
+          <a:effectRef idx="0">
+            <a:schemeClr val="accent1"/>
+          </a:effectRef>
+          <a:fontRef idx="minor">
+            <a:schemeClr val="lt1"/>
+          </a:fontRef>
+        </p:style>
+        <p:txBody>
+          <a:bodyPr rtlCol="0" anchor="ctr"/>
+          <a:lstStyle/>
+          <a:p>
+            <a:pPr algn="ctr"/>
+            <a:r>
+              <a:rPr lang="de-DE" dirty="0" err="1"/>
+              <a:t>ListController</a:t>
+            </a:r>
+            <a:endParaRPr lang="de-DE" dirty="0"/>
+          </a:p>
+          <a:p>
+            <a:pPr algn="ctr"/>
+            <a:r>
+              <a:rPr lang="de-DE" b="1" dirty="0" err="1"/>
+              <a:t>ObservableList</a:t>
+            </a:r>
+            <a:endParaRPr lang="de-DE" b="1" dirty="0"/>
+          </a:p>
+        </p:txBody>
+      </p:sp>
+    </p:spTree>
+    <p:extLst>
+      <p:ext uri="{BB962C8B-B14F-4D97-AF65-F5344CB8AC3E}">
+        <p14:creationId xmlns:p14="http://schemas.microsoft.com/office/powerpoint/2010/main" val="1913368402"/>
+      </p:ext>
+    </p:extLst>
+  </p:cSld>
+  <p:clrMapOvr>
+    <a:masterClrMapping/>
+  </p:clrMapOvr>
+  <p:timing>
+    <p:tnLst>
+      <p:par>
+        <p:cTn id="1" dur="indefinite" restart="never" nodeType="tmRoot">
+          <p:childTnLst>
+            <p:seq concurrent="1" nextAc="seek">
+              <p:cTn id="2" dur="indefinite" nodeType="mainSeq">
+                <p:childTnLst>
+                  <p:par>
+                    <p:cTn id="3" fill="hold">
+                      <p:stCondLst>
+                        <p:cond delay="indefinite"/>
+                      </p:stCondLst>
+                      <p:childTnLst>
+                        <p:par>
+                          <p:cTn id="4" fill="hold">
+                            <p:stCondLst>
+                              <p:cond delay="0"/>
+                            </p:stCondLst>
+                            <p:childTnLst>
+                              <p:par>
+                                <p:cTn id="5" presetID="23" presetClass="entr" presetSubtype="16" fill="hold" grpId="0" nodeType="clickEffect">
+                                  <p:stCondLst>
+                                    <p:cond delay="0"/>
+                                  </p:stCondLst>
+                                  <p:childTnLst>
+                                    <p:set>
+                                      <p:cBhvr>
+                                        <p:cTn id="6" dur="1" fill="hold">
+                                          <p:stCondLst>
+                                            <p:cond delay="0"/>
+                                          </p:stCondLst>
+                                        </p:cTn>
+                                        <p:tgtEl>
+                                          <p:spTgt spid="64"/>
+                                        </p:tgtEl>
+                                        <p:attrNameLst>
+                                          <p:attrName>style.visibility</p:attrName>
+                                        </p:attrNameLst>
+                                      </p:cBhvr>
+                                      <p:to>
+                                        <p:strVal val="visible"/>
+                                      </p:to>
+                                    </p:set>
+                                    <p:anim calcmode="lin" valueType="num">
+                                      <p:cBhvr>
+                                        <p:cTn id="7" dur="500" fill="hold"/>
+                                        <p:tgtEl>
+                                          <p:spTgt spid="64"/>
+                                        </p:tgtEl>
+                                        <p:attrNameLst>
+                                          <p:attrName>ppt_w</p:attrName>
+                                        </p:attrNameLst>
+                                      </p:cBhvr>
+                                      <p:tavLst>
+                                        <p:tav tm="0">
+                                          <p:val>
+                                            <p:fltVal val="0"/>
+                                          </p:val>
+                                        </p:tav>
+                                        <p:tav tm="100000">
+                                          <p:val>
+                                            <p:strVal val="#ppt_w"/>
+                                          </p:val>
+                                        </p:tav>
+                                      </p:tavLst>
+                                    </p:anim>
+                                    <p:anim calcmode="lin" valueType="num">
+                                      <p:cBhvr>
+                                        <p:cTn id="8" dur="500" fill="hold"/>
+                                        <p:tgtEl>
+                                          <p:spTgt spid="64"/>
+                                        </p:tgtEl>
+                                        <p:attrNameLst>
+                                          <p:attrName>ppt_h</p:attrName>
+                                        </p:attrNameLst>
+                                      </p:cBhvr>
+                                      <p:tavLst>
+                                        <p:tav tm="0">
+                                          <p:val>
+                                            <p:fltVal val="0"/>
+                                          </p:val>
+                                        </p:tav>
+                                        <p:tav tm="100000">
+                                          <p:val>
+                                            <p:strVal val="#ppt_h"/>
+                                          </p:val>
+                                        </p:tav>
+                                      </p:tavLst>
+                                    </p:anim>
+                                  </p:childTnLst>
+                                </p:cTn>
+                              </p:par>
+                            </p:childTnLst>
+                          </p:cTn>
+                        </p:par>
+                      </p:childTnLst>
+                    </p:cTn>
+                  </p:par>
+                  <p:par>
+                    <p:cTn id="9" fill="hold">
+                      <p:stCondLst>
+                        <p:cond delay="indefinite"/>
+                      </p:stCondLst>
+                      <p:childTnLst>
+                        <p:par>
+                          <p:cTn id="10" fill="hold">
+                            <p:stCondLst>
+                              <p:cond delay="0"/>
+                            </p:stCondLst>
+                            <p:childTnLst>
+                              <p:par>
+                                <p:cTn id="11" presetID="23" presetClass="entr" presetSubtype="16" fill="hold" grpId="0" nodeType="clickEffect">
+                                  <p:stCondLst>
+                                    <p:cond delay="0"/>
+                                  </p:stCondLst>
+                                  <p:childTnLst>
+                                    <p:set>
+                                      <p:cBhvr>
+                                        <p:cTn id="12" dur="1" fill="hold">
+                                          <p:stCondLst>
+                                            <p:cond delay="0"/>
+                                          </p:stCondLst>
+                                        </p:cTn>
+                                        <p:tgtEl>
+                                          <p:spTgt spid="65"/>
+                                        </p:tgtEl>
+                                        <p:attrNameLst>
+                                          <p:attrName>style.visibility</p:attrName>
+                                        </p:attrNameLst>
+                                      </p:cBhvr>
+                                      <p:to>
+                                        <p:strVal val="visible"/>
+                                      </p:to>
+                                    </p:set>
+                                    <p:anim calcmode="lin" valueType="num">
+                                      <p:cBhvr>
+                                        <p:cTn id="13" dur="500" fill="hold"/>
+                                        <p:tgtEl>
+                                          <p:spTgt spid="65"/>
+                                        </p:tgtEl>
+                                        <p:attrNameLst>
+                                          <p:attrName>ppt_w</p:attrName>
+                                        </p:attrNameLst>
+                                      </p:cBhvr>
+                                      <p:tavLst>
+                                        <p:tav tm="0">
+                                          <p:val>
+                                            <p:fltVal val="0"/>
+                                          </p:val>
+                                        </p:tav>
+                                        <p:tav tm="100000">
+                                          <p:val>
+                                            <p:strVal val="#ppt_w"/>
+                                          </p:val>
+                                        </p:tav>
+                                      </p:tavLst>
+                                    </p:anim>
+                                    <p:anim calcmode="lin" valueType="num">
+                                      <p:cBhvr>
+                                        <p:cTn id="14" dur="500" fill="hold"/>
+                                        <p:tgtEl>
+                                          <p:spTgt spid="65"/>
+                                        </p:tgtEl>
+                                        <p:attrNameLst>
+                                          <p:attrName>ppt_h</p:attrName>
+                                        </p:attrNameLst>
+                                      </p:cBhvr>
+                                      <p:tavLst>
+                                        <p:tav tm="0">
+                                          <p:val>
+                                            <p:fltVal val="0"/>
+                                          </p:val>
+                                        </p:tav>
+                                        <p:tav tm="100000">
+                                          <p:val>
+                                            <p:strVal val="#ppt_h"/>
+                                          </p:val>
+                                        </p:tav>
+                                      </p:tavLst>
+                                    </p:anim>
+                                  </p:childTnLst>
+                                </p:cTn>
+                              </p:par>
+                            </p:childTnLst>
+                          </p:cTn>
+                        </p:par>
+                      </p:childTnLst>
+                    </p:cTn>
+                  </p:par>
+                </p:childTnLst>
+              </p:cTn>
+              <p:prevCondLst>
+                <p:cond evt="onPrev" delay="0">
+                  <p:tgtEl>
+                    <p:sldTgt/>
+                  </p:tgtEl>
+                </p:cond>
+              </p:prevCondLst>
+              <p:nextCondLst>
+                <p:cond evt="onNext" delay="0">
+                  <p:tgtEl>
+                    <p:sldTgt/>
+                  </p:tgtEl>
+                </p:cond>
+              </p:nextCondLst>
+            </p:seq>
+          </p:childTnLst>
+        </p:cTn>
+      </p:par>
+    </p:tnLst>
+    <p:bldLst>
+      <p:bldP spid="64" grpId="0" animBg="1"/>
+      <p:bldP spid="65" grpId="0" animBg="1"/>
+    </p:bldLst>
+  </p:timing>
+</p:sld>
+</file>
+
+<file path=ppt/slides/slide31.xml><?xml version="1.0" encoding="utf-8"?>
+<p:sld xmlns:a="http://schemas.openxmlformats.org/drawingml/2006/main" xmlns:r="http://schemas.openxmlformats.org/officeDocument/2006/relationships" xmlns:p="http://schemas.openxmlformats.org/presentationml/2006/main">
+  <p:cSld>
+    <p:bg>
+      <p:bgPr>
+        <a:solidFill>
+          <a:schemeClr val="bg1"/>
+        </a:solidFill>
+        <a:effectLst/>
+      </p:bgPr>
+    </p:bg>
+    <p:spTree>
+      <p:nvGrpSpPr>
+        <p:cNvPr id="1" name=""/>
+        <p:cNvGrpSpPr/>
+        <p:nvPr/>
+      </p:nvGrpSpPr>
+      <p:grpSpPr>
+        <a:xfrm>
+          <a:off x="0" y="0"/>
+          <a:ext cx="0" cy="0"/>
+          <a:chOff x="0" y="0"/>
+          <a:chExt cx="0" cy="0"/>
+        </a:xfrm>
+      </p:grpSpPr>
+      <p:sp>
+        <p:nvSpPr>
+          <p:cNvPr id="46" name="Rectangle 33">
+            <a:extLst>
+              <a:ext uri="{FF2B5EF4-FFF2-40B4-BE49-F238E27FC236}">
+                <a16:creationId xmlns:a16="http://schemas.microsoft.com/office/drawing/2014/main" id="{BD4C0BBB-0042-4603-A226-6117F3FD5B3C}"/>
+              </a:ext>
+              <a:ext uri="{C183D7F6-B498-43B3-948B-1728B52AA6E4}">
+                <adec:decorative xmlns:adec="http://schemas.microsoft.com/office/drawing/2017/decorative" val="1"/>
+              </a:ext>
+            </a:extLst>
+          </p:cNvPr>
+          <p:cNvSpPr>
+            <a:spLocks noGrp="1" noRot="1" noChangeAspect="1" noMove="1" noResize="1" noEditPoints="1" noAdjustHandles="1" noChangeArrowheads="1" noChangeShapeType="1" noTextEdit="1"/>
+          </p:cNvSpPr>
+          <p:nvPr>
+            <p:extLst>
+              <p:ext uri="{386F3935-93C4-4BCD-93E2-E3B085C9AB24}">
+                <p16:designElem xmlns:p16="http://schemas.microsoft.com/office/powerpoint/2015/main" val="1"/>
+              </p:ext>
+            </p:extLst>
+          </p:nvPr>
+        </p:nvSpPr>
+        <p:spPr>
+          <a:xfrm rot="10800000" flipH="1">
+            <a:off x="0" y="6400799"/>
+            <a:ext cx="12192000" cy="456773"/>
+          </a:xfrm>
+          <a:prstGeom prst="rect">
+            <a:avLst/>
+          </a:prstGeom>
+          <a:gradFill>
+            <a:gsLst>
+              <a:gs pos="14000">
+                <a:schemeClr val="accent4">
+                  <a:alpha val="28000"/>
+                </a:schemeClr>
+              </a:gs>
+              <a:gs pos="100000">
+                <a:schemeClr val="accent5">
+                  <a:alpha val="85000"/>
+                </a:schemeClr>
+              </a:gs>
+            </a:gsLst>
+            <a:lin ang="6000000" scaled="0"/>
+          </a:gradFill>
+          <a:ln>
+            <a:noFill/>
+          </a:ln>
+        </p:spPr>
+        <p:style>
+          <a:lnRef idx="2">
+            <a:schemeClr val="accent1">
+              <a:shade val="50000"/>
+            </a:schemeClr>
+          </a:lnRef>
+          <a:fillRef idx="1">
+            <a:schemeClr val="accent1"/>
+          </a:fillRef>
+          <a:effectRef idx="0">
+            <a:schemeClr val="accent1"/>
+          </a:effectRef>
+          <a:fontRef idx="minor">
+            <a:schemeClr val="lt1"/>
+          </a:fontRef>
+        </p:style>
+        <p:txBody>
+          <a:bodyPr rtlCol="0" anchor="ctr"/>
+          <a:lstStyle/>
+          <a:p>
+            <a:pPr algn="ctr"/>
+            <a:endParaRPr lang="en-US"/>
+          </a:p>
+        </p:txBody>
+      </p:sp>
+      <p:sp>
+        <p:nvSpPr>
+          <p:cNvPr id="47" name="Rectangle 35">
+            <a:extLst>
+              <a:ext uri="{FF2B5EF4-FFF2-40B4-BE49-F238E27FC236}">
+                <a16:creationId xmlns:a16="http://schemas.microsoft.com/office/drawing/2014/main" id="{EC44F520-2598-460E-9F91-B02F60830CA2}"/>
+              </a:ext>
+              <a:ext uri="{C183D7F6-B498-43B3-948B-1728B52AA6E4}">
+                <adec:decorative xmlns:adec="http://schemas.microsoft.com/office/drawing/2017/decorative" val="1"/>
+              </a:ext>
+            </a:extLst>
+          </p:cNvPr>
+          <p:cNvSpPr>
+            <a:spLocks noGrp="1" noRot="1" noChangeAspect="1" noMove="1" noResize="1" noEditPoints="1" noAdjustHandles="1" noChangeArrowheads="1" noChangeShapeType="1" noTextEdit="1"/>
+          </p:cNvSpPr>
+          <p:nvPr>
+            <p:extLst>
+              <p:ext uri="{386F3935-93C4-4BCD-93E2-E3B085C9AB24}">
+                <p16:designElem xmlns:p16="http://schemas.microsoft.com/office/powerpoint/2015/main" val="1"/>
+              </p:ext>
+            </p:extLst>
+          </p:nvPr>
+        </p:nvSpPr>
+        <p:spPr>
+          <a:xfrm flipH="1">
+            <a:off x="4038600" y="6400799"/>
+            <a:ext cx="8153398" cy="456772"/>
+          </a:xfrm>
+          <a:prstGeom prst="rect">
+            <a:avLst/>
+          </a:prstGeom>
+          <a:gradFill>
+            <a:gsLst>
+              <a:gs pos="9000">
+                <a:schemeClr val="accent2">
+                  <a:lumMod val="60000"/>
+                  <a:lumOff val="40000"/>
+                  <a:alpha val="55000"/>
+                </a:schemeClr>
+              </a:gs>
+              <a:gs pos="99000">
+                <a:schemeClr val="accent2"/>
+              </a:gs>
+            </a:gsLst>
+            <a:lin ang="14400000" scaled="0"/>
+          </a:gradFill>
+          <a:ln>
+            <a:noFill/>
+          </a:ln>
+        </p:spPr>
+        <p:style>
+          <a:lnRef idx="2">
+            <a:schemeClr val="accent1">
+              <a:shade val="50000"/>
+            </a:schemeClr>
+          </a:lnRef>
+          <a:fillRef idx="1">
+            <a:schemeClr val="accent1"/>
+          </a:fillRef>
+          <a:effectRef idx="0">
+            <a:schemeClr val="accent1"/>
+          </a:effectRef>
+          <a:fontRef idx="minor">
+            <a:schemeClr val="lt1"/>
+          </a:fontRef>
+        </p:style>
+        <p:txBody>
+          <a:bodyPr rtlCol="0" anchor="ctr"/>
+          <a:lstStyle/>
+          <a:p>
+            <a:pPr algn="ctr"/>
+            <a:endParaRPr lang="en-US"/>
+          </a:p>
+        </p:txBody>
+      </p:sp>
+      <p:sp useBgFill="1">
+        <p:nvSpPr>
+          <p:cNvPr id="48" name="Rectangle 37">
+            <a:extLst>
+              <a:ext uri="{FF2B5EF4-FFF2-40B4-BE49-F238E27FC236}">
+                <a16:creationId xmlns:a16="http://schemas.microsoft.com/office/drawing/2014/main" id="{58277E02-8052-4DAB-9140-864FC3F8140E}"/>
+              </a:ext>
+              <a:ext uri="{C183D7F6-B498-43B3-948B-1728B52AA6E4}">
+                <adec:decorative xmlns:adec="http://schemas.microsoft.com/office/drawing/2017/decorative" val="1"/>
+              </a:ext>
+            </a:extLst>
+          </p:cNvPr>
+          <p:cNvSpPr>
+            <a:spLocks noGrp="1" noRot="1" noChangeAspect="1" noMove="1" noResize="1" noEditPoints="1" noAdjustHandles="1" noChangeArrowheads="1" noChangeShapeType="1" noTextEdit="1"/>
+          </p:cNvSpPr>
+          <p:nvPr>
+            <p:extLst>
+              <p:ext uri="{386F3935-93C4-4BCD-93E2-E3B085C9AB24}">
+                <p16:designElem xmlns:p16="http://schemas.microsoft.com/office/powerpoint/2015/main" val="1"/>
+              </p:ext>
+            </p:extLst>
+          </p:nvPr>
+        </p:nvSpPr>
+        <p:spPr>
+          <a:xfrm>
+            <a:off x="0" y="0"/>
+            <a:ext cx="12192000" cy="6858000"/>
+          </a:xfrm>
+          <a:prstGeom prst="rect">
+            <a:avLst/>
+          </a:prstGeom>
+          <a:ln w="12700" cap="flat" cmpd="sng" algn="ctr">
+            <a:noFill/>
+            <a:prstDash val="solid"/>
+            <a:miter lim="800000"/>
+          </a:ln>
+          <a:effectLst/>
+          <a:extLst>
+            <a:ext uri="{91240B29-F687-4F45-9708-019B960494DF}">
+              <a14:hiddenLine xmlns:a14="http://schemas.microsoft.com/office/drawing/2010/main" w="12700" cap="flat" cmpd="sng" algn="ctr">
+                <a:solidFill>
+                  <a:schemeClr val="accent1">
+                    <a:shade val="50000"/>
+                  </a:schemeClr>
+                </a:solidFill>
+                <a:prstDash val="solid"/>
+                <a:miter lim="800000"/>
+              </a14:hiddenLine>
+            </a:ext>
+          </a:extLst>
+        </p:spPr>
+        <p:style>
+          <a:lnRef idx="2">
+            <a:schemeClr val="accent1">
+              <a:shade val="50000"/>
+            </a:schemeClr>
+          </a:lnRef>
+          <a:fillRef idx="1">
+            <a:schemeClr val="accent1"/>
+          </a:fillRef>
+          <a:effectRef idx="0">
+            <a:schemeClr val="accent1"/>
+          </a:effectRef>
+          <a:fontRef idx="minor">
+            <a:schemeClr val="lt1"/>
+          </a:fontRef>
+        </p:style>
+        <p:txBody>
+          <a:bodyPr rtlCol="0" anchor="ctr"/>
+          <a:lstStyle/>
+          <a:p>
+            <a:pPr algn="ctr"/>
+            <a:endParaRPr lang="en-US"/>
+          </a:p>
+        </p:txBody>
+      </p:sp>
+      <p:pic>
+        <p:nvPicPr>
+          <p:cNvPr id="17" name="Grafik 16">
+            <a:extLst>
+              <a:ext uri="{FF2B5EF4-FFF2-40B4-BE49-F238E27FC236}">
+                <a16:creationId xmlns:a16="http://schemas.microsoft.com/office/drawing/2014/main" id="{DD9C805B-1ECA-E94C-8FAE-38D10156377B}"/>
+              </a:ext>
+            </a:extLst>
+          </p:cNvPr>
+          <p:cNvPicPr>
+            <a:picLocks noChangeAspect="1"/>
+          </p:cNvPicPr>
+          <p:nvPr/>
+        </p:nvPicPr>
+        <p:blipFill rotWithShape="1">
+          <a:blip r:embed="rId3"/>
+          <a:srcRect l="-6653" t="2657" r="-6653" b="2657"/>
+          <a:stretch/>
+        </p:blipFill>
+        <p:spPr>
+          <a:xfrm>
+            <a:off x="231929" y="209293"/>
+            <a:ext cx="11380574" cy="5982214"/>
+          </a:xfrm>
+          <a:prstGeom prst="rect">
+            <a:avLst/>
+          </a:prstGeom>
+        </p:spPr>
+      </p:pic>
+      <p:sp>
+        <p:nvSpPr>
+          <p:cNvPr id="49" name="Rectangle 39">
+            <a:extLst>
+              <a:ext uri="{FF2B5EF4-FFF2-40B4-BE49-F238E27FC236}">
+                <a16:creationId xmlns:a16="http://schemas.microsoft.com/office/drawing/2014/main" id="{F7A8738A-7386-464C-98EF-9EB4F856EF6F}"/>
+              </a:ext>
+              <a:ext uri="{C183D7F6-B498-43B3-948B-1728B52AA6E4}">
+                <adec:decorative xmlns:adec="http://schemas.microsoft.com/office/drawing/2017/decorative" val="1"/>
+              </a:ext>
+            </a:extLst>
+          </p:cNvPr>
+          <p:cNvSpPr>
+            <a:spLocks noGrp="1" noRot="1" noChangeAspect="1" noMove="1" noResize="1" noEditPoints="1" noAdjustHandles="1" noChangeArrowheads="1" noChangeShapeType="1" noTextEdit="1"/>
+          </p:cNvSpPr>
+          <p:nvPr>
+            <p:extLst>
+              <p:ext uri="{386F3935-93C4-4BCD-93E2-E3B085C9AB24}">
+                <p16:designElem xmlns:p16="http://schemas.microsoft.com/office/powerpoint/2015/main" val="1"/>
+              </p:ext>
+            </p:extLst>
+          </p:nvPr>
+        </p:nvSpPr>
+        <p:spPr>
+          <a:xfrm rot="10800000" flipH="1">
+            <a:off x="0" y="6408741"/>
+            <a:ext cx="12192000" cy="449256"/>
+          </a:xfrm>
+          <a:prstGeom prst="rect">
+            <a:avLst/>
+          </a:prstGeom>
+          <a:gradFill>
+            <a:gsLst>
+              <a:gs pos="14000">
+                <a:schemeClr val="accent4">
+                  <a:alpha val="28000"/>
+                </a:schemeClr>
+              </a:gs>
+              <a:gs pos="100000">
+                <a:schemeClr val="accent5">
+                  <a:alpha val="85000"/>
+                </a:schemeClr>
+              </a:gs>
+            </a:gsLst>
+            <a:lin ang="9000000" scaled="0"/>
+          </a:gradFill>
+          <a:ln>
+            <a:noFill/>
+          </a:ln>
+        </p:spPr>
+        <p:style>
+          <a:lnRef idx="2">
+            <a:schemeClr val="accent1">
+              <a:shade val="50000"/>
+            </a:schemeClr>
+          </a:lnRef>
+          <a:fillRef idx="1">
+            <a:schemeClr val="accent1"/>
+          </a:fillRef>
+          <a:effectRef idx="0">
+            <a:schemeClr val="accent1"/>
+          </a:effectRef>
+          <a:fontRef idx="minor">
+            <a:schemeClr val="lt1"/>
+          </a:fontRef>
+        </p:style>
+        <p:txBody>
+          <a:bodyPr rtlCol="0" anchor="ctr"/>
+          <a:lstStyle/>
+          <a:p>
+            <a:pPr algn="ctr"/>
+            <a:endParaRPr lang="en-US"/>
+          </a:p>
+        </p:txBody>
+      </p:sp>
+      <p:sp>
+        <p:nvSpPr>
+          <p:cNvPr id="50" name="Rectangle 41">
+            <a:extLst>
+              <a:ext uri="{FF2B5EF4-FFF2-40B4-BE49-F238E27FC236}">
+                <a16:creationId xmlns:a16="http://schemas.microsoft.com/office/drawing/2014/main" id="{C4A98402-3932-4318-B57D-2E10D76DDF48}"/>
+              </a:ext>
+              <a:ext uri="{C183D7F6-B498-43B3-948B-1728B52AA6E4}">
+                <adec:decorative xmlns:adec="http://schemas.microsoft.com/office/drawing/2017/decorative" val="1"/>
+              </a:ext>
+            </a:extLst>
+          </p:cNvPr>
+          <p:cNvSpPr>
+            <a:spLocks noGrp="1" noRot="1" noChangeAspect="1" noMove="1" noResize="1" noEditPoints="1" noAdjustHandles="1" noChangeArrowheads="1" noChangeShapeType="1" noTextEdit="1"/>
+          </p:cNvSpPr>
+          <p:nvPr>
+            <p:extLst>
+              <p:ext uri="{386F3935-93C4-4BCD-93E2-E3B085C9AB24}">
+                <p16:designElem xmlns:p16="http://schemas.microsoft.com/office/powerpoint/2015/main" val="1"/>
+              </p:ext>
+            </p:extLst>
+          </p:nvPr>
+        </p:nvSpPr>
+        <p:spPr>
+          <a:xfrm flipH="1">
+            <a:off x="4038600" y="6408316"/>
+            <a:ext cx="8153398" cy="449684"/>
+          </a:xfrm>
+          <a:prstGeom prst="rect">
+            <a:avLst/>
+          </a:prstGeom>
+          <a:gradFill>
+            <a:gsLst>
+              <a:gs pos="9000">
+                <a:schemeClr val="accent2">
+                  <a:lumMod val="60000"/>
+                  <a:lumOff val="40000"/>
+                  <a:alpha val="68000"/>
+                </a:schemeClr>
+              </a:gs>
+              <a:gs pos="99000">
+                <a:schemeClr val="accent2"/>
+              </a:gs>
+            </a:gsLst>
+            <a:lin ang="13800000" scaled="0"/>
+          </a:gradFill>
+          <a:ln>
+            <a:noFill/>
+          </a:ln>
+        </p:spPr>
+        <p:style>
+          <a:lnRef idx="2">
+            <a:schemeClr val="accent1">
+              <a:shade val="50000"/>
+            </a:schemeClr>
+          </a:lnRef>
+          <a:fillRef idx="1">
+            <a:schemeClr val="accent1"/>
+          </a:fillRef>
+          <a:effectRef idx="0">
+            <a:schemeClr val="accent1"/>
+          </a:effectRef>
+          <a:fontRef idx="minor">
+            <a:schemeClr val="lt1"/>
+          </a:fontRef>
+        </p:style>
+        <p:txBody>
+          <a:bodyPr rtlCol="0" anchor="ctr"/>
+          <a:lstStyle/>
+          <a:p>
+            <a:pPr algn="ctr"/>
+            <a:endParaRPr lang="en-US"/>
+          </a:p>
+        </p:txBody>
+      </p:sp>
+      <p:sp>
+        <p:nvSpPr>
+          <p:cNvPr id="4" name="Datumsplatzhalter 3">
+            <a:extLst>
+              <a:ext uri="{FF2B5EF4-FFF2-40B4-BE49-F238E27FC236}">
+                <a16:creationId xmlns:a16="http://schemas.microsoft.com/office/drawing/2014/main" id="{11C3782B-8061-544C-B2EA-660A87CDDB42}"/>
+              </a:ext>
+            </a:extLst>
+          </p:cNvPr>
+          <p:cNvSpPr>
+            <a:spLocks noGrp="1"/>
+          </p:cNvSpPr>
+          <p:nvPr>
+            <p:ph type="dt" sz="half" idx="10"/>
+          </p:nvPr>
+        </p:nvSpPr>
+        <p:spPr>
+          <a:xfrm>
+            <a:off x="7910111" y="6409170"/>
+            <a:ext cx="3702392" cy="448830"/>
+          </a:xfrm>
+        </p:spPr>
+        <p:txBody>
+          <a:bodyPr vert="horz" lIns="91440" tIns="45720" rIns="91440" bIns="45720" rtlCol="0" anchor="ctr">
+            <a:normAutofit/>
+          </a:bodyPr>
+          <a:lstStyle/>
+          <a:p>
+            <a:pPr>
+              <a:spcAft>
+                <a:spcPts val="600"/>
+              </a:spcAft>
+            </a:pPr>
+            <a:r>
+              <a:rPr lang="en-US">
+                <a:solidFill>
+                  <a:schemeClr val="bg1"/>
+                </a:solidFill>
+              </a:rPr>
+              <a:t>Davide Valerio, 27. January 2021</a:t>
+            </a:r>
+          </a:p>
+        </p:txBody>
+      </p:sp>
+      <p:sp>
+        <p:nvSpPr>
+          <p:cNvPr id="18" name="Rechteck 17">
+            <a:extLst>
+              <a:ext uri="{FF2B5EF4-FFF2-40B4-BE49-F238E27FC236}">
+                <a16:creationId xmlns:a16="http://schemas.microsoft.com/office/drawing/2014/main" id="{1112D465-D4E4-854F-A151-ED1A2136CE81}"/>
+              </a:ext>
+            </a:extLst>
+          </p:cNvPr>
+          <p:cNvSpPr/>
+          <p:nvPr/>
+        </p:nvSpPr>
+        <p:spPr>
+          <a:xfrm>
+            <a:off x="8612659" y="3175686"/>
+            <a:ext cx="2100649" cy="951471"/>
+          </a:xfrm>
+          <a:prstGeom prst="rect">
+            <a:avLst/>
+          </a:prstGeom>
+        </p:spPr>
+        <p:style>
+          <a:lnRef idx="2">
+            <a:schemeClr val="accent1">
+              <a:shade val="50000"/>
+            </a:schemeClr>
+          </a:lnRef>
+          <a:fillRef idx="1">
+            <a:schemeClr val="accent1"/>
+          </a:fillRef>
+          <a:effectRef idx="0">
+            <a:schemeClr val="accent1"/>
+          </a:effectRef>
+          <a:fontRef idx="minor">
+            <a:schemeClr val="lt1"/>
+          </a:fontRef>
+        </p:style>
+        <p:txBody>
+          <a:bodyPr rtlCol="0" anchor="ctr"/>
+          <a:lstStyle/>
+          <a:p>
+            <a:pPr algn="ctr"/>
+            <a:r>
+              <a:rPr lang="de-DE" dirty="0" err="1"/>
+              <a:t>SelectionController</a:t>
+            </a:r>
+            <a:endParaRPr lang="de-DE" dirty="0"/>
+          </a:p>
+          <a:p>
+            <a:pPr algn="ctr"/>
+            <a:r>
+              <a:rPr lang="de-DE" b="1" dirty="0"/>
+              <a:t>Observer</a:t>
+            </a:r>
+          </a:p>
+        </p:txBody>
+      </p:sp>
+      <p:sp>
+        <p:nvSpPr>
+          <p:cNvPr id="43" name="Rechteck 42">
+            <a:extLst>
+              <a:ext uri="{FF2B5EF4-FFF2-40B4-BE49-F238E27FC236}">
+                <a16:creationId xmlns:a16="http://schemas.microsoft.com/office/drawing/2014/main" id="{7BE73DA5-BA0E-5D4E-8D31-C1F920E0DFA9}"/>
+              </a:ext>
+            </a:extLst>
+          </p:cNvPr>
+          <p:cNvSpPr/>
+          <p:nvPr/>
+        </p:nvSpPr>
+        <p:spPr>
+          <a:xfrm>
+            <a:off x="1136820" y="3200400"/>
+            <a:ext cx="2100649" cy="951471"/>
+          </a:xfrm>
+          <a:prstGeom prst="rect">
+            <a:avLst/>
+          </a:prstGeom>
+        </p:spPr>
+        <p:style>
+          <a:lnRef idx="2">
+            <a:schemeClr val="accent1">
+              <a:shade val="50000"/>
+            </a:schemeClr>
+          </a:lnRef>
+          <a:fillRef idx="1">
+            <a:schemeClr val="accent1"/>
+          </a:fillRef>
+          <a:effectRef idx="0">
+            <a:schemeClr val="accent1"/>
+          </a:effectRef>
+          <a:fontRef idx="minor">
+            <a:schemeClr val="lt1"/>
+          </a:fontRef>
+        </p:style>
+        <p:txBody>
+          <a:bodyPr rtlCol="0" anchor="ctr"/>
+          <a:lstStyle/>
+          <a:p>
+            <a:pPr algn="ctr"/>
+            <a:r>
+              <a:rPr lang="de-DE" dirty="0" err="1"/>
+              <a:t>ListController</a:t>
+            </a:r>
+            <a:endParaRPr lang="de-DE" dirty="0"/>
+          </a:p>
+          <a:p>
+            <a:pPr algn="ctr"/>
+            <a:r>
+              <a:rPr lang="de-DE" b="1" dirty="0" err="1"/>
+              <a:t>ObservableList</a:t>
+            </a:r>
+            <a:endParaRPr lang="de-DE" b="1" dirty="0"/>
+          </a:p>
+        </p:txBody>
+      </p:sp>
+      <p:grpSp>
+        <p:nvGrpSpPr>
+          <p:cNvPr id="60" name="Gruppieren 59">
+            <a:extLst>
+              <a:ext uri="{FF2B5EF4-FFF2-40B4-BE49-F238E27FC236}">
+                <a16:creationId xmlns:a16="http://schemas.microsoft.com/office/drawing/2014/main" id="{0A90A5B5-C3D3-734B-AA9F-B2BA8A64394A}"/>
+              </a:ext>
+            </a:extLst>
+          </p:cNvPr>
+          <p:cNvGrpSpPr/>
+          <p:nvPr/>
+        </p:nvGrpSpPr>
+        <p:grpSpPr>
+          <a:xfrm>
+            <a:off x="10873948" y="1433384"/>
+            <a:ext cx="803234" cy="2199502"/>
+            <a:chOff x="10873948" y="1433384"/>
+            <a:chExt cx="803234" cy="2199502"/>
+          </a:xfrm>
+        </p:grpSpPr>
+        <p:sp>
+          <p:nvSpPr>
+            <p:cNvPr id="51" name="Freihandform 50">
+              <a:extLst>
+                <a:ext uri="{FF2B5EF4-FFF2-40B4-BE49-F238E27FC236}">
+                  <a16:creationId xmlns:a16="http://schemas.microsoft.com/office/drawing/2014/main" id="{A5C50810-B076-8C4B-A8DD-9D92EBD0AC96}"/>
+                </a:ext>
+              </a:extLst>
+            </p:cNvPr>
+            <p:cNvSpPr/>
+            <p:nvPr/>
+          </p:nvSpPr>
+          <p:spPr>
+            <a:xfrm>
+              <a:off x="10873948" y="1433384"/>
+              <a:ext cx="803234" cy="2199502"/>
+            </a:xfrm>
+            <a:custGeom>
+              <a:avLst/>
+              <a:gdLst>
+                <a:gd name="connsiteX0" fmla="*/ 0 w 803234"/>
+                <a:gd name="connsiteY0" fmla="*/ 2199502 h 2199502"/>
+                <a:gd name="connsiteX1" fmla="*/ 803189 w 803234"/>
+                <a:gd name="connsiteY1" fmla="*/ 988540 h 2199502"/>
+                <a:gd name="connsiteX2" fmla="*/ 37070 w 803234"/>
+                <a:gd name="connsiteY2" fmla="*/ 0 h 2199502"/>
+              </a:gdLst>
+              <a:ahLst/>
+              <a:cxnLst>
+                <a:cxn ang="0">
+                  <a:pos x="connsiteX0" y="connsiteY0"/>
+                </a:cxn>
+                <a:cxn ang="0">
+                  <a:pos x="connsiteX1" y="connsiteY1"/>
+                </a:cxn>
+                <a:cxn ang="0">
+                  <a:pos x="connsiteX2" y="connsiteY2"/>
+                </a:cxn>
+              </a:cxnLst>
+              <a:rect l="l" t="t" r="r" b="b"/>
+              <a:pathLst>
+                <a:path w="803234" h="2199502">
+                  <a:moveTo>
+                    <a:pt x="0" y="2199502"/>
+                  </a:moveTo>
+                  <a:cubicBezTo>
+                    <a:pt x="398505" y="1777313"/>
+                    <a:pt x="797011" y="1355124"/>
+                    <a:pt x="803189" y="988540"/>
+                  </a:cubicBezTo>
+                  <a:cubicBezTo>
+                    <a:pt x="809367" y="621956"/>
+                    <a:pt x="179173" y="164757"/>
+                    <a:pt x="37070" y="0"/>
+                  </a:cubicBezTo>
+                </a:path>
+              </a:pathLst>
+            </a:custGeom>
+            <a:noFill/>
+            <a:ln w="38100">
+              <a:headEnd type="triangle"/>
+              <a:tailEnd type="none"/>
+            </a:ln>
+          </p:spPr>
+          <p:style>
+            <a:lnRef idx="2">
+              <a:schemeClr val="accent1">
+                <a:shade val="50000"/>
+              </a:schemeClr>
+            </a:lnRef>
+            <a:fillRef idx="1">
+              <a:schemeClr val="accent1"/>
+            </a:fillRef>
+            <a:effectRef idx="0">
+              <a:schemeClr val="accent1"/>
+            </a:effectRef>
+            <a:fontRef idx="minor">
+              <a:schemeClr val="lt1"/>
+            </a:fontRef>
+          </p:style>
+          <p:txBody>
+            <a:bodyPr rtlCol="0" anchor="ctr"/>
+            <a:lstStyle/>
+            <a:p>
+              <a:pPr algn="ctr"/>
+              <a:endParaRPr lang="de-DE" dirty="0"/>
+            </a:p>
+          </p:txBody>
+        </p:sp>
+        <p:sp>
+          <p:nvSpPr>
+            <p:cNvPr id="56" name="Oval 55">
+              <a:extLst>
+                <a:ext uri="{FF2B5EF4-FFF2-40B4-BE49-F238E27FC236}">
+                  <a16:creationId xmlns:a16="http://schemas.microsoft.com/office/drawing/2014/main" id="{0B759B0D-C33B-4B47-968B-7B72A58EE579}"/>
+                </a:ext>
+              </a:extLst>
+            </p:cNvPr>
+            <p:cNvSpPr/>
+            <p:nvPr/>
+          </p:nvSpPr>
+          <p:spPr>
+            <a:xfrm>
+              <a:off x="11153470" y="2193326"/>
+              <a:ext cx="370701" cy="370701"/>
+            </a:xfrm>
+            <a:prstGeom prst="ellipse">
+              <a:avLst/>
+            </a:prstGeom>
+          </p:spPr>
+          <p:style>
+            <a:lnRef idx="2">
+              <a:schemeClr val="accent1">
+                <a:shade val="50000"/>
+              </a:schemeClr>
+            </a:lnRef>
+            <a:fillRef idx="1">
+              <a:schemeClr val="accent1"/>
+            </a:fillRef>
+            <a:effectRef idx="0">
+              <a:schemeClr val="accent1"/>
+            </a:effectRef>
+            <a:fontRef idx="minor">
+              <a:schemeClr val="lt1"/>
+            </a:fontRef>
+          </p:style>
+          <p:txBody>
+            <a:bodyPr rtlCol="0" anchor="ctr"/>
+            <a:lstStyle/>
+            <a:p>
+              <a:pPr algn="ctr"/>
+              <a:r>
+                <a:rPr lang="de-DE" dirty="0"/>
+                <a:t>1</a:t>
+              </a:r>
+            </a:p>
+          </p:txBody>
+        </p:sp>
+      </p:grpSp>
+      <p:grpSp>
+        <p:nvGrpSpPr>
+          <p:cNvPr id="61" name="Gruppieren 60">
+            <a:extLst>
+              <a:ext uri="{FF2B5EF4-FFF2-40B4-BE49-F238E27FC236}">
+                <a16:creationId xmlns:a16="http://schemas.microsoft.com/office/drawing/2014/main" id="{86801401-24C2-4A41-B8B6-031EB73488E7}"/>
+              </a:ext>
+            </a:extLst>
+          </p:cNvPr>
+          <p:cNvGrpSpPr/>
+          <p:nvPr/>
+        </p:nvGrpSpPr>
+        <p:grpSpPr>
+          <a:xfrm>
+            <a:off x="7068065" y="4349581"/>
+            <a:ext cx="2545492" cy="883404"/>
+            <a:chOff x="7068065" y="4349581"/>
+            <a:chExt cx="2545492" cy="883404"/>
+          </a:xfrm>
+        </p:grpSpPr>
+        <p:sp>
+          <p:nvSpPr>
+            <p:cNvPr id="53" name="Freihandform 52">
+              <a:extLst>
+                <a:ext uri="{FF2B5EF4-FFF2-40B4-BE49-F238E27FC236}">
+                  <a16:creationId xmlns:a16="http://schemas.microsoft.com/office/drawing/2014/main" id="{0B52DE2D-82BF-3C46-8BB3-A5B4A87C03DC}"/>
+                </a:ext>
+              </a:extLst>
+            </p:cNvPr>
+            <p:cNvSpPr/>
+            <p:nvPr/>
+          </p:nvSpPr>
+          <p:spPr>
+            <a:xfrm>
+              <a:off x="7068065" y="4349581"/>
+              <a:ext cx="2545492" cy="883404"/>
+            </a:xfrm>
+            <a:custGeom>
+              <a:avLst/>
+              <a:gdLst>
+                <a:gd name="connsiteX0" fmla="*/ 2545492 w 2545492"/>
+                <a:gd name="connsiteY0" fmla="*/ 0 h 883404"/>
+                <a:gd name="connsiteX1" fmla="*/ 1198605 w 2545492"/>
+                <a:gd name="connsiteY1" fmla="*/ 753762 h 883404"/>
+                <a:gd name="connsiteX2" fmla="*/ 0 w 2545492"/>
+                <a:gd name="connsiteY2" fmla="*/ 877330 h 883404"/>
+              </a:gdLst>
+              <a:ahLst/>
+              <a:cxnLst>
+                <a:cxn ang="0">
+                  <a:pos x="connsiteX0" y="connsiteY0"/>
+                </a:cxn>
+                <a:cxn ang="0">
+                  <a:pos x="connsiteX1" y="connsiteY1"/>
+                </a:cxn>
+                <a:cxn ang="0">
+                  <a:pos x="connsiteX2" y="connsiteY2"/>
+                </a:cxn>
+              </a:cxnLst>
+              <a:rect l="l" t="t" r="r" b="b"/>
+              <a:pathLst>
+                <a:path w="2545492" h="883404">
+                  <a:moveTo>
+                    <a:pt x="2545492" y="0"/>
+                  </a:moveTo>
+                  <a:cubicBezTo>
+                    <a:pt x="2084173" y="303770"/>
+                    <a:pt x="1622854" y="607540"/>
+                    <a:pt x="1198605" y="753762"/>
+                  </a:cubicBezTo>
+                  <a:cubicBezTo>
+                    <a:pt x="774356" y="899984"/>
+                    <a:pt x="387178" y="888657"/>
+                    <a:pt x="0" y="877330"/>
+                  </a:cubicBezTo>
+                </a:path>
+              </a:pathLst>
+            </a:custGeom>
+            <a:noFill/>
+            <a:ln w="38100">
+              <a:tailEnd type="triangle"/>
+            </a:ln>
+          </p:spPr>
+          <p:style>
+            <a:lnRef idx="2">
+              <a:schemeClr val="accent1">
+                <a:shade val="50000"/>
+              </a:schemeClr>
+            </a:lnRef>
+            <a:fillRef idx="1">
+              <a:schemeClr val="accent1"/>
+            </a:fillRef>
+            <a:effectRef idx="0">
+              <a:schemeClr val="accent1"/>
+            </a:effectRef>
+            <a:fontRef idx="minor">
+              <a:schemeClr val="lt1"/>
+            </a:fontRef>
+          </p:style>
+          <p:txBody>
+            <a:bodyPr rtlCol="0" anchor="ctr"/>
+            <a:lstStyle/>
+            <a:p>
+              <a:pPr algn="ctr"/>
+              <a:endParaRPr lang="de-DE"/>
+            </a:p>
+          </p:txBody>
+        </p:sp>
+        <p:sp>
+          <p:nvSpPr>
+            <p:cNvPr id="57" name="Oval 56">
+              <a:extLst>
+                <a:ext uri="{FF2B5EF4-FFF2-40B4-BE49-F238E27FC236}">
+                  <a16:creationId xmlns:a16="http://schemas.microsoft.com/office/drawing/2014/main" id="{EC7244EF-4A33-0141-96C2-B6782047F757}"/>
+                </a:ext>
+              </a:extLst>
+            </p:cNvPr>
+            <p:cNvSpPr/>
+            <p:nvPr/>
+          </p:nvSpPr>
+          <p:spPr>
+            <a:xfrm>
+              <a:off x="7929948" y="4605932"/>
+              <a:ext cx="370701" cy="370701"/>
+            </a:xfrm>
+            <a:prstGeom prst="ellipse">
+              <a:avLst/>
+            </a:prstGeom>
+          </p:spPr>
+          <p:style>
+            <a:lnRef idx="2">
+              <a:schemeClr val="accent1">
+                <a:shade val="50000"/>
+              </a:schemeClr>
+            </a:lnRef>
+            <a:fillRef idx="1">
+              <a:schemeClr val="accent1"/>
+            </a:fillRef>
+            <a:effectRef idx="0">
+              <a:schemeClr val="accent1"/>
+            </a:effectRef>
+            <a:fontRef idx="minor">
+              <a:schemeClr val="lt1"/>
+            </a:fontRef>
+          </p:style>
+          <p:txBody>
+            <a:bodyPr rtlCol="0" anchor="ctr"/>
+            <a:lstStyle/>
+            <a:p>
+              <a:pPr algn="ctr"/>
+              <a:r>
+                <a:rPr lang="de-DE" dirty="0"/>
+                <a:t>2</a:t>
+              </a:r>
+            </a:p>
+          </p:txBody>
+        </p:sp>
+      </p:grpSp>
+      <p:grpSp>
+        <p:nvGrpSpPr>
+          <p:cNvPr id="62" name="Gruppieren 61">
+            <a:extLst>
+              <a:ext uri="{FF2B5EF4-FFF2-40B4-BE49-F238E27FC236}">
+                <a16:creationId xmlns:a16="http://schemas.microsoft.com/office/drawing/2014/main" id="{838FCBE1-B3B1-1349-8705-58C8337D14A2}"/>
+              </a:ext>
+            </a:extLst>
+          </p:cNvPr>
+          <p:cNvGrpSpPr/>
+          <p:nvPr/>
+        </p:nvGrpSpPr>
+        <p:grpSpPr>
+          <a:xfrm>
+            <a:off x="1865867" y="4287795"/>
+            <a:ext cx="2928555" cy="1606378"/>
+            <a:chOff x="1865867" y="4287795"/>
+            <a:chExt cx="2928555" cy="1606378"/>
+          </a:xfrm>
+        </p:grpSpPr>
+        <p:sp>
+          <p:nvSpPr>
+            <p:cNvPr id="54" name="Freihandform 53">
+              <a:extLst>
+                <a:ext uri="{FF2B5EF4-FFF2-40B4-BE49-F238E27FC236}">
+                  <a16:creationId xmlns:a16="http://schemas.microsoft.com/office/drawing/2014/main" id="{41118834-7514-8740-8F23-8C46EE7C5F78}"/>
+                </a:ext>
+              </a:extLst>
+            </p:cNvPr>
+            <p:cNvSpPr/>
+            <p:nvPr/>
+          </p:nvSpPr>
+          <p:spPr>
+            <a:xfrm>
+              <a:off x="1865867" y="4287795"/>
+              <a:ext cx="2928555" cy="1606378"/>
+            </a:xfrm>
+            <a:custGeom>
+              <a:avLst/>
+              <a:gdLst>
+                <a:gd name="connsiteX0" fmla="*/ 2928555 w 2928555"/>
+                <a:gd name="connsiteY0" fmla="*/ 1606378 h 1606378"/>
+                <a:gd name="connsiteX1" fmla="*/ 481917 w 2928555"/>
+                <a:gd name="connsiteY1" fmla="*/ 1087394 h 1606378"/>
+                <a:gd name="connsiteX2" fmla="*/ 3 w 2928555"/>
+                <a:gd name="connsiteY2" fmla="*/ 0 h 1606378"/>
+                <a:gd name="connsiteX3" fmla="*/ 3 w 2928555"/>
+                <a:gd name="connsiteY3" fmla="*/ 0 h 1606378"/>
+              </a:gdLst>
+              <a:ahLst/>
+              <a:cxnLst>
+                <a:cxn ang="0">
+                  <a:pos x="connsiteX0" y="connsiteY0"/>
+                </a:cxn>
+                <a:cxn ang="0">
+                  <a:pos x="connsiteX1" y="connsiteY1"/>
+                </a:cxn>
+                <a:cxn ang="0">
+                  <a:pos x="connsiteX2" y="connsiteY2"/>
+                </a:cxn>
+                <a:cxn ang="0">
+                  <a:pos x="connsiteX3" y="connsiteY3"/>
+                </a:cxn>
+              </a:cxnLst>
+              <a:rect l="l" t="t" r="r" b="b"/>
+              <a:pathLst>
+                <a:path w="2928555" h="1606378">
+                  <a:moveTo>
+                    <a:pt x="2928555" y="1606378"/>
+                  </a:moveTo>
+                  <a:cubicBezTo>
+                    <a:pt x="1949282" y="1480751"/>
+                    <a:pt x="970009" y="1355124"/>
+                    <a:pt x="481917" y="1087394"/>
+                  </a:cubicBezTo>
+                  <a:cubicBezTo>
+                    <a:pt x="-6175" y="819664"/>
+                    <a:pt x="3" y="0"/>
+                    <a:pt x="3" y="0"/>
+                  </a:cubicBezTo>
+                  <a:lnTo>
+                    <a:pt x="3" y="0"/>
+                  </a:lnTo>
+                </a:path>
+              </a:pathLst>
+            </a:custGeom>
+            <a:noFill/>
+            <a:ln w="38100">
+              <a:tailEnd type="triangle"/>
+            </a:ln>
+          </p:spPr>
+          <p:style>
+            <a:lnRef idx="2">
+              <a:schemeClr val="accent1">
+                <a:shade val="50000"/>
+              </a:schemeClr>
+            </a:lnRef>
+            <a:fillRef idx="1">
+              <a:schemeClr val="accent1"/>
+            </a:fillRef>
+            <a:effectRef idx="0">
+              <a:schemeClr val="accent1"/>
+            </a:effectRef>
+            <a:fontRef idx="minor">
+              <a:schemeClr val="lt1"/>
+            </a:fontRef>
+          </p:style>
+          <p:txBody>
+            <a:bodyPr rtlCol="0" anchor="ctr"/>
+            <a:lstStyle/>
+            <a:p>
+              <a:pPr algn="ctr"/>
+              <a:endParaRPr lang="de-DE" dirty="0"/>
+            </a:p>
+          </p:txBody>
+        </p:sp>
+        <p:sp>
+          <p:nvSpPr>
+            <p:cNvPr id="58" name="Oval 57">
+              <a:extLst>
+                <a:ext uri="{FF2B5EF4-FFF2-40B4-BE49-F238E27FC236}">
+                  <a16:creationId xmlns:a16="http://schemas.microsoft.com/office/drawing/2014/main" id="{B8EF152E-D2FF-6948-A270-2656EFE5DF53}"/>
+                </a:ext>
+              </a:extLst>
+            </p:cNvPr>
+            <p:cNvSpPr/>
+            <p:nvPr/>
+          </p:nvSpPr>
+          <p:spPr>
+            <a:xfrm>
+              <a:off x="2578443" y="4905633"/>
+              <a:ext cx="370701" cy="370701"/>
+            </a:xfrm>
+            <a:prstGeom prst="ellipse">
+              <a:avLst/>
+            </a:prstGeom>
+          </p:spPr>
+          <p:style>
+            <a:lnRef idx="2">
+              <a:schemeClr val="accent1">
+                <a:shade val="50000"/>
+              </a:schemeClr>
+            </a:lnRef>
+            <a:fillRef idx="1">
+              <a:schemeClr val="accent1"/>
+            </a:fillRef>
+            <a:effectRef idx="0">
+              <a:schemeClr val="accent1"/>
+            </a:effectRef>
+            <a:fontRef idx="minor">
+              <a:schemeClr val="lt1"/>
+            </a:fontRef>
+          </p:style>
+          <p:txBody>
+            <a:bodyPr rtlCol="0" anchor="ctr"/>
+            <a:lstStyle/>
+            <a:p>
+              <a:pPr algn="ctr"/>
+              <a:r>
+                <a:rPr lang="de-DE" dirty="0"/>
+                <a:t>3</a:t>
+              </a:r>
+            </a:p>
+          </p:txBody>
+        </p:sp>
+      </p:grpSp>
+      <p:grpSp>
+        <p:nvGrpSpPr>
+          <p:cNvPr id="63" name="Gruppieren 62">
+            <a:extLst>
+              <a:ext uri="{FF2B5EF4-FFF2-40B4-BE49-F238E27FC236}">
+                <a16:creationId xmlns:a16="http://schemas.microsoft.com/office/drawing/2014/main" id="{CA8AE9E6-BF72-4145-957E-C9C9A2650F05}"/>
+              </a:ext>
+            </a:extLst>
+          </p:cNvPr>
+          <p:cNvGrpSpPr/>
+          <p:nvPr/>
+        </p:nvGrpSpPr>
+        <p:grpSpPr>
+          <a:xfrm>
+            <a:off x="420120" y="1482811"/>
+            <a:ext cx="593134" cy="2162432"/>
+            <a:chOff x="420120" y="1482811"/>
+            <a:chExt cx="593134" cy="2162432"/>
+          </a:xfrm>
+        </p:grpSpPr>
+        <p:sp>
+          <p:nvSpPr>
+            <p:cNvPr id="55" name="Freihandform 54">
+              <a:extLst>
+                <a:ext uri="{FF2B5EF4-FFF2-40B4-BE49-F238E27FC236}">
+                  <a16:creationId xmlns:a16="http://schemas.microsoft.com/office/drawing/2014/main" id="{C537C64C-0498-FD49-8D34-D919E3D1751B}"/>
+                </a:ext>
+              </a:extLst>
+            </p:cNvPr>
+            <p:cNvSpPr/>
+            <p:nvPr/>
+          </p:nvSpPr>
+          <p:spPr>
+            <a:xfrm>
+              <a:off x="420120" y="1482811"/>
+              <a:ext cx="593134" cy="2162432"/>
+            </a:xfrm>
+            <a:custGeom>
+              <a:avLst/>
+              <a:gdLst>
+                <a:gd name="connsiteX0" fmla="*/ 593134 w 593134"/>
+                <a:gd name="connsiteY0" fmla="*/ 2162432 h 2162432"/>
+                <a:gd name="connsiteX1" fmla="*/ 10 w 593134"/>
+                <a:gd name="connsiteY1" fmla="*/ 642551 h 2162432"/>
+                <a:gd name="connsiteX2" fmla="*/ 580777 w 593134"/>
+                <a:gd name="connsiteY2" fmla="*/ 0 h 2162432"/>
+              </a:gdLst>
+              <a:ahLst/>
+              <a:cxnLst>
+                <a:cxn ang="0">
+                  <a:pos x="connsiteX0" y="connsiteY0"/>
+                </a:cxn>
+                <a:cxn ang="0">
+                  <a:pos x="connsiteX1" y="connsiteY1"/>
+                </a:cxn>
+                <a:cxn ang="0">
+                  <a:pos x="connsiteX2" y="connsiteY2"/>
+                </a:cxn>
+              </a:cxnLst>
+              <a:rect l="l" t="t" r="r" b="b"/>
+              <a:pathLst>
+                <a:path w="593134" h="2162432">
+                  <a:moveTo>
+                    <a:pt x="593134" y="2162432"/>
+                  </a:moveTo>
+                  <a:cubicBezTo>
+                    <a:pt x="297601" y="1582694"/>
+                    <a:pt x="2069" y="1002956"/>
+                    <a:pt x="10" y="642551"/>
+                  </a:cubicBezTo>
+                  <a:cubicBezTo>
+                    <a:pt x="-2049" y="282146"/>
+                    <a:pt x="289364" y="141073"/>
+                    <a:pt x="580777" y="0"/>
+                  </a:cubicBezTo>
+                </a:path>
+              </a:pathLst>
+            </a:custGeom>
+            <a:noFill/>
+            <a:ln w="38100">
+              <a:tailEnd type="triangle"/>
+            </a:ln>
+          </p:spPr>
+          <p:style>
+            <a:lnRef idx="2">
+              <a:schemeClr val="accent1">
+                <a:shade val="50000"/>
+              </a:schemeClr>
+            </a:lnRef>
+            <a:fillRef idx="1">
+              <a:schemeClr val="accent1"/>
+            </a:fillRef>
+            <a:effectRef idx="0">
+              <a:schemeClr val="accent1"/>
+            </a:effectRef>
+            <a:fontRef idx="minor">
+              <a:schemeClr val="lt1"/>
+            </a:fontRef>
+          </p:style>
+          <p:txBody>
+            <a:bodyPr rtlCol="0" anchor="ctr"/>
+            <a:lstStyle/>
+            <a:p>
+              <a:pPr algn="ctr"/>
+              <a:endParaRPr lang="de-DE"/>
+            </a:p>
+          </p:txBody>
+        </p:sp>
+        <p:sp>
+          <p:nvSpPr>
+            <p:cNvPr id="59" name="Oval 58">
+              <a:extLst>
+                <a:ext uri="{FF2B5EF4-FFF2-40B4-BE49-F238E27FC236}">
+                  <a16:creationId xmlns:a16="http://schemas.microsoft.com/office/drawing/2014/main" id="{120C556D-EB97-5046-8021-8B7B69EAA257}"/>
+                </a:ext>
+              </a:extLst>
+            </p:cNvPr>
+            <p:cNvSpPr/>
+            <p:nvPr/>
+          </p:nvSpPr>
+          <p:spPr>
+            <a:xfrm>
+              <a:off x="579497" y="2007975"/>
+              <a:ext cx="370701" cy="370701"/>
+            </a:xfrm>
+            <a:prstGeom prst="ellipse">
+              <a:avLst/>
+            </a:prstGeom>
+          </p:spPr>
+          <p:style>
+            <a:lnRef idx="2">
+              <a:schemeClr val="accent1">
+                <a:shade val="50000"/>
+              </a:schemeClr>
+            </a:lnRef>
+            <a:fillRef idx="1">
+              <a:schemeClr val="accent1"/>
+            </a:fillRef>
+            <a:effectRef idx="0">
+              <a:schemeClr val="accent1"/>
+            </a:effectRef>
+            <a:fontRef idx="minor">
+              <a:schemeClr val="lt1"/>
+            </a:fontRef>
+          </p:style>
+          <p:txBody>
+            <a:bodyPr rtlCol="0" anchor="ctr"/>
+            <a:lstStyle/>
+            <a:p>
+              <a:pPr algn="ctr"/>
+              <a:r>
+                <a:rPr lang="de-DE" dirty="0"/>
+                <a:t>4</a:t>
+              </a:r>
+            </a:p>
+          </p:txBody>
+        </p:sp>
+      </p:grpSp>
+      <p:sp>
+        <p:nvSpPr>
+          <p:cNvPr id="2" name="Rechteck 1">
+            <a:extLst>
+              <a:ext uri="{FF2B5EF4-FFF2-40B4-BE49-F238E27FC236}">
+                <a16:creationId xmlns:a16="http://schemas.microsoft.com/office/drawing/2014/main" id="{3BFB5423-2635-1A44-9BB7-0308DC69C103}"/>
+              </a:ext>
+            </a:extLst>
+          </p:cNvPr>
+          <p:cNvSpPr/>
+          <p:nvPr/>
+        </p:nvSpPr>
+        <p:spPr>
+          <a:xfrm>
+            <a:off x="4794422" y="2903838"/>
+            <a:ext cx="2273643" cy="3287669"/>
+          </a:xfrm>
+          <a:prstGeom prst="rect">
+            <a:avLst/>
+          </a:prstGeom>
+          <a:solidFill>
+            <a:schemeClr val="bg1"/>
+          </a:solidFill>
+          <a:ln>
+            <a:noFill/>
+          </a:ln>
+        </p:spPr>
+        <p:style>
+          <a:lnRef idx="2">
+            <a:schemeClr val="accent1">
+              <a:shade val="50000"/>
+            </a:schemeClr>
+          </a:lnRef>
+          <a:fillRef idx="1">
+            <a:schemeClr val="accent1"/>
+          </a:fillRef>
+          <a:effectRef idx="0">
+            <a:schemeClr val="accent1"/>
+          </a:effectRef>
+          <a:fontRef idx="minor">
+            <a:schemeClr val="lt1"/>
+          </a:fontRef>
+        </p:style>
+        <p:txBody>
+          <a:bodyPr rtlCol="0" anchor="ctr"/>
+          <a:lstStyle/>
+          <a:p>
+            <a:pPr algn="ctr"/>
+            <a:endParaRPr lang="de-DE"/>
+          </a:p>
+        </p:txBody>
+      </p:sp>
+    </p:spTree>
+    <p:extLst>
+      <p:ext uri="{BB962C8B-B14F-4D97-AF65-F5344CB8AC3E}">
+        <p14:creationId xmlns:p14="http://schemas.microsoft.com/office/powerpoint/2010/main" val="2488360456"/>
+      </p:ext>
+    </p:extLst>
+  </p:cSld>
+  <p:clrMapOvr>
+    <a:masterClrMapping/>
+  </p:clrMapOvr>
+  <p:timing>
+    <p:tnLst>
+      <p:par>
+        <p:cTn id="1" dur="indefinite" restart="never" nodeType="tmRoot">
+          <p:childTnLst>
+            <p:seq concurrent="1" nextAc="seek">
+              <p:cTn id="2" dur="indefinite" nodeType="mainSeq">
+                <p:childTnLst>
+                  <p:par>
+                    <p:cTn id="3" fill="hold">
+                      <p:stCondLst>
+                        <p:cond delay="indefinite"/>
+                      </p:stCondLst>
+                      <p:childTnLst>
+                        <p:par>
+                          <p:cTn id="4" fill="hold">
+                            <p:stCondLst>
+                              <p:cond delay="0"/>
+                            </p:stCondLst>
+                            <p:childTnLst>
+                              <p:par>
+                                <p:cTn id="5" presetID="10" presetClass="entr" presetSubtype="0" fill="hold" nodeType="clickEffect">
+                                  <p:stCondLst>
+                                    <p:cond delay="0"/>
+                                  </p:stCondLst>
+                                  <p:childTnLst>
+                                    <p:set>
+                                      <p:cBhvr>
+                                        <p:cTn id="6" dur="1" fill="hold">
+                                          <p:stCondLst>
+                                            <p:cond delay="0"/>
+                                          </p:stCondLst>
+                                        </p:cTn>
+                                        <p:tgtEl>
+                                          <p:spTgt spid="60"/>
+                                        </p:tgtEl>
+                                        <p:attrNameLst>
+                                          <p:attrName>style.visibility</p:attrName>
+                                        </p:attrNameLst>
+                                      </p:cBhvr>
+                                      <p:to>
+                                        <p:strVal val="visible"/>
+                                      </p:to>
+                                    </p:set>
+                                    <p:animEffect transition="in" filter="fade">
+                                      <p:cBhvr>
+                                        <p:cTn id="7" dur="500"/>
+                                        <p:tgtEl>
+                                          <p:spTgt spid="60"/>
+                                        </p:tgtEl>
+                                      </p:cBhvr>
+                                    </p:animEffect>
+                                  </p:childTnLst>
+                                </p:cTn>
+                              </p:par>
+                            </p:childTnLst>
+                          </p:cTn>
+                        </p:par>
+                      </p:childTnLst>
+                    </p:cTn>
+                  </p:par>
+                  <p:par>
+                    <p:cTn id="8" fill="hold">
+                      <p:stCondLst>
+                        <p:cond delay="indefinite"/>
+                      </p:stCondLst>
+                      <p:childTnLst>
+                        <p:par>
+                          <p:cTn id="9" fill="hold">
+                            <p:stCondLst>
+                              <p:cond delay="0"/>
+                            </p:stCondLst>
+                            <p:childTnLst>
+                              <p:par>
+                                <p:cTn id="10" presetID="10" presetClass="entr" presetSubtype="0" fill="hold" nodeType="clickEffect">
+                                  <p:stCondLst>
+                                    <p:cond delay="0"/>
+                                  </p:stCondLst>
+                                  <p:childTnLst>
+                                    <p:set>
+                                      <p:cBhvr>
+                                        <p:cTn id="11" dur="1" fill="hold">
+                                          <p:stCondLst>
+                                            <p:cond delay="0"/>
+                                          </p:stCondLst>
+                                        </p:cTn>
+                                        <p:tgtEl>
+                                          <p:spTgt spid="61"/>
+                                        </p:tgtEl>
+                                        <p:attrNameLst>
+                                          <p:attrName>style.visibility</p:attrName>
+                                        </p:attrNameLst>
+                                      </p:cBhvr>
+                                      <p:to>
+                                        <p:strVal val="visible"/>
+                                      </p:to>
+                                    </p:set>
+                                    <p:animEffect transition="in" filter="fade">
+                                      <p:cBhvr>
+                                        <p:cTn id="12" dur="500"/>
+                                        <p:tgtEl>
+                                          <p:spTgt spid="61"/>
+                                        </p:tgtEl>
+                                      </p:cBhvr>
+                                    </p:animEffect>
+                                  </p:childTnLst>
+                                </p:cTn>
+                              </p:par>
+                              <p:par>
+                                <p:cTn id="13" presetID="10" presetClass="exit" presetSubtype="0" fill="hold" grpId="0" nodeType="withEffect">
+                                  <p:stCondLst>
+                                    <p:cond delay="0"/>
+                                  </p:stCondLst>
+                                  <p:childTnLst>
+                                    <p:animEffect transition="out" filter="fade">
+                                      <p:cBhvr>
+                                        <p:cTn id="14" dur="500"/>
+                                        <p:tgtEl>
+                                          <p:spTgt spid="2"/>
+                                        </p:tgtEl>
+                                      </p:cBhvr>
+                                    </p:animEffect>
+                                    <p:set>
+                                      <p:cBhvr>
+                                        <p:cTn id="15" dur="1" fill="hold">
+                                          <p:stCondLst>
+                                            <p:cond delay="499"/>
+                                          </p:stCondLst>
+                                        </p:cTn>
+                                        <p:tgtEl>
+                                          <p:spTgt spid="2"/>
+                                        </p:tgtEl>
+                                        <p:attrNameLst>
+                                          <p:attrName>style.visibility</p:attrName>
+                                        </p:attrNameLst>
+                                      </p:cBhvr>
+                                      <p:to>
+                                        <p:strVal val="hidden"/>
+                                      </p:to>
+                                    </p:set>
+                                  </p:childTnLst>
+                                </p:cTn>
+                              </p:par>
+                            </p:childTnLst>
+                          </p:cTn>
+                        </p:par>
+                      </p:childTnLst>
+                    </p:cTn>
+                  </p:par>
+                  <p:par>
+                    <p:cTn id="16" fill="hold">
+                      <p:stCondLst>
+                        <p:cond delay="indefinite"/>
+                      </p:stCondLst>
+                      <p:childTnLst>
+                        <p:par>
+                          <p:cTn id="17" fill="hold">
+                            <p:stCondLst>
+                              <p:cond delay="0"/>
+                            </p:stCondLst>
+                            <p:childTnLst>
+                              <p:par>
+                                <p:cTn id="18" presetID="10" presetClass="entr" presetSubtype="0" fill="hold" nodeType="clickEffect">
+                                  <p:stCondLst>
+                                    <p:cond delay="0"/>
+                                  </p:stCondLst>
+                                  <p:childTnLst>
+                                    <p:set>
+                                      <p:cBhvr>
+                                        <p:cTn id="19" dur="1" fill="hold">
+                                          <p:stCondLst>
+                                            <p:cond delay="0"/>
+                                          </p:stCondLst>
+                                        </p:cTn>
+                                        <p:tgtEl>
+                                          <p:spTgt spid="62"/>
+                                        </p:tgtEl>
+                                        <p:attrNameLst>
+                                          <p:attrName>style.visibility</p:attrName>
+                                        </p:attrNameLst>
+                                      </p:cBhvr>
+                                      <p:to>
+                                        <p:strVal val="visible"/>
+                                      </p:to>
+                                    </p:set>
+                                    <p:animEffect transition="in" filter="fade">
+                                      <p:cBhvr>
+                                        <p:cTn id="20" dur="500"/>
+                                        <p:tgtEl>
+                                          <p:spTgt spid="62"/>
+                                        </p:tgtEl>
+                                      </p:cBhvr>
+                                    </p:animEffect>
+                                  </p:childTnLst>
+                                </p:cTn>
+                              </p:par>
+                            </p:childTnLst>
+                          </p:cTn>
+                        </p:par>
+                      </p:childTnLst>
+                    </p:cTn>
+                  </p:par>
+                  <p:par>
+                    <p:cTn id="21" fill="hold">
+                      <p:stCondLst>
+                        <p:cond delay="indefinite"/>
+                      </p:stCondLst>
+                      <p:childTnLst>
+                        <p:par>
+                          <p:cTn id="22" fill="hold">
+                            <p:stCondLst>
+                              <p:cond delay="0"/>
+                            </p:stCondLst>
+                            <p:childTnLst>
+                              <p:par>
+                                <p:cTn id="23" presetID="10" presetClass="entr" presetSubtype="0" fill="hold" nodeType="clickEffect">
+                                  <p:stCondLst>
+                                    <p:cond delay="0"/>
+                                  </p:stCondLst>
+                                  <p:childTnLst>
+                                    <p:set>
+                                      <p:cBhvr>
+                                        <p:cTn id="24" dur="1" fill="hold">
+                                          <p:stCondLst>
+                                            <p:cond delay="0"/>
+                                          </p:stCondLst>
+                                        </p:cTn>
+                                        <p:tgtEl>
+                                          <p:spTgt spid="63"/>
+                                        </p:tgtEl>
+                                        <p:attrNameLst>
+                                          <p:attrName>style.visibility</p:attrName>
+                                        </p:attrNameLst>
+                                      </p:cBhvr>
+                                      <p:to>
+                                        <p:strVal val="visible"/>
+                                      </p:to>
+                                    </p:set>
+                                    <p:animEffect transition="in" filter="fade">
+                                      <p:cBhvr>
+                                        <p:cTn id="25" dur="500"/>
+                                        <p:tgtEl>
+                                          <p:spTgt spid="63"/>
+                                        </p:tgtEl>
+                                      </p:cBhvr>
+                                    </p:animEffect>
+                                  </p:childTnLst>
+                                </p:cTn>
+                              </p:par>
+                            </p:childTnLst>
+                          </p:cTn>
+                        </p:par>
+                      </p:childTnLst>
+                    </p:cTn>
+                  </p:par>
+                </p:childTnLst>
+              </p:cTn>
+              <p:prevCondLst>
+                <p:cond evt="onPrev" delay="0">
+                  <p:tgtEl>
+                    <p:sldTgt/>
+                  </p:tgtEl>
+                </p:cond>
+              </p:prevCondLst>
+              <p:nextCondLst>
+                <p:cond evt="onNext" delay="0">
+                  <p:tgtEl>
+                    <p:sldTgt/>
+                  </p:tgtEl>
+                </p:cond>
+              </p:nextCondLst>
+            </p:seq>
+          </p:childTnLst>
+        </p:cTn>
+      </p:par>
+    </p:tnLst>
+    <p:bldLst>
+      <p:bldP spid="2" grpId="0" animBg="1"/>
+    </p:bldLst>
+  </p:timing>
+</p:sld>
+</file>
+
+<file path=ppt/slides/slide32.xml><?xml version="1.0" encoding="utf-8"?>
+<p:sld xmlns:a="http://schemas.openxmlformats.org/drawingml/2006/main" xmlns:r="http://schemas.openxmlformats.org/officeDocument/2006/relationships" xmlns:p="http://schemas.openxmlformats.org/presentationml/2006/main">
+  <p:cSld>
+    <p:bg>
+      <p:bgPr>
+        <a:solidFill>
+          <a:schemeClr val="bg1"/>
+        </a:solidFill>
+        <a:effectLst/>
+      </p:bgPr>
+    </p:bg>
+    <p:spTree>
+      <p:nvGrpSpPr>
+        <p:cNvPr id="1" name=""/>
+        <p:cNvGrpSpPr/>
+        <p:nvPr/>
+      </p:nvGrpSpPr>
+      <p:grpSpPr>
+        <a:xfrm>
+          <a:off x="0" y="0"/>
+          <a:ext cx="0" cy="0"/>
+          <a:chOff x="0" y="0"/>
+          <a:chExt cx="0" cy="0"/>
+        </a:xfrm>
+      </p:grpSpPr>
+      <p:sp>
+        <p:nvSpPr>
+          <p:cNvPr id="46" name="Rectangle 33">
+            <a:extLst>
+              <a:ext uri="{FF2B5EF4-FFF2-40B4-BE49-F238E27FC236}">
+                <a16:creationId xmlns:a16="http://schemas.microsoft.com/office/drawing/2014/main" id="{BD4C0BBB-0042-4603-A226-6117F3FD5B3C}"/>
+              </a:ext>
+              <a:ext uri="{C183D7F6-B498-43B3-948B-1728B52AA6E4}">
+                <adec:decorative xmlns:adec="http://schemas.microsoft.com/office/drawing/2017/decorative" val="1"/>
+              </a:ext>
+            </a:extLst>
+          </p:cNvPr>
+          <p:cNvSpPr>
+            <a:spLocks noGrp="1" noRot="1" noChangeAspect="1" noMove="1" noResize="1" noEditPoints="1" noAdjustHandles="1" noChangeArrowheads="1" noChangeShapeType="1" noTextEdit="1"/>
+          </p:cNvSpPr>
+          <p:nvPr>
+            <p:extLst>
+              <p:ext uri="{386F3935-93C4-4BCD-93E2-E3B085C9AB24}">
+                <p16:designElem xmlns:p16="http://schemas.microsoft.com/office/powerpoint/2015/main" val="1"/>
+              </p:ext>
+            </p:extLst>
+          </p:nvPr>
+        </p:nvSpPr>
+        <p:spPr>
+          <a:xfrm rot="10800000" flipH="1">
+            <a:off x="0" y="6400799"/>
+            <a:ext cx="12192000" cy="456773"/>
+          </a:xfrm>
+          <a:prstGeom prst="rect">
+            <a:avLst/>
+          </a:prstGeom>
+          <a:gradFill>
+            <a:gsLst>
+              <a:gs pos="14000">
+                <a:schemeClr val="accent4">
+                  <a:alpha val="28000"/>
+                </a:schemeClr>
+              </a:gs>
+              <a:gs pos="100000">
+                <a:schemeClr val="accent5">
+                  <a:alpha val="85000"/>
+                </a:schemeClr>
+              </a:gs>
+            </a:gsLst>
+            <a:lin ang="6000000" scaled="0"/>
+          </a:gradFill>
+          <a:ln>
+            <a:noFill/>
+          </a:ln>
+        </p:spPr>
+        <p:style>
+          <a:lnRef idx="2">
+            <a:schemeClr val="accent1">
+              <a:shade val="50000"/>
+            </a:schemeClr>
+          </a:lnRef>
+          <a:fillRef idx="1">
+            <a:schemeClr val="accent1"/>
+          </a:fillRef>
+          <a:effectRef idx="0">
+            <a:schemeClr val="accent1"/>
+          </a:effectRef>
+          <a:fontRef idx="minor">
+            <a:schemeClr val="lt1"/>
+          </a:fontRef>
+        </p:style>
+        <p:txBody>
+          <a:bodyPr rtlCol="0" anchor="ctr"/>
+          <a:lstStyle/>
+          <a:p>
+            <a:pPr algn="ctr"/>
+            <a:endParaRPr lang="en-US"/>
+          </a:p>
+        </p:txBody>
+      </p:sp>
+      <p:sp>
+        <p:nvSpPr>
+          <p:cNvPr id="47" name="Rectangle 35">
+            <a:extLst>
+              <a:ext uri="{FF2B5EF4-FFF2-40B4-BE49-F238E27FC236}">
+                <a16:creationId xmlns:a16="http://schemas.microsoft.com/office/drawing/2014/main" id="{EC44F520-2598-460E-9F91-B02F60830CA2}"/>
+              </a:ext>
+              <a:ext uri="{C183D7F6-B498-43B3-948B-1728B52AA6E4}">
+                <adec:decorative xmlns:adec="http://schemas.microsoft.com/office/drawing/2017/decorative" val="1"/>
+              </a:ext>
+            </a:extLst>
+          </p:cNvPr>
+          <p:cNvSpPr>
+            <a:spLocks noGrp="1" noRot="1" noChangeAspect="1" noMove="1" noResize="1" noEditPoints="1" noAdjustHandles="1" noChangeArrowheads="1" noChangeShapeType="1" noTextEdit="1"/>
+          </p:cNvSpPr>
+          <p:nvPr>
+            <p:extLst>
+              <p:ext uri="{386F3935-93C4-4BCD-93E2-E3B085C9AB24}">
+                <p16:designElem xmlns:p16="http://schemas.microsoft.com/office/powerpoint/2015/main" val="1"/>
+              </p:ext>
+            </p:extLst>
+          </p:nvPr>
+        </p:nvSpPr>
+        <p:spPr>
+          <a:xfrm flipH="1">
+            <a:off x="4038600" y="6400799"/>
+            <a:ext cx="8153398" cy="456772"/>
+          </a:xfrm>
+          <a:prstGeom prst="rect">
+            <a:avLst/>
+          </a:prstGeom>
+          <a:gradFill>
+            <a:gsLst>
+              <a:gs pos="9000">
+                <a:schemeClr val="accent2">
+                  <a:lumMod val="60000"/>
+                  <a:lumOff val="40000"/>
+                  <a:alpha val="55000"/>
+                </a:schemeClr>
+              </a:gs>
+              <a:gs pos="99000">
+                <a:schemeClr val="accent2"/>
+              </a:gs>
+            </a:gsLst>
+            <a:lin ang="14400000" scaled="0"/>
+          </a:gradFill>
+          <a:ln>
+            <a:noFill/>
+          </a:ln>
+        </p:spPr>
+        <p:style>
+          <a:lnRef idx="2">
+            <a:schemeClr val="accent1">
+              <a:shade val="50000"/>
+            </a:schemeClr>
+          </a:lnRef>
+          <a:fillRef idx="1">
+            <a:schemeClr val="accent1"/>
+          </a:fillRef>
+          <a:effectRef idx="0">
+            <a:schemeClr val="accent1"/>
+          </a:effectRef>
+          <a:fontRef idx="minor">
+            <a:schemeClr val="lt1"/>
+          </a:fontRef>
+        </p:style>
+        <p:txBody>
+          <a:bodyPr rtlCol="0" anchor="ctr"/>
+          <a:lstStyle/>
+          <a:p>
+            <a:pPr algn="ctr"/>
+            <a:endParaRPr lang="en-US"/>
+          </a:p>
+        </p:txBody>
+      </p:sp>
+      <p:sp useBgFill="1">
+        <p:nvSpPr>
+          <p:cNvPr id="48" name="Rectangle 37">
+            <a:extLst>
+              <a:ext uri="{FF2B5EF4-FFF2-40B4-BE49-F238E27FC236}">
+                <a16:creationId xmlns:a16="http://schemas.microsoft.com/office/drawing/2014/main" id="{58277E02-8052-4DAB-9140-864FC3F8140E}"/>
+              </a:ext>
+              <a:ext uri="{C183D7F6-B498-43B3-948B-1728B52AA6E4}">
+                <adec:decorative xmlns:adec="http://schemas.microsoft.com/office/drawing/2017/decorative" val="1"/>
+              </a:ext>
+            </a:extLst>
+          </p:cNvPr>
+          <p:cNvSpPr>
+            <a:spLocks noGrp="1" noRot="1" noChangeAspect="1" noMove="1" noResize="1" noEditPoints="1" noAdjustHandles="1" noChangeArrowheads="1" noChangeShapeType="1" noTextEdit="1"/>
+          </p:cNvSpPr>
+          <p:nvPr>
+            <p:extLst>
+              <p:ext uri="{386F3935-93C4-4BCD-93E2-E3B085C9AB24}">
+                <p16:designElem xmlns:p16="http://schemas.microsoft.com/office/powerpoint/2015/main" val="1"/>
+              </p:ext>
+            </p:extLst>
+          </p:nvPr>
+        </p:nvSpPr>
+        <p:spPr>
+          <a:xfrm>
+            <a:off x="0" y="0"/>
+            <a:ext cx="12192000" cy="6858000"/>
+          </a:xfrm>
+          <a:prstGeom prst="rect">
+            <a:avLst/>
+          </a:prstGeom>
+          <a:ln w="12700" cap="flat" cmpd="sng" algn="ctr">
+            <a:noFill/>
+            <a:prstDash val="solid"/>
+            <a:miter lim="800000"/>
+          </a:ln>
+          <a:effectLst/>
+          <a:extLst>
+            <a:ext uri="{91240B29-F687-4F45-9708-019B960494DF}">
+              <a14:hiddenLine xmlns:a14="http://schemas.microsoft.com/office/drawing/2010/main" w="12700" cap="flat" cmpd="sng" algn="ctr">
+                <a:solidFill>
+                  <a:schemeClr val="accent1">
+                    <a:shade val="50000"/>
+                  </a:schemeClr>
+                </a:solidFill>
+                <a:prstDash val="solid"/>
+                <a:miter lim="800000"/>
+              </a14:hiddenLine>
+            </a:ext>
+          </a:extLst>
+        </p:spPr>
+        <p:style>
+          <a:lnRef idx="2">
+            <a:schemeClr val="accent1">
+              <a:shade val="50000"/>
+            </a:schemeClr>
+          </a:lnRef>
+          <a:fillRef idx="1">
+            <a:schemeClr val="accent1"/>
+          </a:fillRef>
+          <a:effectRef idx="0">
+            <a:schemeClr val="accent1"/>
+          </a:effectRef>
+          <a:fontRef idx="minor">
+            <a:schemeClr val="lt1"/>
+          </a:fontRef>
+        </p:style>
+        <p:txBody>
+          <a:bodyPr rtlCol="0" anchor="ctr"/>
+          <a:lstStyle/>
+          <a:p>
+            <a:pPr algn="ctr"/>
+            <a:endParaRPr lang="en-US"/>
+          </a:p>
+        </p:txBody>
+      </p:sp>
+      <p:pic>
+        <p:nvPicPr>
+          <p:cNvPr id="17" name="Grafik 16">
+            <a:extLst>
+              <a:ext uri="{FF2B5EF4-FFF2-40B4-BE49-F238E27FC236}">
+                <a16:creationId xmlns:a16="http://schemas.microsoft.com/office/drawing/2014/main" id="{DD9C805B-1ECA-E94C-8FAE-38D10156377B}"/>
+              </a:ext>
+            </a:extLst>
+          </p:cNvPr>
+          <p:cNvPicPr>
+            <a:picLocks noChangeAspect="1"/>
+          </p:cNvPicPr>
+          <p:nvPr/>
+        </p:nvPicPr>
+        <p:blipFill rotWithShape="1">
+          <a:blip r:embed="rId3"/>
+          <a:srcRect l="-6667" t="2652" r="-6638" b="60310"/>
+          <a:stretch/>
+        </p:blipFill>
+        <p:spPr>
+          <a:xfrm>
+            <a:off x="230400" y="209293"/>
+            <a:ext cx="11380574" cy="2340000"/>
+          </a:xfrm>
+          <a:prstGeom prst="rect">
+            <a:avLst/>
+          </a:prstGeom>
+        </p:spPr>
+      </p:pic>
+      <p:sp>
+        <p:nvSpPr>
+          <p:cNvPr id="49" name="Rectangle 39">
+            <a:extLst>
+              <a:ext uri="{FF2B5EF4-FFF2-40B4-BE49-F238E27FC236}">
+                <a16:creationId xmlns:a16="http://schemas.microsoft.com/office/drawing/2014/main" id="{F7A8738A-7386-464C-98EF-9EB4F856EF6F}"/>
+              </a:ext>
+              <a:ext uri="{C183D7F6-B498-43B3-948B-1728B52AA6E4}">
+                <adec:decorative xmlns:adec="http://schemas.microsoft.com/office/drawing/2017/decorative" val="1"/>
+              </a:ext>
+            </a:extLst>
+          </p:cNvPr>
+          <p:cNvSpPr>
+            <a:spLocks noGrp="1" noRot="1" noChangeAspect="1" noMove="1" noResize="1" noEditPoints="1" noAdjustHandles="1" noChangeArrowheads="1" noChangeShapeType="1" noTextEdit="1"/>
+          </p:cNvSpPr>
+          <p:nvPr>
+            <p:extLst>
+              <p:ext uri="{386F3935-93C4-4BCD-93E2-E3B085C9AB24}">
+                <p16:designElem xmlns:p16="http://schemas.microsoft.com/office/powerpoint/2015/main" val="1"/>
+              </p:ext>
+            </p:extLst>
+          </p:nvPr>
+        </p:nvSpPr>
+        <p:spPr>
+          <a:xfrm rot="10800000" flipH="1">
+            <a:off x="0" y="6408741"/>
+            <a:ext cx="12192000" cy="449256"/>
+          </a:xfrm>
+          <a:prstGeom prst="rect">
+            <a:avLst/>
+          </a:prstGeom>
+          <a:gradFill>
+            <a:gsLst>
+              <a:gs pos="14000">
+                <a:schemeClr val="accent4">
+                  <a:alpha val="28000"/>
+                </a:schemeClr>
+              </a:gs>
+              <a:gs pos="100000">
+                <a:schemeClr val="accent5">
+                  <a:alpha val="85000"/>
+                </a:schemeClr>
+              </a:gs>
+            </a:gsLst>
+            <a:lin ang="9000000" scaled="0"/>
+          </a:gradFill>
+          <a:ln>
+            <a:noFill/>
+          </a:ln>
+        </p:spPr>
+        <p:style>
+          <a:lnRef idx="2">
+            <a:schemeClr val="accent1">
+              <a:shade val="50000"/>
+            </a:schemeClr>
+          </a:lnRef>
+          <a:fillRef idx="1">
+            <a:schemeClr val="accent1"/>
+          </a:fillRef>
+          <a:effectRef idx="0">
+            <a:schemeClr val="accent1"/>
+          </a:effectRef>
+          <a:fontRef idx="minor">
+            <a:schemeClr val="lt1"/>
+          </a:fontRef>
+        </p:style>
+        <p:txBody>
+          <a:bodyPr rtlCol="0" anchor="ctr"/>
+          <a:lstStyle/>
+          <a:p>
+            <a:pPr algn="ctr"/>
+            <a:endParaRPr lang="en-US"/>
+          </a:p>
+        </p:txBody>
+      </p:sp>
+      <p:sp>
+        <p:nvSpPr>
+          <p:cNvPr id="50" name="Rectangle 41">
+            <a:extLst>
+              <a:ext uri="{FF2B5EF4-FFF2-40B4-BE49-F238E27FC236}">
+                <a16:creationId xmlns:a16="http://schemas.microsoft.com/office/drawing/2014/main" id="{C4A98402-3932-4318-B57D-2E10D76DDF48}"/>
+              </a:ext>
+              <a:ext uri="{C183D7F6-B498-43B3-948B-1728B52AA6E4}">
+                <adec:decorative xmlns:adec="http://schemas.microsoft.com/office/drawing/2017/decorative" val="1"/>
+              </a:ext>
+            </a:extLst>
+          </p:cNvPr>
+          <p:cNvSpPr>
+            <a:spLocks noGrp="1" noRot="1" noChangeAspect="1" noMove="1" noResize="1" noEditPoints="1" noAdjustHandles="1" noChangeArrowheads="1" noChangeShapeType="1" noTextEdit="1"/>
+          </p:cNvSpPr>
+          <p:nvPr>
+            <p:extLst>
+              <p:ext uri="{386F3935-93C4-4BCD-93E2-E3B085C9AB24}">
+                <p16:designElem xmlns:p16="http://schemas.microsoft.com/office/powerpoint/2015/main" val="1"/>
+              </p:ext>
+            </p:extLst>
+          </p:nvPr>
+        </p:nvSpPr>
+        <p:spPr>
+          <a:xfrm flipH="1">
+            <a:off x="4038600" y="6408316"/>
+            <a:ext cx="8153398" cy="449684"/>
+          </a:xfrm>
+          <a:prstGeom prst="rect">
+            <a:avLst/>
+          </a:prstGeom>
+          <a:gradFill>
+            <a:gsLst>
+              <a:gs pos="9000">
+                <a:schemeClr val="accent2">
+                  <a:lumMod val="60000"/>
+                  <a:lumOff val="40000"/>
+                  <a:alpha val="68000"/>
+                </a:schemeClr>
+              </a:gs>
+              <a:gs pos="99000">
+                <a:schemeClr val="accent2"/>
+              </a:gs>
+            </a:gsLst>
+            <a:lin ang="13800000" scaled="0"/>
+          </a:gradFill>
+          <a:ln>
+            <a:noFill/>
+          </a:ln>
+        </p:spPr>
+        <p:style>
+          <a:lnRef idx="2">
+            <a:schemeClr val="accent1">
+              <a:shade val="50000"/>
+            </a:schemeClr>
+          </a:lnRef>
+          <a:fillRef idx="1">
+            <a:schemeClr val="accent1"/>
+          </a:fillRef>
+          <a:effectRef idx="0">
+            <a:schemeClr val="accent1"/>
+          </a:effectRef>
+          <a:fontRef idx="minor">
+            <a:schemeClr val="lt1"/>
+          </a:fontRef>
+        </p:style>
+        <p:txBody>
+          <a:bodyPr rtlCol="0" anchor="ctr"/>
+          <a:lstStyle/>
+          <a:p>
+            <a:pPr algn="ctr"/>
+            <a:endParaRPr lang="en-US"/>
+          </a:p>
+        </p:txBody>
+      </p:sp>
+      <p:sp>
+        <p:nvSpPr>
+          <p:cNvPr id="4" name="Datumsplatzhalter 3">
+            <a:extLst>
+              <a:ext uri="{FF2B5EF4-FFF2-40B4-BE49-F238E27FC236}">
+                <a16:creationId xmlns:a16="http://schemas.microsoft.com/office/drawing/2014/main" id="{11C3782B-8061-544C-B2EA-660A87CDDB42}"/>
+              </a:ext>
+            </a:extLst>
+          </p:cNvPr>
+          <p:cNvSpPr>
+            <a:spLocks noGrp="1"/>
+          </p:cNvSpPr>
+          <p:nvPr>
+            <p:ph type="dt" sz="half" idx="10"/>
+          </p:nvPr>
+        </p:nvSpPr>
+        <p:spPr>
+          <a:xfrm>
+            <a:off x="7910111" y="6409170"/>
+            <a:ext cx="3702392" cy="448830"/>
+          </a:xfrm>
+        </p:spPr>
+        <p:txBody>
+          <a:bodyPr vert="horz" lIns="91440" tIns="45720" rIns="91440" bIns="45720" rtlCol="0" anchor="ctr">
+            <a:normAutofit/>
+          </a:bodyPr>
+          <a:lstStyle/>
+          <a:p>
+            <a:pPr>
+              <a:spcAft>
+                <a:spcPts val="600"/>
+              </a:spcAft>
+            </a:pPr>
+            <a:r>
+              <a:rPr lang="en-US">
+                <a:solidFill>
+                  <a:schemeClr val="bg1"/>
+                </a:solidFill>
+              </a:rPr>
+              <a:t>Davide Valerio, 27. January 2021</a:t>
+            </a:r>
+          </a:p>
+        </p:txBody>
+      </p:sp>
+      <p:pic>
+        <p:nvPicPr>
+          <p:cNvPr id="16" name="Grafik 15">
+            <a:extLst>
+              <a:ext uri="{FF2B5EF4-FFF2-40B4-BE49-F238E27FC236}">
+                <a16:creationId xmlns:a16="http://schemas.microsoft.com/office/drawing/2014/main" id="{2CC0FC51-BF34-D540-9996-321FEAEEE790}"/>
+              </a:ext>
+            </a:extLst>
+          </p:cNvPr>
+          <p:cNvPicPr>
+            <a:picLocks noChangeAspect="1"/>
+          </p:cNvPicPr>
+          <p:nvPr/>
+        </p:nvPicPr>
+        <p:blipFill rotWithShape="1">
+          <a:blip r:embed="rId4"/>
+          <a:srcRect l="-6667" t="44256" r="-6638" b="2183"/>
+          <a:stretch/>
+        </p:blipFill>
+        <p:spPr>
+          <a:xfrm>
+            <a:off x="230400" y="2844000"/>
+            <a:ext cx="11380574" cy="3384000"/>
+          </a:xfrm>
+          <a:prstGeom prst="rect">
+            <a:avLst/>
+          </a:prstGeom>
+        </p:spPr>
+      </p:pic>
+      <p:sp>
+        <p:nvSpPr>
+          <p:cNvPr id="19" name="Rechteck 18">
+            <a:extLst>
+              <a:ext uri="{FF2B5EF4-FFF2-40B4-BE49-F238E27FC236}">
+                <a16:creationId xmlns:a16="http://schemas.microsoft.com/office/drawing/2014/main" id="{0BBED710-ACDC-904B-94AE-9A3B11CEA137}"/>
+              </a:ext>
+            </a:extLst>
+          </p:cNvPr>
+          <p:cNvSpPr/>
+          <p:nvPr/>
+        </p:nvSpPr>
+        <p:spPr>
+          <a:xfrm>
+            <a:off x="8612659" y="3175686"/>
+            <a:ext cx="2100649" cy="951471"/>
+          </a:xfrm>
+          <a:prstGeom prst="rect">
+            <a:avLst/>
+          </a:prstGeom>
+        </p:spPr>
+        <p:style>
+          <a:lnRef idx="2">
+            <a:schemeClr val="accent1">
+              <a:shade val="50000"/>
+            </a:schemeClr>
+          </a:lnRef>
+          <a:fillRef idx="1">
+            <a:schemeClr val="accent1"/>
+          </a:fillRef>
+          <a:effectRef idx="0">
+            <a:schemeClr val="accent1"/>
+          </a:effectRef>
+          <a:fontRef idx="minor">
+            <a:schemeClr val="lt1"/>
+          </a:fontRef>
+        </p:style>
+        <p:txBody>
+          <a:bodyPr rtlCol="0" anchor="ctr"/>
+          <a:lstStyle/>
+          <a:p>
+            <a:pPr algn="ctr"/>
+            <a:r>
+              <a:rPr lang="de-DE" dirty="0" err="1"/>
+              <a:t>SelectionController</a:t>
+            </a:r>
+            <a:endParaRPr lang="de-DE" dirty="0"/>
+          </a:p>
+          <a:p>
+            <a:pPr algn="ctr"/>
+            <a:r>
+              <a:rPr lang="de-DE" b="1" dirty="0"/>
+              <a:t>Observer</a:t>
+            </a:r>
+          </a:p>
+        </p:txBody>
+      </p:sp>
+      <p:grpSp>
+        <p:nvGrpSpPr>
+          <p:cNvPr id="20" name="Gruppieren 19">
+            <a:extLst>
+              <a:ext uri="{FF2B5EF4-FFF2-40B4-BE49-F238E27FC236}">
+                <a16:creationId xmlns:a16="http://schemas.microsoft.com/office/drawing/2014/main" id="{D6066320-A3E1-AF44-B8C9-A3B0B3BAC83A}"/>
+              </a:ext>
+            </a:extLst>
+          </p:cNvPr>
+          <p:cNvGrpSpPr/>
+          <p:nvPr/>
+        </p:nvGrpSpPr>
+        <p:grpSpPr>
+          <a:xfrm>
+            <a:off x="10873948" y="1433384"/>
+            <a:ext cx="803234" cy="2199502"/>
+            <a:chOff x="10873948" y="1433384"/>
+            <a:chExt cx="803234" cy="2199502"/>
+          </a:xfrm>
+        </p:grpSpPr>
+        <p:sp>
+          <p:nvSpPr>
+            <p:cNvPr id="21" name="Freihandform 20">
+              <a:extLst>
+                <a:ext uri="{FF2B5EF4-FFF2-40B4-BE49-F238E27FC236}">
+                  <a16:creationId xmlns:a16="http://schemas.microsoft.com/office/drawing/2014/main" id="{6810A754-3F69-824A-BDF9-B550834D4583}"/>
+                </a:ext>
+              </a:extLst>
+            </p:cNvPr>
+            <p:cNvSpPr/>
+            <p:nvPr/>
+          </p:nvSpPr>
+          <p:spPr>
+            <a:xfrm>
+              <a:off x="10873948" y="1433384"/>
+              <a:ext cx="803234" cy="2199502"/>
+            </a:xfrm>
+            <a:custGeom>
+              <a:avLst/>
+              <a:gdLst>
+                <a:gd name="connsiteX0" fmla="*/ 0 w 803234"/>
+                <a:gd name="connsiteY0" fmla="*/ 2199502 h 2199502"/>
+                <a:gd name="connsiteX1" fmla="*/ 803189 w 803234"/>
+                <a:gd name="connsiteY1" fmla="*/ 988540 h 2199502"/>
+                <a:gd name="connsiteX2" fmla="*/ 37070 w 803234"/>
+                <a:gd name="connsiteY2" fmla="*/ 0 h 2199502"/>
+              </a:gdLst>
+              <a:ahLst/>
+              <a:cxnLst>
+                <a:cxn ang="0">
+                  <a:pos x="connsiteX0" y="connsiteY0"/>
+                </a:cxn>
+                <a:cxn ang="0">
+                  <a:pos x="connsiteX1" y="connsiteY1"/>
+                </a:cxn>
+                <a:cxn ang="0">
+                  <a:pos x="connsiteX2" y="connsiteY2"/>
+                </a:cxn>
+              </a:cxnLst>
+              <a:rect l="l" t="t" r="r" b="b"/>
+              <a:pathLst>
+                <a:path w="803234" h="2199502">
+                  <a:moveTo>
+                    <a:pt x="0" y="2199502"/>
+                  </a:moveTo>
+                  <a:cubicBezTo>
+                    <a:pt x="398505" y="1777313"/>
+                    <a:pt x="797011" y="1355124"/>
+                    <a:pt x="803189" y="988540"/>
+                  </a:cubicBezTo>
+                  <a:cubicBezTo>
+                    <a:pt x="809367" y="621956"/>
+                    <a:pt x="179173" y="164757"/>
+                    <a:pt x="37070" y="0"/>
+                  </a:cubicBezTo>
+                </a:path>
+              </a:pathLst>
+            </a:custGeom>
+            <a:noFill/>
+            <a:ln w="38100">
+              <a:headEnd type="triangle"/>
+              <a:tailEnd type="none"/>
+            </a:ln>
+          </p:spPr>
+          <p:style>
+            <a:lnRef idx="2">
+              <a:schemeClr val="accent1">
+                <a:shade val="50000"/>
+              </a:schemeClr>
+            </a:lnRef>
+            <a:fillRef idx="1">
+              <a:schemeClr val="accent1"/>
+            </a:fillRef>
+            <a:effectRef idx="0">
+              <a:schemeClr val="accent1"/>
+            </a:effectRef>
+            <a:fontRef idx="minor">
+              <a:schemeClr val="lt1"/>
+            </a:fontRef>
+          </p:style>
+          <p:txBody>
+            <a:bodyPr rtlCol="0" anchor="ctr"/>
+            <a:lstStyle/>
+            <a:p>
+              <a:pPr algn="ctr"/>
+              <a:endParaRPr lang="de-DE" dirty="0"/>
+            </a:p>
+          </p:txBody>
+        </p:sp>
+        <p:sp>
+          <p:nvSpPr>
+            <p:cNvPr id="22" name="Oval 21">
+              <a:extLst>
+                <a:ext uri="{FF2B5EF4-FFF2-40B4-BE49-F238E27FC236}">
+                  <a16:creationId xmlns:a16="http://schemas.microsoft.com/office/drawing/2014/main" id="{0C2AC13B-EF5A-6448-AD70-4DA1B1434EB9}"/>
+                </a:ext>
+              </a:extLst>
+            </p:cNvPr>
+            <p:cNvSpPr/>
+            <p:nvPr/>
+          </p:nvSpPr>
+          <p:spPr>
+            <a:xfrm>
+              <a:off x="11153470" y="2193326"/>
+              <a:ext cx="370701" cy="370701"/>
+            </a:xfrm>
+            <a:prstGeom prst="ellipse">
+              <a:avLst/>
+            </a:prstGeom>
+          </p:spPr>
+          <p:style>
+            <a:lnRef idx="2">
+              <a:schemeClr val="accent1">
+                <a:shade val="50000"/>
+              </a:schemeClr>
+            </a:lnRef>
+            <a:fillRef idx="1">
+              <a:schemeClr val="accent1"/>
+            </a:fillRef>
+            <a:effectRef idx="0">
+              <a:schemeClr val="accent1"/>
+            </a:effectRef>
+            <a:fontRef idx="minor">
+              <a:schemeClr val="lt1"/>
+            </a:fontRef>
+          </p:style>
+          <p:txBody>
+            <a:bodyPr rtlCol="0" anchor="ctr"/>
+            <a:lstStyle/>
+            <a:p>
+              <a:pPr algn="ctr"/>
+              <a:r>
+                <a:rPr lang="de-DE" dirty="0"/>
+                <a:t>5</a:t>
+              </a:r>
+            </a:p>
+          </p:txBody>
+        </p:sp>
+      </p:grpSp>
+      <p:grpSp>
+        <p:nvGrpSpPr>
+          <p:cNvPr id="23" name="Gruppieren 22">
+            <a:extLst>
+              <a:ext uri="{FF2B5EF4-FFF2-40B4-BE49-F238E27FC236}">
+                <a16:creationId xmlns:a16="http://schemas.microsoft.com/office/drawing/2014/main" id="{92626FB7-B0C8-5D4D-B635-BDEC3B05C681}"/>
+              </a:ext>
+            </a:extLst>
+          </p:cNvPr>
+          <p:cNvGrpSpPr/>
+          <p:nvPr/>
+        </p:nvGrpSpPr>
+        <p:grpSpPr>
+          <a:xfrm>
+            <a:off x="7068065" y="4349581"/>
+            <a:ext cx="2545492" cy="883404"/>
+            <a:chOff x="7068065" y="4349581"/>
+            <a:chExt cx="2545492" cy="883404"/>
+          </a:xfrm>
+        </p:grpSpPr>
+        <p:sp>
+          <p:nvSpPr>
+            <p:cNvPr id="24" name="Freihandform 23">
+              <a:extLst>
+                <a:ext uri="{FF2B5EF4-FFF2-40B4-BE49-F238E27FC236}">
+                  <a16:creationId xmlns:a16="http://schemas.microsoft.com/office/drawing/2014/main" id="{58A519B5-8D32-014B-9352-0F2A515FADBC}"/>
+                </a:ext>
+              </a:extLst>
+            </p:cNvPr>
+            <p:cNvSpPr/>
+            <p:nvPr/>
+          </p:nvSpPr>
+          <p:spPr>
+            <a:xfrm>
+              <a:off x="7068065" y="4349581"/>
+              <a:ext cx="2545492" cy="883404"/>
+            </a:xfrm>
+            <a:custGeom>
+              <a:avLst/>
+              <a:gdLst>
+                <a:gd name="connsiteX0" fmla="*/ 2545492 w 2545492"/>
+                <a:gd name="connsiteY0" fmla="*/ 0 h 883404"/>
+                <a:gd name="connsiteX1" fmla="*/ 1198605 w 2545492"/>
+                <a:gd name="connsiteY1" fmla="*/ 753762 h 883404"/>
+                <a:gd name="connsiteX2" fmla="*/ 0 w 2545492"/>
+                <a:gd name="connsiteY2" fmla="*/ 877330 h 883404"/>
+              </a:gdLst>
+              <a:ahLst/>
+              <a:cxnLst>
+                <a:cxn ang="0">
+                  <a:pos x="connsiteX0" y="connsiteY0"/>
+                </a:cxn>
+                <a:cxn ang="0">
+                  <a:pos x="connsiteX1" y="connsiteY1"/>
+                </a:cxn>
+                <a:cxn ang="0">
+                  <a:pos x="connsiteX2" y="connsiteY2"/>
+                </a:cxn>
+              </a:cxnLst>
+              <a:rect l="l" t="t" r="r" b="b"/>
+              <a:pathLst>
+                <a:path w="2545492" h="883404">
+                  <a:moveTo>
+                    <a:pt x="2545492" y="0"/>
+                  </a:moveTo>
+                  <a:cubicBezTo>
+                    <a:pt x="2084173" y="303770"/>
+                    <a:pt x="1622854" y="607540"/>
+                    <a:pt x="1198605" y="753762"/>
+                  </a:cubicBezTo>
+                  <a:cubicBezTo>
+                    <a:pt x="774356" y="899984"/>
+                    <a:pt x="387178" y="888657"/>
+                    <a:pt x="0" y="877330"/>
+                  </a:cubicBezTo>
+                </a:path>
+              </a:pathLst>
+            </a:custGeom>
+            <a:noFill/>
+            <a:ln w="38100">
+              <a:tailEnd type="triangle"/>
+            </a:ln>
+          </p:spPr>
+          <p:style>
+            <a:lnRef idx="2">
+              <a:schemeClr val="accent1">
+                <a:shade val="50000"/>
+              </a:schemeClr>
+            </a:lnRef>
+            <a:fillRef idx="1">
+              <a:schemeClr val="accent1"/>
+            </a:fillRef>
+            <a:effectRef idx="0">
+              <a:schemeClr val="accent1"/>
+            </a:effectRef>
+            <a:fontRef idx="minor">
+              <a:schemeClr val="lt1"/>
+            </a:fontRef>
+          </p:style>
+          <p:txBody>
+            <a:bodyPr rtlCol="0" anchor="ctr"/>
+            <a:lstStyle/>
+            <a:p>
+              <a:pPr algn="ctr"/>
+              <a:endParaRPr lang="de-DE"/>
+            </a:p>
+          </p:txBody>
+        </p:sp>
+        <p:sp>
+          <p:nvSpPr>
+            <p:cNvPr id="25" name="Oval 24">
+              <a:extLst>
+                <a:ext uri="{FF2B5EF4-FFF2-40B4-BE49-F238E27FC236}">
+                  <a16:creationId xmlns:a16="http://schemas.microsoft.com/office/drawing/2014/main" id="{12C0582E-72CE-CC4D-B081-646DC51F7E8A}"/>
+                </a:ext>
+              </a:extLst>
+            </p:cNvPr>
+            <p:cNvSpPr/>
+            <p:nvPr/>
+          </p:nvSpPr>
+          <p:spPr>
+            <a:xfrm>
+              <a:off x="7929948" y="4605932"/>
+              <a:ext cx="370701" cy="370701"/>
+            </a:xfrm>
+            <a:prstGeom prst="ellipse">
+              <a:avLst/>
+            </a:prstGeom>
+          </p:spPr>
+          <p:style>
+            <a:lnRef idx="2">
+              <a:schemeClr val="accent1">
+                <a:shade val="50000"/>
+              </a:schemeClr>
+            </a:lnRef>
+            <a:fillRef idx="1">
+              <a:schemeClr val="accent1"/>
+            </a:fillRef>
+            <a:effectRef idx="0">
+              <a:schemeClr val="accent1"/>
+            </a:effectRef>
+            <a:fontRef idx="minor">
+              <a:schemeClr val="lt1"/>
+            </a:fontRef>
+          </p:style>
+          <p:txBody>
+            <a:bodyPr rtlCol="0" anchor="ctr"/>
+            <a:lstStyle/>
+            <a:p>
+              <a:pPr algn="ctr"/>
+              <a:r>
+                <a:rPr lang="de-DE" dirty="0"/>
+                <a:t>6</a:t>
+              </a:r>
+            </a:p>
+          </p:txBody>
+        </p:sp>
+      </p:grpSp>
+    </p:spTree>
+    <p:extLst>
+      <p:ext uri="{BB962C8B-B14F-4D97-AF65-F5344CB8AC3E}">
+        <p14:creationId xmlns:p14="http://schemas.microsoft.com/office/powerpoint/2010/main" val="740425550"/>
+      </p:ext>
+    </p:extLst>
+  </p:cSld>
+  <p:clrMapOvr>
+    <a:masterClrMapping/>
+  </p:clrMapOvr>
+  <p:timing>
+    <p:tnLst>
+      <p:par>
+        <p:cTn id="1" dur="indefinite" restart="never" nodeType="tmRoot">
+          <p:childTnLst>
+            <p:seq concurrent="1" nextAc="seek">
+              <p:cTn id="2" dur="indefinite" nodeType="mainSeq">
+                <p:childTnLst>
+                  <p:par>
+                    <p:cTn id="3" fill="hold">
+                      <p:stCondLst>
+                        <p:cond delay="indefinite"/>
+                      </p:stCondLst>
+                      <p:childTnLst>
+                        <p:par>
+                          <p:cTn id="4" fill="hold">
+                            <p:stCondLst>
+                              <p:cond delay="0"/>
+                            </p:stCondLst>
+                            <p:childTnLst>
+                              <p:par>
+                                <p:cTn id="5" presetID="10" presetClass="entr" presetSubtype="0" fill="hold" nodeType="clickEffect">
+                                  <p:stCondLst>
+                                    <p:cond delay="0"/>
+                                  </p:stCondLst>
+                                  <p:childTnLst>
+                                    <p:set>
+                                      <p:cBhvr>
+                                        <p:cTn id="6" dur="1" fill="hold">
+                                          <p:stCondLst>
+                                            <p:cond delay="0"/>
+                                          </p:stCondLst>
+                                        </p:cTn>
+                                        <p:tgtEl>
+                                          <p:spTgt spid="20"/>
+                                        </p:tgtEl>
+                                        <p:attrNameLst>
+                                          <p:attrName>style.visibility</p:attrName>
+                                        </p:attrNameLst>
+                                      </p:cBhvr>
+                                      <p:to>
+                                        <p:strVal val="visible"/>
+                                      </p:to>
+                                    </p:set>
+                                    <p:animEffect transition="in" filter="fade">
+                                      <p:cBhvr>
+                                        <p:cTn id="7" dur="500"/>
+                                        <p:tgtEl>
+                                          <p:spTgt spid="20"/>
+                                        </p:tgtEl>
+                                      </p:cBhvr>
+                                    </p:animEffect>
+                                  </p:childTnLst>
+                                </p:cTn>
+                              </p:par>
+                            </p:childTnLst>
+                          </p:cTn>
+                        </p:par>
+                      </p:childTnLst>
+                    </p:cTn>
+                  </p:par>
+                  <p:par>
+                    <p:cTn id="8" fill="hold">
+                      <p:stCondLst>
+                        <p:cond delay="indefinite"/>
+                      </p:stCondLst>
+                      <p:childTnLst>
+                        <p:par>
+                          <p:cTn id="9" fill="hold">
+                            <p:stCondLst>
+                              <p:cond delay="0"/>
+                            </p:stCondLst>
+                            <p:childTnLst>
+                              <p:par>
+                                <p:cTn id="10" presetID="10" presetClass="entr" presetSubtype="0" fill="hold" nodeType="clickEffect">
+                                  <p:stCondLst>
+                                    <p:cond delay="0"/>
+                                  </p:stCondLst>
+                                  <p:childTnLst>
+                                    <p:set>
+                                      <p:cBhvr>
+                                        <p:cTn id="11" dur="1" fill="hold">
+                                          <p:stCondLst>
+                                            <p:cond delay="0"/>
+                                          </p:stCondLst>
+                                        </p:cTn>
+                                        <p:tgtEl>
+                                          <p:spTgt spid="23"/>
+                                        </p:tgtEl>
+                                        <p:attrNameLst>
+                                          <p:attrName>style.visibility</p:attrName>
+                                        </p:attrNameLst>
+                                      </p:cBhvr>
+                                      <p:to>
+                                        <p:strVal val="visible"/>
+                                      </p:to>
+                                    </p:set>
+                                    <p:animEffect transition="in" filter="fade">
+                                      <p:cBhvr>
+                                        <p:cTn id="12" dur="500"/>
+                                        <p:tgtEl>
+                                          <p:spTgt spid="23"/>
+                                        </p:tgtEl>
+                                      </p:cBhvr>
+                                    </p:animEffect>
+                                  </p:childTnLst>
+                                </p:cTn>
+                              </p:par>
+                            </p:childTnLst>
+                          </p:cTn>
+                        </p:par>
+                      </p:childTnLst>
+                    </p:cTn>
+                  </p:par>
+                  <p:par>
+                    <p:cTn id="13" fill="hold">
+                      <p:stCondLst>
+                        <p:cond delay="indefinite"/>
+                      </p:stCondLst>
+                      <p:childTnLst>
+                        <p:par>
+                          <p:cTn id="14" fill="hold">
+                            <p:stCondLst>
+                              <p:cond delay="0"/>
+                            </p:stCondLst>
+                            <p:childTnLst>
+                              <p:par>
+                                <p:cTn id="15" presetID="10" presetClass="exit" presetSubtype="0" fill="hold" nodeType="clickEffect">
+                                  <p:stCondLst>
+                                    <p:cond delay="0"/>
+                                  </p:stCondLst>
+                                  <p:childTnLst>
+                                    <p:animEffect transition="out" filter="fade">
+                                      <p:cBhvr>
+                                        <p:cTn id="16" dur="500"/>
+                                        <p:tgtEl>
+                                          <p:spTgt spid="16"/>
+                                        </p:tgtEl>
+                                      </p:cBhvr>
+                                    </p:animEffect>
+                                    <p:set>
+                                      <p:cBhvr>
+                                        <p:cTn id="17" dur="1" fill="hold">
+                                          <p:stCondLst>
+                                            <p:cond delay="499"/>
+                                          </p:stCondLst>
+                                        </p:cTn>
+                                        <p:tgtEl>
+                                          <p:spTgt spid="16"/>
+                                        </p:tgtEl>
+                                        <p:attrNameLst>
+                                          <p:attrName>style.visibility</p:attrName>
+                                        </p:attrNameLst>
+                                      </p:cBhvr>
+                                      <p:to>
+                                        <p:strVal val="hidden"/>
+                                      </p:to>
+                                    </p:set>
+                                  </p:childTnLst>
+                                </p:cTn>
+                              </p:par>
+                              <p:par>
+                                <p:cTn id="18" presetID="10" presetClass="exit" presetSubtype="0" fill="hold" nodeType="withEffect">
+                                  <p:stCondLst>
+                                    <p:cond delay="0"/>
+                                  </p:stCondLst>
+                                  <p:childTnLst>
+                                    <p:animEffect transition="out" filter="fade">
+                                      <p:cBhvr>
+                                        <p:cTn id="19" dur="500"/>
+                                        <p:tgtEl>
+                                          <p:spTgt spid="23"/>
+                                        </p:tgtEl>
+                                      </p:cBhvr>
+                                    </p:animEffect>
+                                    <p:set>
+                                      <p:cBhvr>
+                                        <p:cTn id="20" dur="1" fill="hold">
+                                          <p:stCondLst>
+                                            <p:cond delay="499"/>
+                                          </p:stCondLst>
+                                        </p:cTn>
+                                        <p:tgtEl>
+                                          <p:spTgt spid="23"/>
+                                        </p:tgtEl>
+                                        <p:attrNameLst>
+                                          <p:attrName>style.visibility</p:attrName>
+                                        </p:attrNameLst>
+                                      </p:cBhvr>
+                                      <p:to>
+                                        <p:strVal val="hidden"/>
+                                      </p:to>
+                                    </p:set>
+                                  </p:childTnLst>
+                                </p:cTn>
+                              </p:par>
+                              <p:par>
+                                <p:cTn id="21" presetID="10" presetClass="exit" presetSubtype="0" fill="hold" grpId="0" nodeType="withEffect">
+                                  <p:stCondLst>
+                                    <p:cond delay="0"/>
+                                  </p:stCondLst>
+                                  <p:childTnLst>
+                                    <p:animEffect transition="out" filter="fade">
+                                      <p:cBhvr>
+                                        <p:cTn id="22" dur="500"/>
+                                        <p:tgtEl>
+                                          <p:spTgt spid="19"/>
+                                        </p:tgtEl>
+                                      </p:cBhvr>
+                                    </p:animEffect>
+                                    <p:set>
+                                      <p:cBhvr>
+                                        <p:cTn id="23" dur="1" fill="hold">
+                                          <p:stCondLst>
+                                            <p:cond delay="499"/>
+                                          </p:stCondLst>
+                                        </p:cTn>
+                                        <p:tgtEl>
+                                          <p:spTgt spid="19"/>
+                                        </p:tgtEl>
+                                        <p:attrNameLst>
+                                          <p:attrName>style.visibility</p:attrName>
+                                        </p:attrNameLst>
+                                      </p:cBhvr>
+                                      <p:to>
+                                        <p:strVal val="hidden"/>
+                                      </p:to>
+                                    </p:set>
+                                  </p:childTnLst>
+                                </p:cTn>
+                              </p:par>
+                              <p:par>
+                                <p:cTn id="24" presetID="10" presetClass="exit" presetSubtype="0" fill="hold" nodeType="withEffect">
+                                  <p:stCondLst>
+                                    <p:cond delay="0"/>
+                                  </p:stCondLst>
+                                  <p:childTnLst>
+                                    <p:animEffect transition="out" filter="fade">
+                                      <p:cBhvr>
+                                        <p:cTn id="25" dur="500"/>
+                                        <p:tgtEl>
+                                          <p:spTgt spid="20"/>
+                                        </p:tgtEl>
+                                      </p:cBhvr>
+                                    </p:animEffect>
+                                    <p:set>
+                                      <p:cBhvr>
+                                        <p:cTn id="26" dur="1" fill="hold">
+                                          <p:stCondLst>
+                                            <p:cond delay="499"/>
+                                          </p:stCondLst>
+                                        </p:cTn>
+                                        <p:tgtEl>
+                                          <p:spTgt spid="20"/>
+                                        </p:tgtEl>
+                                        <p:attrNameLst>
+                                          <p:attrName>style.visibility</p:attrName>
+                                        </p:attrNameLst>
+                                      </p:cBhvr>
+                                      <p:to>
+                                        <p:strVal val="hidden"/>
+                                      </p:to>
+                                    </p:set>
+                                  </p:childTnLst>
+                                </p:cTn>
+                              </p:par>
+                            </p:childTnLst>
+                          </p:cTn>
+                        </p:par>
+                      </p:childTnLst>
+                    </p:cTn>
+                  </p:par>
+                </p:childTnLst>
+              </p:cTn>
+              <p:prevCondLst>
+                <p:cond evt="onPrev" delay="0">
+                  <p:tgtEl>
+                    <p:sldTgt/>
+                  </p:tgtEl>
+                </p:cond>
+              </p:prevCondLst>
+              <p:nextCondLst>
+                <p:cond evt="onNext" delay="0">
+                  <p:tgtEl>
+                    <p:sldTgt/>
+                  </p:tgtEl>
+                </p:cond>
+              </p:nextCondLst>
+            </p:seq>
+          </p:childTnLst>
+        </p:cTn>
+      </p:par>
+    </p:tnLst>
+    <p:bldLst>
+      <p:bldP spid="19" grpId="0" animBg="1"/>
+    </p:bldLst>
+  </p:timing>
+</p:sld>
+</file>
+
+<file path=ppt/slides/slide33.xml><?xml version="1.0" encoding="utf-8"?>
+<p:sld xmlns:a="http://schemas.openxmlformats.org/drawingml/2006/main" xmlns:r="http://schemas.openxmlformats.org/officeDocument/2006/relationships" xmlns:p="http://schemas.openxmlformats.org/presentationml/2006/main">
+  <p:cSld>
+    <p:bg>
+      <p:bgPr>
+        <a:solidFill>
+          <a:schemeClr val="bg1"/>
+        </a:solidFill>
+        <a:effectLst/>
+      </p:bgPr>
+    </p:bg>
+    <p:spTree>
+      <p:nvGrpSpPr>
+        <p:cNvPr id="1" name=""/>
+        <p:cNvGrpSpPr/>
+        <p:nvPr/>
+      </p:nvGrpSpPr>
+      <p:grpSpPr>
+        <a:xfrm>
+          <a:off x="0" y="0"/>
+          <a:ext cx="0" cy="0"/>
+          <a:chOff x="0" y="0"/>
+          <a:chExt cx="0" cy="0"/>
+        </a:xfrm>
+      </p:grpSpPr>
+      <p:sp>
+        <p:nvSpPr>
+          <p:cNvPr id="8" name="Rectangle 7">
+            <a:extLst>
+              <a:ext uri="{FF2B5EF4-FFF2-40B4-BE49-F238E27FC236}">
+                <a16:creationId xmlns:a16="http://schemas.microsoft.com/office/drawing/2014/main" id="{BD4C0BBB-0042-4603-A226-6117F3FD5B3C}"/>
+              </a:ext>
+              <a:ext uri="{C183D7F6-B498-43B3-948B-1728B52AA6E4}">
+                <adec:decorative xmlns:adec="http://schemas.microsoft.com/office/drawing/2017/decorative" val="1"/>
+              </a:ext>
+            </a:extLst>
+          </p:cNvPr>
+          <p:cNvSpPr>
+            <a:spLocks noGrp="1" noRot="1" noChangeAspect="1" noMove="1" noResize="1" noEditPoints="1" noAdjustHandles="1" noChangeArrowheads="1" noChangeShapeType="1" noTextEdit="1"/>
+          </p:cNvSpPr>
+          <p:nvPr>
+            <p:extLst>
+              <p:ext uri="{386F3935-93C4-4BCD-93E2-E3B085C9AB24}">
+                <p16:designElem xmlns:p16="http://schemas.microsoft.com/office/powerpoint/2015/main" val="1"/>
+              </p:ext>
+            </p:extLst>
+          </p:nvPr>
+        </p:nvSpPr>
+        <p:spPr>
+          <a:xfrm rot="10800000" flipH="1">
+            <a:off x="0" y="6400799"/>
+            <a:ext cx="12192000" cy="456773"/>
+          </a:xfrm>
+          <a:prstGeom prst="rect">
+            <a:avLst/>
+          </a:prstGeom>
+          <a:gradFill>
+            <a:gsLst>
+              <a:gs pos="14000">
+                <a:schemeClr val="accent4">
+                  <a:alpha val="28000"/>
+                </a:schemeClr>
+              </a:gs>
+              <a:gs pos="100000">
+                <a:schemeClr val="accent5">
+                  <a:alpha val="85000"/>
+                </a:schemeClr>
+              </a:gs>
+            </a:gsLst>
+            <a:lin ang="6000000" scaled="0"/>
+          </a:gradFill>
+          <a:ln>
+            <a:noFill/>
+          </a:ln>
+        </p:spPr>
+        <p:style>
+          <a:lnRef idx="2">
+            <a:schemeClr val="accent1">
+              <a:shade val="50000"/>
+            </a:schemeClr>
+          </a:lnRef>
+          <a:fillRef idx="1">
+            <a:schemeClr val="accent1"/>
+          </a:fillRef>
+          <a:effectRef idx="0">
+            <a:schemeClr val="accent1"/>
+          </a:effectRef>
+          <a:fontRef idx="minor">
+            <a:schemeClr val="lt1"/>
+          </a:fontRef>
+        </p:style>
+        <p:txBody>
+          <a:bodyPr rtlCol="0" anchor="ctr"/>
+          <a:lstStyle/>
+          <a:p>
+            <a:pPr algn="ctr"/>
+            <a:endParaRPr lang="en-US"/>
+          </a:p>
+        </p:txBody>
+      </p:sp>
+      <p:sp>
+        <p:nvSpPr>
+          <p:cNvPr id="10" name="Rectangle 9">
+            <a:extLst>
+              <a:ext uri="{FF2B5EF4-FFF2-40B4-BE49-F238E27FC236}">
+                <a16:creationId xmlns:a16="http://schemas.microsoft.com/office/drawing/2014/main" id="{EC44F520-2598-460E-9F91-B02F60830CA2}"/>
+              </a:ext>
+              <a:ext uri="{C183D7F6-B498-43B3-948B-1728B52AA6E4}">
+                <adec:decorative xmlns:adec="http://schemas.microsoft.com/office/drawing/2017/decorative" val="1"/>
+              </a:ext>
+            </a:extLst>
+          </p:cNvPr>
+          <p:cNvSpPr>
+            <a:spLocks noGrp="1" noRot="1" noChangeAspect="1" noMove="1" noResize="1" noEditPoints="1" noAdjustHandles="1" noChangeArrowheads="1" noChangeShapeType="1" noTextEdit="1"/>
+          </p:cNvSpPr>
+          <p:nvPr>
+            <p:extLst>
+              <p:ext uri="{386F3935-93C4-4BCD-93E2-E3B085C9AB24}">
+                <p16:designElem xmlns:p16="http://schemas.microsoft.com/office/powerpoint/2015/main" val="1"/>
+              </p:ext>
+            </p:extLst>
+          </p:nvPr>
+        </p:nvSpPr>
+        <p:spPr>
+          <a:xfrm flipH="1">
+            <a:off x="4038600" y="6400799"/>
+            <a:ext cx="8153398" cy="456772"/>
+          </a:xfrm>
+          <a:prstGeom prst="rect">
+            <a:avLst/>
+          </a:prstGeom>
+          <a:gradFill>
+            <a:gsLst>
+              <a:gs pos="9000">
+                <a:schemeClr val="accent2">
+                  <a:lumMod val="60000"/>
+                  <a:lumOff val="40000"/>
+                  <a:alpha val="55000"/>
+                </a:schemeClr>
+              </a:gs>
+              <a:gs pos="99000">
+                <a:schemeClr val="accent2"/>
+              </a:gs>
+            </a:gsLst>
+            <a:lin ang="14400000" scaled="0"/>
+          </a:gradFill>
+          <a:ln>
+            <a:noFill/>
+          </a:ln>
+        </p:spPr>
+        <p:style>
+          <a:lnRef idx="2">
+            <a:schemeClr val="accent1">
+              <a:shade val="50000"/>
+            </a:schemeClr>
+          </a:lnRef>
+          <a:fillRef idx="1">
+            <a:schemeClr val="accent1"/>
+          </a:fillRef>
+          <a:effectRef idx="0">
+            <a:schemeClr val="accent1"/>
+          </a:effectRef>
+          <a:fontRef idx="minor">
+            <a:schemeClr val="lt1"/>
+          </a:fontRef>
+        </p:style>
+        <p:txBody>
+          <a:bodyPr rtlCol="0" anchor="ctr"/>
+          <a:lstStyle/>
+          <a:p>
+            <a:pPr algn="ctr"/>
+            <a:endParaRPr lang="en-US"/>
+          </a:p>
+        </p:txBody>
+      </p:sp>
+      <p:sp useBgFill="1">
+        <p:nvSpPr>
+          <p:cNvPr id="12" name="Rectangle 11">
+            <a:extLst>
+              <a:ext uri="{FF2B5EF4-FFF2-40B4-BE49-F238E27FC236}">
+                <a16:creationId xmlns:a16="http://schemas.microsoft.com/office/drawing/2014/main" id="{7404E292-5FAB-47E8-A663-A07530CED8FF}"/>
+              </a:ext>
+              <a:ext uri="{C183D7F6-B498-43B3-948B-1728B52AA6E4}">
+                <adec:decorative xmlns:adec="http://schemas.microsoft.com/office/drawing/2017/decorative" val="1"/>
+              </a:ext>
+            </a:extLst>
+          </p:cNvPr>
+          <p:cNvSpPr>
+            <a:spLocks noGrp="1" noRot="1" noChangeAspect="1" noMove="1" noResize="1" noEditPoints="1" noAdjustHandles="1" noChangeArrowheads="1" noChangeShapeType="1" noTextEdit="1"/>
+          </p:cNvSpPr>
+          <p:nvPr>
+            <p:extLst>
+              <p:ext uri="{386F3935-93C4-4BCD-93E2-E3B085C9AB24}">
+                <p16:designElem xmlns:p16="http://schemas.microsoft.com/office/powerpoint/2015/main" val="1"/>
+              </p:ext>
+            </p:extLst>
+          </p:nvPr>
+        </p:nvSpPr>
+        <p:spPr>
+          <a:xfrm>
+            <a:off x="0" y="0"/>
+            <a:ext cx="12192000" cy="6858000"/>
+          </a:xfrm>
+          <a:prstGeom prst="rect">
+            <a:avLst/>
+          </a:prstGeom>
+          <a:ln w="12700" cap="flat" cmpd="sng" algn="ctr">
+            <a:noFill/>
+            <a:prstDash val="solid"/>
+            <a:miter lim="800000"/>
+          </a:ln>
+          <a:effectLst/>
+          <a:extLst>
+            <a:ext uri="{91240B29-F687-4F45-9708-019B960494DF}">
+              <a14:hiddenLine xmlns:a14="http://schemas.microsoft.com/office/drawing/2010/main" w="12700" cap="flat" cmpd="sng" algn="ctr">
+                <a:solidFill>
+                  <a:schemeClr val="accent1">
+                    <a:shade val="50000"/>
+                  </a:schemeClr>
+                </a:solidFill>
+                <a:prstDash val="solid"/>
+                <a:miter lim="800000"/>
+              </a14:hiddenLine>
+            </a:ext>
+          </a:extLst>
+        </p:spPr>
+        <p:style>
+          <a:lnRef idx="2">
+            <a:schemeClr val="accent1">
+              <a:shade val="50000"/>
+            </a:schemeClr>
+          </a:lnRef>
+          <a:fillRef idx="1">
+            <a:schemeClr val="accent1"/>
+          </a:fillRef>
+          <a:effectRef idx="0">
+            <a:schemeClr val="accent1"/>
+          </a:effectRef>
+          <a:fontRef idx="minor">
+            <a:schemeClr val="lt1"/>
+          </a:fontRef>
+        </p:style>
+        <p:txBody>
+          <a:bodyPr rtlCol="0" anchor="ctr"/>
+          <a:lstStyle/>
+          <a:p>
+            <a:pPr algn="ctr"/>
+            <a:endParaRPr lang="en-US"/>
+          </a:p>
+        </p:txBody>
+      </p:sp>
+      <p:sp>
+        <p:nvSpPr>
+          <p:cNvPr id="14" name="Rectangle 13">
+            <a:extLst>
+              <a:ext uri="{FF2B5EF4-FFF2-40B4-BE49-F238E27FC236}">
+                <a16:creationId xmlns:a16="http://schemas.microsoft.com/office/drawing/2014/main" id="{D80FF8ED-64CE-400C-A4D5-9F943FC264DE}"/>
+              </a:ext>
+              <a:ext uri="{C183D7F6-B498-43B3-948B-1728B52AA6E4}">
+                <adec:decorative xmlns:adec="http://schemas.microsoft.com/office/drawing/2017/decorative" val="1"/>
+              </a:ext>
+            </a:extLst>
+          </p:cNvPr>
+          <p:cNvSpPr>
+            <a:spLocks noGrp="1" noRot="1" noChangeAspect="1" noMove="1" noResize="1" noEditPoints="1" noAdjustHandles="1" noChangeArrowheads="1" noChangeShapeType="1" noTextEdit="1"/>
+          </p:cNvSpPr>
+          <p:nvPr>
+            <p:extLst>
+              <p:ext uri="{386F3935-93C4-4BCD-93E2-E3B085C9AB24}">
+                <p16:designElem xmlns:p16="http://schemas.microsoft.com/office/powerpoint/2015/main" val="1"/>
+              </p:ext>
+            </p:extLst>
+          </p:nvPr>
+        </p:nvSpPr>
+        <p:spPr>
+          <a:xfrm rot="10800000" flipH="1">
+            <a:off x="0" y="0"/>
+            <a:ext cx="12191999" cy="6858000"/>
+          </a:xfrm>
+          <a:prstGeom prst="rect">
+            <a:avLst/>
+          </a:prstGeom>
+          <a:gradFill>
+            <a:gsLst>
+              <a:gs pos="0">
+                <a:schemeClr val="accent5">
+                  <a:alpha val="75000"/>
+                </a:schemeClr>
+              </a:gs>
+              <a:gs pos="100000">
+                <a:schemeClr val="accent2">
+                  <a:lumMod val="60000"/>
+                  <a:lumOff val="40000"/>
+                </a:schemeClr>
+              </a:gs>
+            </a:gsLst>
+            <a:lin ang="13800000" scaled="0"/>
+          </a:gradFill>
+          <a:ln>
+            <a:noFill/>
+          </a:ln>
+        </p:spPr>
+        <p:style>
+          <a:lnRef idx="2">
+            <a:schemeClr val="accent1">
+              <a:shade val="50000"/>
+            </a:schemeClr>
+          </a:lnRef>
+          <a:fillRef idx="1">
+            <a:schemeClr val="accent1"/>
+          </a:fillRef>
+          <a:effectRef idx="0">
+            <a:schemeClr val="accent1"/>
+          </a:effectRef>
+          <a:fontRef idx="minor">
+            <a:schemeClr val="lt1"/>
+          </a:fontRef>
+        </p:style>
+        <p:txBody>
+          <a:bodyPr rtlCol="0" anchor="ctr"/>
+          <a:lstStyle/>
+          <a:p>
+            <a:pPr algn="ctr"/>
+            <a:endParaRPr lang="en-US"/>
+          </a:p>
+        </p:txBody>
+      </p:sp>
+      <p:sp>
+        <p:nvSpPr>
+          <p:cNvPr id="16" name="Rectangle 15">
+            <a:extLst>
+              <a:ext uri="{FF2B5EF4-FFF2-40B4-BE49-F238E27FC236}">
+                <a16:creationId xmlns:a16="http://schemas.microsoft.com/office/drawing/2014/main" id="{568868AD-100D-45F3-B11E-8A2936712B9E}"/>
+              </a:ext>
+              <a:ext uri="{C183D7F6-B498-43B3-948B-1728B52AA6E4}">
+                <adec:decorative xmlns:adec="http://schemas.microsoft.com/office/drawing/2017/decorative" val="1"/>
+              </a:ext>
+            </a:extLst>
+          </p:cNvPr>
+          <p:cNvSpPr>
+            <a:spLocks noGrp="1" noRot="1" noChangeAspect="1" noMove="1" noResize="1" noEditPoints="1" noAdjustHandles="1" noChangeArrowheads="1" noChangeShapeType="1" noTextEdit="1"/>
+          </p:cNvSpPr>
+          <p:nvPr>
+            <p:extLst>
+              <p:ext uri="{386F3935-93C4-4BCD-93E2-E3B085C9AB24}">
+                <p16:designElem xmlns:p16="http://schemas.microsoft.com/office/powerpoint/2015/main" val="1"/>
+              </p:ext>
+            </p:extLst>
+          </p:nvPr>
+        </p:nvSpPr>
+        <p:spPr>
+          <a:xfrm rot="10800000">
+            <a:off x="0" y="0"/>
+            <a:ext cx="12191999" cy="6858000"/>
+          </a:xfrm>
+          <a:prstGeom prst="rect">
+            <a:avLst/>
+          </a:prstGeom>
+          <a:gradFill>
+            <a:gsLst>
+              <a:gs pos="49000">
+                <a:schemeClr val="accent5">
+                  <a:alpha val="50000"/>
+                </a:schemeClr>
+              </a:gs>
+              <a:gs pos="100000">
+                <a:schemeClr val="accent2">
+                  <a:alpha val="74000"/>
+                </a:schemeClr>
+              </a:gs>
+            </a:gsLst>
+            <a:lin ang="15000000" scaled="0"/>
+          </a:gradFill>
+          <a:ln>
+            <a:noFill/>
+          </a:ln>
+        </p:spPr>
+        <p:style>
+          <a:lnRef idx="2">
+            <a:schemeClr val="accent1">
+              <a:shade val="50000"/>
+            </a:schemeClr>
+          </a:lnRef>
+          <a:fillRef idx="1">
+            <a:schemeClr val="accent1"/>
+          </a:fillRef>
+          <a:effectRef idx="0">
+            <a:schemeClr val="accent1"/>
+          </a:effectRef>
+          <a:fontRef idx="minor">
+            <a:schemeClr val="lt1"/>
+          </a:fontRef>
+        </p:style>
+        <p:txBody>
+          <a:bodyPr rtlCol="0" anchor="ctr"/>
+          <a:lstStyle/>
+          <a:p>
+            <a:pPr algn="ctr"/>
+            <a:endParaRPr lang="en-US"/>
+          </a:p>
+        </p:txBody>
+      </p:sp>
+      <p:sp>
+        <p:nvSpPr>
+          <p:cNvPr id="18" name="Rectangle 17">
+            <a:extLst>
+              <a:ext uri="{FF2B5EF4-FFF2-40B4-BE49-F238E27FC236}">
+                <a16:creationId xmlns:a16="http://schemas.microsoft.com/office/drawing/2014/main" id="{714742CC-05F9-44AC-AF98-AB6EF810E47D}"/>
+              </a:ext>
+              <a:ext uri="{C183D7F6-B498-43B3-948B-1728B52AA6E4}">
+                <adec:decorative xmlns:adec="http://schemas.microsoft.com/office/drawing/2017/decorative" val="1"/>
+              </a:ext>
+            </a:extLst>
+          </p:cNvPr>
+          <p:cNvSpPr>
+            <a:spLocks noGrp="1" noRot="1" noChangeAspect="1" noMove="1" noResize="1" noEditPoints="1" noAdjustHandles="1" noChangeArrowheads="1" noChangeShapeType="1" noTextEdit="1"/>
+          </p:cNvSpPr>
+          <p:nvPr>
+            <p:extLst>
+              <p:ext uri="{386F3935-93C4-4BCD-93E2-E3B085C9AB24}">
+                <p16:designElem xmlns:p16="http://schemas.microsoft.com/office/powerpoint/2015/main" val="1"/>
+              </p:ext>
+            </p:extLst>
+          </p:nvPr>
+        </p:nvSpPr>
+        <p:spPr>
+          <a:xfrm rot="10800000" flipH="1">
+            <a:off x="-2" y="0"/>
+            <a:ext cx="6096001" cy="6858000"/>
+          </a:xfrm>
+          <a:prstGeom prst="rect">
+            <a:avLst/>
+          </a:prstGeom>
+          <a:gradFill>
+            <a:gsLst>
+              <a:gs pos="0">
+                <a:schemeClr val="accent2">
+                  <a:alpha val="17000"/>
+                </a:schemeClr>
+              </a:gs>
+              <a:gs pos="85000">
+                <a:schemeClr val="accent4">
+                  <a:alpha val="40000"/>
+                </a:schemeClr>
+              </a:gs>
+            </a:gsLst>
+            <a:lin ang="14400000" scaled="0"/>
+          </a:gradFill>
+          <a:ln>
+            <a:noFill/>
+          </a:ln>
+        </p:spPr>
+        <p:style>
+          <a:lnRef idx="2">
+            <a:schemeClr val="accent1">
+              <a:shade val="50000"/>
+            </a:schemeClr>
+          </a:lnRef>
+          <a:fillRef idx="1">
+            <a:schemeClr val="accent1"/>
+          </a:fillRef>
+          <a:effectRef idx="0">
+            <a:schemeClr val="accent1"/>
+          </a:effectRef>
+          <a:fontRef idx="minor">
+            <a:schemeClr val="lt1"/>
+          </a:fontRef>
+        </p:style>
+        <p:txBody>
+          <a:bodyPr rtlCol="0" anchor="ctr"/>
+          <a:lstStyle/>
+          <a:p>
+            <a:pPr algn="ctr"/>
+            <a:endParaRPr lang="en-US"/>
+          </a:p>
+        </p:txBody>
+      </p:sp>
+      <p:sp>
+        <p:nvSpPr>
+          <p:cNvPr id="20" name="Freeform: Shape 13">
+            <a:extLst>
+              <a:ext uri="{FF2B5EF4-FFF2-40B4-BE49-F238E27FC236}">
+                <a16:creationId xmlns:a16="http://schemas.microsoft.com/office/drawing/2014/main" id="{853C77DB-C7E3-4B1F-9AD0-1EB2982A8659}"/>
+              </a:ext>
+              <a:ext uri="{C183D7F6-B498-43B3-948B-1728B52AA6E4}">
+                <adec:decorative xmlns:adec="http://schemas.microsoft.com/office/drawing/2017/decorative" val="1"/>
+              </a:ext>
+            </a:extLst>
+          </p:cNvPr>
+          <p:cNvSpPr>
+            <a:spLocks noGrp="1" noRot="1" noChangeAspect="1" noMove="1" noResize="1" noEditPoints="1" noAdjustHandles="1" noChangeArrowheads="1" noChangeShapeType="1" noTextEdit="1"/>
+          </p:cNvSpPr>
+          <p:nvPr>
+            <p:extLst>
+              <p:ext uri="{386F3935-93C4-4BCD-93E2-E3B085C9AB24}">
+                <p16:designElem xmlns:p16="http://schemas.microsoft.com/office/powerpoint/2015/main" val="1"/>
+              </p:ext>
+            </p:extLst>
+          </p:nvPr>
+        </p:nvSpPr>
+        <p:spPr>
+          <a:xfrm rot="5400000" flipH="1">
+            <a:off x="3460656" y="-2569189"/>
+            <a:ext cx="5115722" cy="10255626"/>
+          </a:xfrm>
+          <a:custGeom>
+            <a:avLst/>
+            <a:gdLst>
+              <a:gd name="connsiteX0" fmla="*/ 2065105 w 2065105"/>
+              <a:gd name="connsiteY0" fmla="*/ 0 h 4139967"/>
+              <a:gd name="connsiteX1" fmla="*/ 2065105 w 2065105"/>
+              <a:gd name="connsiteY1" fmla="*/ 4139967 h 4139967"/>
+              <a:gd name="connsiteX2" fmla="*/ 1858573 w 2065105"/>
+              <a:gd name="connsiteY2" fmla="*/ 4129538 h 4139967"/>
+              <a:gd name="connsiteX3" fmla="*/ 0 w 2065105"/>
+              <a:gd name="connsiteY3" fmla="*/ 2069983 h 4139967"/>
+              <a:gd name="connsiteX4" fmla="*/ 1858573 w 2065105"/>
+              <a:gd name="connsiteY4" fmla="*/ 10428 h 4139967"/>
+            </a:gdLst>
+            <a:ahLst/>
+            <a:cxnLst>
+              <a:cxn ang="0">
+                <a:pos x="connsiteX0" y="connsiteY0"/>
+              </a:cxn>
+              <a:cxn ang="0">
+                <a:pos x="connsiteX1" y="connsiteY1"/>
+              </a:cxn>
+              <a:cxn ang="0">
+                <a:pos x="connsiteX2" y="connsiteY2"/>
+              </a:cxn>
+              <a:cxn ang="0">
+                <a:pos x="connsiteX3" y="connsiteY3"/>
+              </a:cxn>
+              <a:cxn ang="0">
+                <a:pos x="connsiteX4" y="connsiteY4"/>
+              </a:cxn>
+            </a:cxnLst>
+            <a:rect l="l" t="t" r="r" b="b"/>
+            <a:pathLst>
+              <a:path w="2065105" h="4139967">
+                <a:moveTo>
+                  <a:pt x="2065105" y="0"/>
+                </a:moveTo>
+                <a:lnTo>
+                  <a:pt x="2065105" y="4139967"/>
+                </a:lnTo>
+                <a:lnTo>
+                  <a:pt x="1858573" y="4129538"/>
+                </a:lnTo>
+                <a:cubicBezTo>
+                  <a:pt x="814640" y="4023521"/>
+                  <a:pt x="0" y="3141887"/>
+                  <a:pt x="0" y="2069983"/>
+                </a:cubicBezTo>
+                <a:cubicBezTo>
+                  <a:pt x="0" y="998079"/>
+                  <a:pt x="814640" y="116446"/>
+                  <a:pt x="1858573" y="10428"/>
+                </a:cubicBezTo>
+                <a:close/>
+              </a:path>
+            </a:pathLst>
+          </a:custGeom>
+          <a:gradFill flip="none" rotWithShape="1">
+            <a:gsLst>
+              <a:gs pos="7000">
+                <a:schemeClr val="accent4">
+                  <a:lumMod val="60000"/>
+                  <a:lumOff val="40000"/>
+                  <a:alpha val="3000"/>
+                </a:schemeClr>
+              </a:gs>
+              <a:gs pos="100000">
+                <a:schemeClr val="accent4">
+                  <a:lumMod val="60000"/>
+                  <a:lumOff val="40000"/>
+                  <a:alpha val="37000"/>
+                </a:schemeClr>
+              </a:gs>
+            </a:gsLst>
+            <a:lin ang="2700000" scaled="1"/>
+            <a:tileRect/>
+          </a:gradFill>
+          <a:ln>
+            <a:noFill/>
+          </a:ln>
+        </p:spPr>
+        <p:style>
+          <a:lnRef idx="2">
+            <a:schemeClr val="accent1">
+              <a:shade val="50000"/>
+            </a:schemeClr>
+          </a:lnRef>
+          <a:fillRef idx="1">
+            <a:schemeClr val="accent1"/>
+          </a:fillRef>
+          <a:effectRef idx="0">
+            <a:schemeClr val="accent1"/>
+          </a:effectRef>
+          <a:fontRef idx="minor">
+            <a:schemeClr val="lt1"/>
+          </a:fontRef>
+        </p:style>
+        <p:txBody>
+          <a:bodyPr rtlCol="0" anchor="ctr"/>
+          <a:lstStyle/>
+          <a:p>
+            <a:pPr algn="ctr"/>
+            <a:endParaRPr lang="en-US"/>
+          </a:p>
+        </p:txBody>
+      </p:sp>
+      <p:sp>
+        <p:nvSpPr>
+          <p:cNvPr id="3" name="Titel 2">
+            <a:extLst>
+              <a:ext uri="{FF2B5EF4-FFF2-40B4-BE49-F238E27FC236}">
+                <a16:creationId xmlns:a16="http://schemas.microsoft.com/office/drawing/2014/main" id="{FE5F616D-1F0F-1341-9695-0A33AF8CA419}"/>
+              </a:ext>
+            </a:extLst>
+          </p:cNvPr>
+          <p:cNvSpPr>
+            <a:spLocks noGrp="1"/>
+          </p:cNvSpPr>
+          <p:nvPr>
+            <p:ph type="title"/>
+          </p:nvPr>
+        </p:nvSpPr>
+        <p:spPr>
+          <a:xfrm>
+            <a:off x="1524000" y="1104445"/>
+            <a:ext cx="9144000" cy="2826182"/>
+          </a:xfrm>
+        </p:spPr>
+        <p:txBody>
+          <a:bodyPr vert="horz" lIns="0" tIns="0" rIns="0" bIns="0" rtlCol="0" anchor="ctr">
+            <a:normAutofit fontScale="90000"/>
+          </a:bodyPr>
+          <a:lstStyle/>
+          <a:p>
+            <a:pPr algn="ctr"/>
+            <a:r>
+              <a:rPr lang="en-US" sz="4400" b="0" spc="750" dirty="0">
+                <a:solidFill>
+                  <a:schemeClr val="bg1"/>
+                </a:solidFill>
+              </a:rPr>
+              <a:t>Functional Programming</a:t>
+            </a:r>
+            <a:br>
+              <a:rPr lang="en-US" sz="4400" b="0" spc="750" dirty="0">
+                <a:solidFill>
+                  <a:schemeClr val="bg1"/>
+                </a:solidFill>
+              </a:rPr>
+            </a:br>
+            <a:r>
+              <a:rPr lang="en-US" sz="4400" b="0" spc="750" dirty="0">
+                <a:solidFill>
+                  <a:schemeClr val="bg1"/>
+                </a:solidFill>
+              </a:rPr>
+              <a:t>with JAVASCRIPT</a:t>
+            </a:r>
+            <a:br>
+              <a:rPr lang="en-US" sz="4400" spc="750" dirty="0">
+                <a:solidFill>
+                  <a:schemeClr val="bg1"/>
+                </a:solidFill>
+              </a:rPr>
+            </a:br>
+            <a:br>
+              <a:rPr lang="en-US" sz="4400" spc="750" dirty="0">
+                <a:solidFill>
+                  <a:schemeClr val="bg1"/>
+                </a:solidFill>
+              </a:rPr>
+            </a:br>
+            <a:r>
+              <a:rPr lang="en-US" sz="4400" spc="750" dirty="0">
+                <a:solidFill>
+                  <a:schemeClr val="bg1"/>
+                </a:solidFill>
+              </a:rPr>
+              <a:t>The END</a:t>
+            </a:r>
+          </a:p>
+        </p:txBody>
+      </p:sp>
+      <p:sp>
+        <p:nvSpPr>
+          <p:cNvPr id="2" name="Datumsplatzhalter 1">
+            <a:extLst>
+              <a:ext uri="{FF2B5EF4-FFF2-40B4-BE49-F238E27FC236}">
+                <a16:creationId xmlns:a16="http://schemas.microsoft.com/office/drawing/2014/main" id="{1940CFF2-4990-E448-891B-F7730AA9D5DC}"/>
+              </a:ext>
+            </a:extLst>
+          </p:cNvPr>
+          <p:cNvSpPr>
+            <a:spLocks noGrp="1"/>
+          </p:cNvSpPr>
+          <p:nvPr>
+            <p:ph type="dt" sz="half" idx="10"/>
+          </p:nvPr>
+        </p:nvSpPr>
+        <p:spPr/>
+        <p:txBody>
+          <a:bodyPr/>
+          <a:lstStyle/>
+          <a:p>
+            <a:r>
+              <a:rPr lang="de-CH"/>
+              <a:t>Davide Valerio, 27. January 2021</a:t>
+            </a:r>
+            <a:endParaRPr lang="en-US"/>
+          </a:p>
+        </p:txBody>
+      </p:sp>
+    </p:spTree>
+    <p:extLst>
+      <p:ext uri="{BB962C8B-B14F-4D97-AF65-F5344CB8AC3E}">
+        <p14:creationId xmlns:p14="http://schemas.microsoft.com/office/powerpoint/2010/main" val="172807929"/>
       </p:ext>
     </p:extLst>
   </p:cSld>
